--- a/PPT/yuangong.pptx
+++ b/PPT/yuangong.pptx
@@ -5,7 +5,7 @@
     <p:sldMasterId id="2147483648" r:id="rId1"/>
   </p:sldMasterIdLst>
   <p:notesMasterIdLst>
-    <p:notesMasterId r:id="rId22"/>
+    <p:notesMasterId r:id="rId21"/>
   </p:notesMasterIdLst>
   <p:sldIdLst>
     <p:sldId id="256" r:id="rId2"/>
@@ -17,22 +17,21 @@
     <p:sldId id="266" r:id="rId8"/>
     <p:sldId id="284" r:id="rId9"/>
     <p:sldId id="265" r:id="rId10"/>
-    <p:sldId id="283" r:id="rId11"/>
-    <p:sldId id="260" r:id="rId12"/>
-    <p:sldId id="269" r:id="rId13"/>
-    <p:sldId id="268" r:id="rId14"/>
-    <p:sldId id="261" r:id="rId15"/>
-    <p:sldId id="287" r:id="rId16"/>
-    <p:sldId id="288" r:id="rId17"/>
-    <p:sldId id="285" r:id="rId18"/>
-    <p:sldId id="286" r:id="rId19"/>
-    <p:sldId id="289" r:id="rId20"/>
-    <p:sldId id="274" r:id="rId21"/>
+    <p:sldId id="260" r:id="rId11"/>
+    <p:sldId id="269" r:id="rId12"/>
+    <p:sldId id="268" r:id="rId13"/>
+    <p:sldId id="261" r:id="rId14"/>
+    <p:sldId id="287" r:id="rId15"/>
+    <p:sldId id="288" r:id="rId16"/>
+    <p:sldId id="285" r:id="rId17"/>
+    <p:sldId id="286" r:id="rId18"/>
+    <p:sldId id="289" r:id="rId19"/>
+    <p:sldId id="274" r:id="rId20"/>
   </p:sldIdLst>
   <p:sldSz cx="12192000" cy="6858000"/>
   <p:notesSz cx="6858000" cy="9144000"/>
   <p:custDataLst>
-    <p:tags r:id="rId23"/>
+    <p:tags r:id="rId22"/>
   </p:custDataLst>
   <p:defaultTextStyle>
     <a:defPPr>
@@ -231,7 +230,7 @@
             <a:fld id="{558B725A-BFDD-44D0-A8D3-61766B07B7F1}" type="datetimeFigureOut">
               <a:rPr lang="zh-CN" altLang="en-US" smtClean="0"/>
               <a:pPr/>
-              <a:t>2023/5/21</a:t>
+              <a:t>2023/5/24</a:t>
             </a:fld>
             <a:endParaRPr lang="zh-CN" altLang="en-US"/>
           </a:p>
@@ -628,7 +627,729 @@
           <a:bodyPr/>
           <a:lstStyle/>
           <a:p>
-            <a:endParaRPr lang="zh-CN" altLang="en-US"/>
+            <a:r>
+              <a:rPr lang="en-US" altLang="zh-CN" sz="1200" dirty="0">
+                <a:solidFill>
+                  <a:srgbClr val="EEECE1">
+                    <a:lumMod val="25000"/>
+                  </a:srgbClr>
+                </a:solidFill>
+                <a:latin typeface="微软雅黑" panose="020B0503020204020204" pitchFamily="34" charset="-122"/>
+                <a:ea typeface="微软雅黑" panose="020B0503020204020204" pitchFamily="34" charset="-122"/>
+              </a:rPr>
+              <a:t>PPT</a:t>
+            </a:r>
+            <a:r>
+              <a:rPr lang="zh-CN" altLang="en-US" sz="1200" dirty="0">
+                <a:solidFill>
+                  <a:srgbClr val="EEECE1">
+                    <a:lumMod val="25000"/>
+                  </a:srgbClr>
+                </a:solidFill>
+                <a:latin typeface="微软雅黑" panose="020B0503020204020204" pitchFamily="34" charset="-122"/>
+                <a:ea typeface="微软雅黑" panose="020B0503020204020204" pitchFamily="34" charset="-122"/>
+              </a:rPr>
+              <a:t>模板：       </a:t>
+            </a:r>
+            <a:r>
+              <a:rPr lang="en-US" altLang="zh-CN" sz="1200" dirty="0">
+                <a:solidFill>
+                  <a:srgbClr val="EEECE1">
+                    <a:lumMod val="25000"/>
+                  </a:srgbClr>
+                </a:solidFill>
+                <a:latin typeface="微软雅黑" panose="020B0503020204020204" pitchFamily="34" charset="-122"/>
+                <a:ea typeface="微软雅黑" panose="020B0503020204020204" pitchFamily="34" charset="-122"/>
+                <a:hlinkClick r:id="rId3"/>
+              </a:rPr>
+              <a:t>www.1ppt.com/moban/</a:t>
+            </a:r>
+            <a:r>
+              <a:rPr lang="en-US" altLang="zh-CN" sz="1200" dirty="0">
+                <a:solidFill>
+                  <a:srgbClr val="EEECE1">
+                    <a:lumMod val="25000"/>
+                  </a:srgbClr>
+                </a:solidFill>
+                <a:latin typeface="微软雅黑" panose="020B0503020204020204" pitchFamily="34" charset="-122"/>
+                <a:ea typeface="微软雅黑" panose="020B0503020204020204" pitchFamily="34" charset="-122"/>
+              </a:rPr>
+              <a:t>                    </a:t>
+            </a:r>
+            <a:r>
+              <a:rPr lang="zh-CN" altLang="en-US" sz="1200" dirty="0">
+                <a:solidFill>
+                  <a:srgbClr val="EEECE1">
+                    <a:lumMod val="25000"/>
+                  </a:srgbClr>
+                </a:solidFill>
+                <a:latin typeface="微软雅黑" panose="020B0503020204020204" pitchFamily="34" charset="-122"/>
+                <a:ea typeface="微软雅黑" panose="020B0503020204020204" pitchFamily="34" charset="-122"/>
+              </a:rPr>
+              <a:t>行业</a:t>
+            </a:r>
+            <a:r>
+              <a:rPr lang="en-US" altLang="zh-CN" sz="1200" dirty="0">
+                <a:solidFill>
+                  <a:srgbClr val="EEECE1">
+                    <a:lumMod val="25000"/>
+                  </a:srgbClr>
+                </a:solidFill>
+                <a:latin typeface="微软雅黑" panose="020B0503020204020204" pitchFamily="34" charset="-122"/>
+                <a:ea typeface="微软雅黑" panose="020B0503020204020204" pitchFamily="34" charset="-122"/>
+              </a:rPr>
+              <a:t>PPT</a:t>
+            </a:r>
+            <a:r>
+              <a:rPr lang="zh-CN" altLang="en-US" sz="1200" dirty="0">
+                <a:solidFill>
+                  <a:srgbClr val="EEECE1">
+                    <a:lumMod val="25000"/>
+                  </a:srgbClr>
+                </a:solidFill>
+                <a:latin typeface="微软雅黑" panose="020B0503020204020204" pitchFamily="34" charset="-122"/>
+                <a:ea typeface="微软雅黑" panose="020B0503020204020204" pitchFamily="34" charset="-122"/>
+              </a:rPr>
+              <a:t>模板：</a:t>
+            </a:r>
+            <a:r>
+              <a:rPr lang="en-US" altLang="zh-CN" sz="1200" dirty="0">
+                <a:solidFill>
+                  <a:srgbClr val="EEECE1">
+                    <a:lumMod val="25000"/>
+                  </a:srgbClr>
+                </a:solidFill>
+                <a:latin typeface="微软雅黑" panose="020B0503020204020204" pitchFamily="34" charset="-122"/>
+                <a:ea typeface="微软雅黑" panose="020B0503020204020204" pitchFamily="34" charset="-122"/>
+                <a:hlinkClick r:id="rId4"/>
+              </a:rPr>
+              <a:t>www.1ppt.com/hangye/</a:t>
+            </a:r>
+            <a:r>
+              <a:rPr lang="en-US" altLang="zh-CN" sz="1200" dirty="0">
+                <a:solidFill>
+                  <a:srgbClr val="EEECE1">
+                    <a:lumMod val="25000"/>
+                  </a:srgbClr>
+                </a:solidFill>
+                <a:latin typeface="微软雅黑" panose="020B0503020204020204" pitchFamily="34" charset="-122"/>
+                <a:ea typeface="微软雅黑" panose="020B0503020204020204" pitchFamily="34" charset="-122"/>
+              </a:rPr>
+              <a:t> </a:t>
+            </a:r>
+          </a:p>
+          <a:p>
+            <a:r>
+              <a:rPr lang="zh-CN" altLang="en-US" sz="1200" dirty="0">
+                <a:solidFill>
+                  <a:srgbClr val="EEECE1">
+                    <a:lumMod val="25000"/>
+                  </a:srgbClr>
+                </a:solidFill>
+                <a:latin typeface="微软雅黑" panose="020B0503020204020204" pitchFamily="34" charset="-122"/>
+                <a:ea typeface="微软雅黑" panose="020B0503020204020204" pitchFamily="34" charset="-122"/>
+              </a:rPr>
+              <a:t>节日</a:t>
+            </a:r>
+            <a:r>
+              <a:rPr lang="en-US" altLang="zh-CN" sz="1200" dirty="0">
+                <a:solidFill>
+                  <a:srgbClr val="EEECE1">
+                    <a:lumMod val="25000"/>
+                  </a:srgbClr>
+                </a:solidFill>
+                <a:latin typeface="微软雅黑" panose="020B0503020204020204" pitchFamily="34" charset="-122"/>
+                <a:ea typeface="微软雅黑" panose="020B0503020204020204" pitchFamily="34" charset="-122"/>
+              </a:rPr>
+              <a:t>PPT</a:t>
+            </a:r>
+            <a:r>
+              <a:rPr lang="zh-CN" altLang="en-US" sz="1200" dirty="0">
+                <a:solidFill>
+                  <a:srgbClr val="EEECE1">
+                    <a:lumMod val="25000"/>
+                  </a:srgbClr>
+                </a:solidFill>
+                <a:latin typeface="微软雅黑" panose="020B0503020204020204" pitchFamily="34" charset="-122"/>
+                <a:ea typeface="微软雅黑" panose="020B0503020204020204" pitchFamily="34" charset="-122"/>
+              </a:rPr>
+              <a:t>模板：</a:t>
+            </a:r>
+            <a:r>
+              <a:rPr lang="en-US" altLang="zh-CN" sz="1200" dirty="0">
+                <a:solidFill>
+                  <a:srgbClr val="EEECE1">
+                    <a:lumMod val="25000"/>
+                  </a:srgbClr>
+                </a:solidFill>
+                <a:latin typeface="微软雅黑" panose="020B0503020204020204" pitchFamily="34" charset="-122"/>
+                <a:ea typeface="微软雅黑" panose="020B0503020204020204" pitchFamily="34" charset="-122"/>
+                <a:hlinkClick r:id="rId5"/>
+              </a:rPr>
+              <a:t>www.1ppt.com/jieri/</a:t>
+            </a:r>
+            <a:r>
+              <a:rPr lang="en-US" altLang="zh-CN" sz="1200" dirty="0">
+                <a:solidFill>
+                  <a:srgbClr val="EEECE1">
+                    <a:lumMod val="25000"/>
+                  </a:srgbClr>
+                </a:solidFill>
+                <a:latin typeface="微软雅黑" panose="020B0503020204020204" pitchFamily="34" charset="-122"/>
+                <a:ea typeface="微软雅黑" panose="020B0503020204020204" pitchFamily="34" charset="-122"/>
+              </a:rPr>
+              <a:t>                          PPT</a:t>
+            </a:r>
+            <a:r>
+              <a:rPr lang="zh-CN" altLang="en-US" sz="1200" dirty="0">
+                <a:solidFill>
+                  <a:srgbClr val="EEECE1">
+                    <a:lumMod val="25000"/>
+                  </a:srgbClr>
+                </a:solidFill>
+                <a:latin typeface="微软雅黑" panose="020B0503020204020204" pitchFamily="34" charset="-122"/>
+                <a:ea typeface="微软雅黑" panose="020B0503020204020204" pitchFamily="34" charset="-122"/>
+              </a:rPr>
+              <a:t>素材：       </a:t>
+            </a:r>
+            <a:r>
+              <a:rPr lang="en-US" altLang="zh-CN" sz="1200" dirty="0">
+                <a:solidFill>
+                  <a:srgbClr val="EEECE1">
+                    <a:lumMod val="25000"/>
+                  </a:srgbClr>
+                </a:solidFill>
+                <a:latin typeface="微软雅黑" panose="020B0503020204020204" pitchFamily="34" charset="-122"/>
+                <a:ea typeface="微软雅黑" panose="020B0503020204020204" pitchFamily="34" charset="-122"/>
+                <a:hlinkClick r:id="rId6"/>
+              </a:rPr>
+              <a:t>www.1ppt.com/sucai/</a:t>
+            </a:r>
+            <a:endParaRPr lang="en-US" altLang="zh-CN" sz="1200" dirty="0">
+              <a:solidFill>
+                <a:srgbClr val="EEECE1">
+                  <a:lumMod val="25000"/>
+                </a:srgbClr>
+              </a:solidFill>
+              <a:latin typeface="微软雅黑" panose="020B0503020204020204" pitchFamily="34" charset="-122"/>
+              <a:ea typeface="微软雅黑" panose="020B0503020204020204" pitchFamily="34" charset="-122"/>
+            </a:endParaRPr>
+          </a:p>
+          <a:p>
+            <a:r>
+              <a:rPr lang="en-US" altLang="zh-CN" sz="1200" dirty="0">
+                <a:solidFill>
+                  <a:srgbClr val="EEECE1">
+                    <a:lumMod val="25000"/>
+                  </a:srgbClr>
+                </a:solidFill>
+                <a:latin typeface="微软雅黑" panose="020B0503020204020204" pitchFamily="34" charset="-122"/>
+                <a:ea typeface="微软雅黑" panose="020B0503020204020204" pitchFamily="34" charset="-122"/>
+              </a:rPr>
+              <a:t>PPT</a:t>
+            </a:r>
+            <a:r>
+              <a:rPr lang="zh-CN" altLang="en-US" sz="1200" dirty="0">
+                <a:solidFill>
+                  <a:srgbClr val="EEECE1">
+                    <a:lumMod val="25000"/>
+                  </a:srgbClr>
+                </a:solidFill>
+                <a:latin typeface="微软雅黑" panose="020B0503020204020204" pitchFamily="34" charset="-122"/>
+                <a:ea typeface="微软雅黑" panose="020B0503020204020204" pitchFamily="34" charset="-122"/>
+              </a:rPr>
+              <a:t>背景图片：</a:t>
+            </a:r>
+            <a:r>
+              <a:rPr lang="en-US" altLang="zh-CN" sz="1200" dirty="0">
+                <a:solidFill>
+                  <a:srgbClr val="EEECE1">
+                    <a:lumMod val="25000"/>
+                  </a:srgbClr>
+                </a:solidFill>
+                <a:latin typeface="微软雅黑" panose="020B0503020204020204" pitchFamily="34" charset="-122"/>
+                <a:ea typeface="微软雅黑" panose="020B0503020204020204" pitchFamily="34" charset="-122"/>
+                <a:hlinkClick r:id="rId7"/>
+              </a:rPr>
+              <a:t>www.1ppt.com/beijing/</a:t>
+            </a:r>
+            <a:r>
+              <a:rPr lang="en-US" altLang="zh-CN" sz="1200" dirty="0">
+                <a:solidFill>
+                  <a:srgbClr val="EEECE1">
+                    <a:lumMod val="25000"/>
+                  </a:srgbClr>
+                </a:solidFill>
+                <a:latin typeface="微软雅黑" panose="020B0503020204020204" pitchFamily="34" charset="-122"/>
+                <a:ea typeface="微软雅黑" panose="020B0503020204020204" pitchFamily="34" charset="-122"/>
+              </a:rPr>
+              <a:t>                     PPT</a:t>
+            </a:r>
+            <a:r>
+              <a:rPr lang="zh-CN" altLang="en-US" sz="1200" dirty="0">
+                <a:solidFill>
+                  <a:srgbClr val="EEECE1">
+                    <a:lumMod val="25000"/>
+                  </a:srgbClr>
+                </a:solidFill>
+                <a:latin typeface="微软雅黑" panose="020B0503020204020204" pitchFamily="34" charset="-122"/>
+                <a:ea typeface="微软雅黑" panose="020B0503020204020204" pitchFamily="34" charset="-122"/>
+              </a:rPr>
+              <a:t>图表：       </a:t>
+            </a:r>
+            <a:r>
+              <a:rPr lang="en-US" altLang="zh-CN" sz="1200" dirty="0">
+                <a:solidFill>
+                  <a:srgbClr val="EEECE1">
+                    <a:lumMod val="25000"/>
+                  </a:srgbClr>
+                </a:solidFill>
+                <a:latin typeface="微软雅黑" panose="020B0503020204020204" pitchFamily="34" charset="-122"/>
+                <a:ea typeface="微软雅黑" panose="020B0503020204020204" pitchFamily="34" charset="-122"/>
+                <a:hlinkClick r:id="rId8"/>
+              </a:rPr>
+              <a:t>www.1ppt.com/tubiao/</a:t>
+            </a:r>
+            <a:r>
+              <a:rPr lang="en-US" altLang="zh-CN" sz="1200" dirty="0">
+                <a:solidFill>
+                  <a:srgbClr val="EEECE1">
+                    <a:lumMod val="25000"/>
+                  </a:srgbClr>
+                </a:solidFill>
+                <a:latin typeface="微软雅黑" panose="020B0503020204020204" pitchFamily="34" charset="-122"/>
+                <a:ea typeface="微软雅黑" panose="020B0503020204020204" pitchFamily="34" charset="-122"/>
+              </a:rPr>
+              <a:t>      </a:t>
+            </a:r>
+          </a:p>
+          <a:p>
+            <a:r>
+              <a:rPr lang="zh-CN" altLang="en-US" sz="1200" dirty="0">
+                <a:solidFill>
+                  <a:srgbClr val="EEECE1">
+                    <a:lumMod val="25000"/>
+                  </a:srgbClr>
+                </a:solidFill>
+                <a:latin typeface="微软雅黑" panose="020B0503020204020204" pitchFamily="34" charset="-122"/>
+                <a:ea typeface="微软雅黑" panose="020B0503020204020204" pitchFamily="34" charset="-122"/>
+              </a:rPr>
+              <a:t>优秀</a:t>
+            </a:r>
+            <a:r>
+              <a:rPr lang="en-US" altLang="zh-CN" sz="1200" dirty="0">
+                <a:solidFill>
+                  <a:srgbClr val="EEECE1">
+                    <a:lumMod val="25000"/>
+                  </a:srgbClr>
+                </a:solidFill>
+                <a:latin typeface="微软雅黑" panose="020B0503020204020204" pitchFamily="34" charset="-122"/>
+                <a:ea typeface="微软雅黑" panose="020B0503020204020204" pitchFamily="34" charset="-122"/>
+              </a:rPr>
+              <a:t>PPT</a:t>
+            </a:r>
+            <a:r>
+              <a:rPr lang="zh-CN" altLang="en-US" sz="1200" dirty="0">
+                <a:solidFill>
+                  <a:srgbClr val="EEECE1">
+                    <a:lumMod val="25000"/>
+                  </a:srgbClr>
+                </a:solidFill>
+                <a:latin typeface="微软雅黑" panose="020B0503020204020204" pitchFamily="34" charset="-122"/>
+                <a:ea typeface="微软雅黑" panose="020B0503020204020204" pitchFamily="34" charset="-122"/>
+              </a:rPr>
+              <a:t>下载：</a:t>
+            </a:r>
+            <a:r>
+              <a:rPr lang="en-US" altLang="zh-CN" sz="1200" dirty="0">
+                <a:solidFill>
+                  <a:srgbClr val="EEECE1">
+                    <a:lumMod val="25000"/>
+                  </a:srgbClr>
+                </a:solidFill>
+                <a:latin typeface="微软雅黑" panose="020B0503020204020204" pitchFamily="34" charset="-122"/>
+                <a:ea typeface="微软雅黑" panose="020B0503020204020204" pitchFamily="34" charset="-122"/>
+                <a:hlinkClick r:id="rId9"/>
+              </a:rPr>
+              <a:t>www.1ppt.com/xiazai/</a:t>
+            </a:r>
+            <a:r>
+              <a:rPr lang="en-US" altLang="zh-CN" sz="1200" dirty="0">
+                <a:solidFill>
+                  <a:srgbClr val="EEECE1">
+                    <a:lumMod val="25000"/>
+                  </a:srgbClr>
+                </a:solidFill>
+                <a:latin typeface="微软雅黑" panose="020B0503020204020204" pitchFamily="34" charset="-122"/>
+                <a:ea typeface="微软雅黑" panose="020B0503020204020204" pitchFamily="34" charset="-122"/>
+              </a:rPr>
+              <a:t>                       PPT</a:t>
+            </a:r>
+            <a:r>
+              <a:rPr lang="zh-CN" altLang="en-US" sz="1200" dirty="0">
+                <a:solidFill>
+                  <a:srgbClr val="EEECE1">
+                    <a:lumMod val="25000"/>
+                  </a:srgbClr>
+                </a:solidFill>
+                <a:latin typeface="微软雅黑" panose="020B0503020204020204" pitchFamily="34" charset="-122"/>
+                <a:ea typeface="微软雅黑" panose="020B0503020204020204" pitchFamily="34" charset="-122"/>
+              </a:rPr>
+              <a:t>教程：       </a:t>
+            </a:r>
+            <a:r>
+              <a:rPr lang="en-US" altLang="zh-CN" sz="1200" dirty="0">
+                <a:solidFill>
+                  <a:srgbClr val="EEECE1">
+                    <a:lumMod val="25000"/>
+                  </a:srgbClr>
+                </a:solidFill>
+                <a:latin typeface="微软雅黑" panose="020B0503020204020204" pitchFamily="34" charset="-122"/>
+                <a:ea typeface="微软雅黑" panose="020B0503020204020204" pitchFamily="34" charset="-122"/>
+                <a:hlinkClick r:id="rId10"/>
+              </a:rPr>
+              <a:t>www.1ppt.com/powerpoint/</a:t>
+            </a:r>
+            <a:r>
+              <a:rPr lang="en-US" altLang="zh-CN" sz="1200" dirty="0">
+                <a:solidFill>
+                  <a:srgbClr val="EEECE1">
+                    <a:lumMod val="25000"/>
+                  </a:srgbClr>
+                </a:solidFill>
+                <a:latin typeface="微软雅黑" panose="020B0503020204020204" pitchFamily="34" charset="-122"/>
+                <a:ea typeface="微软雅黑" panose="020B0503020204020204" pitchFamily="34" charset="-122"/>
+              </a:rPr>
+              <a:t>      </a:t>
+            </a:r>
+          </a:p>
+          <a:p>
+            <a:r>
+              <a:rPr lang="en-US" altLang="zh-CN" sz="1200" dirty="0">
+                <a:solidFill>
+                  <a:srgbClr val="EEECE1">
+                    <a:lumMod val="25000"/>
+                  </a:srgbClr>
+                </a:solidFill>
+                <a:latin typeface="微软雅黑" panose="020B0503020204020204" pitchFamily="34" charset="-122"/>
+                <a:ea typeface="微软雅黑" panose="020B0503020204020204" pitchFamily="34" charset="-122"/>
+              </a:rPr>
+              <a:t>Word</a:t>
+            </a:r>
+            <a:r>
+              <a:rPr lang="zh-CN" altLang="en-US" sz="1200" dirty="0">
+                <a:solidFill>
+                  <a:srgbClr val="EEECE1">
+                    <a:lumMod val="25000"/>
+                  </a:srgbClr>
+                </a:solidFill>
+                <a:latin typeface="微软雅黑" panose="020B0503020204020204" pitchFamily="34" charset="-122"/>
+                <a:ea typeface="微软雅黑" panose="020B0503020204020204" pitchFamily="34" charset="-122"/>
+              </a:rPr>
+              <a:t>教程：    </a:t>
+            </a:r>
+            <a:r>
+              <a:rPr lang="en-US" altLang="zh-CN" sz="1200" dirty="0">
+                <a:solidFill>
+                  <a:srgbClr val="EEECE1">
+                    <a:lumMod val="25000"/>
+                  </a:srgbClr>
+                </a:solidFill>
+                <a:latin typeface="微软雅黑" panose="020B0503020204020204" pitchFamily="34" charset="-122"/>
+                <a:ea typeface="微软雅黑" panose="020B0503020204020204" pitchFamily="34" charset="-122"/>
+                <a:hlinkClick r:id="rId11"/>
+              </a:rPr>
+              <a:t>www.1ppt.com/word/</a:t>
+            </a:r>
+            <a:r>
+              <a:rPr lang="en-US" altLang="zh-CN" sz="1200" dirty="0">
+                <a:solidFill>
+                  <a:srgbClr val="EEECE1">
+                    <a:lumMod val="25000"/>
+                  </a:srgbClr>
+                </a:solidFill>
+                <a:latin typeface="微软雅黑" panose="020B0503020204020204" pitchFamily="34" charset="-122"/>
+                <a:ea typeface="微软雅黑" panose="020B0503020204020204" pitchFamily="34" charset="-122"/>
+              </a:rPr>
+              <a:t>                        Excel</a:t>
+            </a:r>
+            <a:r>
+              <a:rPr lang="zh-CN" altLang="en-US" sz="1200" dirty="0">
+                <a:solidFill>
+                  <a:srgbClr val="EEECE1">
+                    <a:lumMod val="25000"/>
+                  </a:srgbClr>
+                </a:solidFill>
+                <a:latin typeface="微软雅黑" panose="020B0503020204020204" pitchFamily="34" charset="-122"/>
+                <a:ea typeface="微软雅黑" panose="020B0503020204020204" pitchFamily="34" charset="-122"/>
+              </a:rPr>
+              <a:t>教程：     </a:t>
+            </a:r>
+            <a:r>
+              <a:rPr lang="en-US" altLang="zh-CN" sz="1200" dirty="0">
+                <a:solidFill>
+                  <a:srgbClr val="EEECE1">
+                    <a:lumMod val="25000"/>
+                  </a:srgbClr>
+                </a:solidFill>
+                <a:latin typeface="微软雅黑" panose="020B0503020204020204" pitchFamily="34" charset="-122"/>
+                <a:ea typeface="微软雅黑" panose="020B0503020204020204" pitchFamily="34" charset="-122"/>
+                <a:hlinkClick r:id="rId12"/>
+              </a:rPr>
+              <a:t>www.1ppt.com/excel/</a:t>
+            </a:r>
+            <a:r>
+              <a:rPr lang="en-US" altLang="zh-CN" sz="1200" dirty="0">
+                <a:solidFill>
+                  <a:srgbClr val="EEECE1">
+                    <a:lumMod val="25000"/>
+                  </a:srgbClr>
+                </a:solidFill>
+                <a:latin typeface="微软雅黑" panose="020B0503020204020204" pitchFamily="34" charset="-122"/>
+                <a:ea typeface="微软雅黑" panose="020B0503020204020204" pitchFamily="34" charset="-122"/>
+              </a:rPr>
+              <a:t>  </a:t>
+            </a:r>
+          </a:p>
+          <a:p>
+            <a:r>
+              <a:rPr lang="zh-CN" altLang="en-US" sz="1200" dirty="0">
+                <a:solidFill>
+                  <a:srgbClr val="EEECE1">
+                    <a:lumMod val="25000"/>
+                  </a:srgbClr>
+                </a:solidFill>
+                <a:latin typeface="微软雅黑" panose="020B0503020204020204" pitchFamily="34" charset="-122"/>
+                <a:ea typeface="微软雅黑" panose="020B0503020204020204" pitchFamily="34" charset="-122"/>
+              </a:rPr>
+              <a:t>个人简历：      </a:t>
+            </a:r>
+            <a:r>
+              <a:rPr lang="en-US" altLang="zh-CN" sz="1200" dirty="0">
+                <a:solidFill>
+                  <a:srgbClr val="EEECE1">
+                    <a:lumMod val="25000"/>
+                  </a:srgbClr>
+                </a:solidFill>
+                <a:latin typeface="微软雅黑" panose="020B0503020204020204" pitchFamily="34" charset="-122"/>
+                <a:ea typeface="微软雅黑" panose="020B0503020204020204" pitchFamily="34" charset="-122"/>
+                <a:hlinkClick r:id="rId13"/>
+              </a:rPr>
+              <a:t>www.1ppt.com/jianli/</a:t>
+            </a:r>
+            <a:r>
+              <a:rPr lang="en-US" altLang="zh-CN" sz="1200" dirty="0">
+                <a:solidFill>
+                  <a:srgbClr val="EEECE1">
+                    <a:lumMod val="25000"/>
+                  </a:srgbClr>
+                </a:solidFill>
+                <a:latin typeface="微软雅黑" panose="020B0503020204020204" pitchFamily="34" charset="-122"/>
+                <a:ea typeface="微软雅黑" panose="020B0503020204020204" pitchFamily="34" charset="-122"/>
+              </a:rPr>
+              <a:t>                         PPT</a:t>
+            </a:r>
+            <a:r>
+              <a:rPr lang="zh-CN" altLang="en-US" sz="1200" dirty="0">
+                <a:solidFill>
+                  <a:srgbClr val="EEECE1">
+                    <a:lumMod val="25000"/>
+                  </a:srgbClr>
+                </a:solidFill>
+                <a:latin typeface="微软雅黑" panose="020B0503020204020204" pitchFamily="34" charset="-122"/>
+                <a:ea typeface="微软雅黑" panose="020B0503020204020204" pitchFamily="34" charset="-122"/>
+              </a:rPr>
+              <a:t>课件：       </a:t>
+            </a:r>
+            <a:r>
+              <a:rPr lang="en-US" altLang="zh-CN" sz="1200" dirty="0">
+                <a:solidFill>
+                  <a:srgbClr val="EEECE1">
+                    <a:lumMod val="25000"/>
+                  </a:srgbClr>
+                </a:solidFill>
+                <a:latin typeface="微软雅黑" panose="020B0503020204020204" pitchFamily="34" charset="-122"/>
+                <a:ea typeface="微软雅黑" panose="020B0503020204020204" pitchFamily="34" charset="-122"/>
+                <a:hlinkClick r:id="rId14"/>
+              </a:rPr>
+              <a:t>www.1ppt.com/kejian/</a:t>
+            </a:r>
+            <a:r>
+              <a:rPr lang="en-US" altLang="zh-CN" sz="1200" dirty="0">
+                <a:solidFill>
+                  <a:srgbClr val="EEECE1">
+                    <a:lumMod val="25000"/>
+                  </a:srgbClr>
+                </a:solidFill>
+                <a:latin typeface="微软雅黑" panose="020B0503020204020204" pitchFamily="34" charset="-122"/>
+                <a:ea typeface="微软雅黑" panose="020B0503020204020204" pitchFamily="34" charset="-122"/>
+              </a:rPr>
+              <a:t> </a:t>
+            </a:r>
+          </a:p>
+          <a:p>
+            <a:r>
+              <a:rPr lang="zh-CN" altLang="en-US" sz="1200" dirty="0">
+                <a:solidFill>
+                  <a:srgbClr val="EEECE1">
+                    <a:lumMod val="25000"/>
+                  </a:srgbClr>
+                </a:solidFill>
+                <a:latin typeface="微软雅黑" panose="020B0503020204020204" pitchFamily="34" charset="-122"/>
+                <a:ea typeface="微软雅黑" panose="020B0503020204020204" pitchFamily="34" charset="-122"/>
+              </a:rPr>
+              <a:t>手抄报：          </a:t>
+            </a:r>
+            <a:r>
+              <a:rPr lang="en-US" altLang="zh-CN" sz="1200" dirty="0">
+                <a:solidFill>
+                  <a:srgbClr val="EEECE1">
+                    <a:lumMod val="25000"/>
+                  </a:srgbClr>
+                </a:solidFill>
+                <a:latin typeface="微软雅黑" panose="020B0503020204020204" pitchFamily="34" charset="-122"/>
+                <a:ea typeface="微软雅黑" panose="020B0503020204020204" pitchFamily="34" charset="-122"/>
+                <a:hlinkClick r:id="rId15"/>
+              </a:rPr>
+              <a:t>www.1ppt.com/shouchaobao/</a:t>
+            </a:r>
+            <a:r>
+              <a:rPr lang="en-US" altLang="zh-CN" sz="1200" dirty="0">
+                <a:solidFill>
+                  <a:srgbClr val="EEECE1">
+                    <a:lumMod val="25000"/>
+                  </a:srgbClr>
+                </a:solidFill>
+                <a:latin typeface="微软雅黑" panose="020B0503020204020204" pitchFamily="34" charset="-122"/>
+                <a:ea typeface="微软雅黑" panose="020B0503020204020204" pitchFamily="34" charset="-122"/>
+              </a:rPr>
+              <a:t>          </a:t>
+            </a:r>
+            <a:r>
+              <a:rPr lang="zh-CN" altLang="en-US" sz="1200" dirty="0">
+                <a:solidFill>
+                  <a:srgbClr val="EEECE1">
+                    <a:lumMod val="25000"/>
+                  </a:srgbClr>
+                </a:solidFill>
+                <a:latin typeface="微软雅黑" panose="020B0503020204020204" pitchFamily="34" charset="-122"/>
+                <a:ea typeface="微软雅黑" panose="020B0503020204020204" pitchFamily="34" charset="-122"/>
+              </a:rPr>
+              <a:t>试题下载：      </a:t>
+            </a:r>
+            <a:r>
+              <a:rPr lang="en-US" altLang="zh-CN" sz="1200" dirty="0">
+                <a:solidFill>
+                  <a:srgbClr val="EEECE1">
+                    <a:lumMod val="25000"/>
+                  </a:srgbClr>
+                </a:solidFill>
+                <a:latin typeface="微软雅黑" panose="020B0503020204020204" pitchFamily="34" charset="-122"/>
+                <a:ea typeface="微软雅黑" panose="020B0503020204020204" pitchFamily="34" charset="-122"/>
+                <a:hlinkClick r:id="rId16"/>
+              </a:rPr>
+              <a:t>www.1ppt.com/shiti/</a:t>
+            </a:r>
+            <a:r>
+              <a:rPr lang="en-US" altLang="zh-CN" sz="1200" dirty="0">
+                <a:solidFill>
+                  <a:srgbClr val="EEECE1">
+                    <a:lumMod val="25000"/>
+                  </a:srgbClr>
+                </a:solidFill>
+                <a:latin typeface="微软雅黑" panose="020B0503020204020204" pitchFamily="34" charset="-122"/>
+                <a:ea typeface="微软雅黑" panose="020B0503020204020204" pitchFamily="34" charset="-122"/>
+              </a:rPr>
+              <a:t>  </a:t>
+            </a:r>
+          </a:p>
+          <a:p>
+            <a:r>
+              <a:rPr lang="zh-CN" altLang="en-US" sz="1200" dirty="0">
+                <a:solidFill>
+                  <a:srgbClr val="EEECE1">
+                    <a:lumMod val="25000"/>
+                  </a:srgbClr>
+                </a:solidFill>
+                <a:latin typeface="微软雅黑" panose="020B0503020204020204" pitchFamily="34" charset="-122"/>
+                <a:ea typeface="微软雅黑" panose="020B0503020204020204" pitchFamily="34" charset="-122"/>
+              </a:rPr>
+              <a:t>教案下载：      </a:t>
+            </a:r>
+            <a:r>
+              <a:rPr lang="en-US" altLang="zh-CN" sz="1200" dirty="0">
+                <a:solidFill>
+                  <a:srgbClr val="EEECE1">
+                    <a:lumMod val="25000"/>
+                  </a:srgbClr>
+                </a:solidFill>
+                <a:latin typeface="微软雅黑" panose="020B0503020204020204" pitchFamily="34" charset="-122"/>
+                <a:ea typeface="微软雅黑" panose="020B0503020204020204" pitchFamily="34" charset="-122"/>
+                <a:hlinkClick r:id="rId17"/>
+              </a:rPr>
+              <a:t>www.1ppt.com/jiaoan/</a:t>
+            </a:r>
+            <a:r>
+              <a:rPr lang="en-US" altLang="zh-CN" sz="1200" dirty="0">
+                <a:solidFill>
+                  <a:srgbClr val="EEECE1">
+                    <a:lumMod val="25000"/>
+                  </a:srgbClr>
+                </a:solidFill>
+                <a:latin typeface="微软雅黑" panose="020B0503020204020204" pitchFamily="34" charset="-122"/>
+                <a:ea typeface="微软雅黑" panose="020B0503020204020204" pitchFamily="34" charset="-122"/>
+              </a:rPr>
+              <a:t>                       </a:t>
+            </a:r>
+            <a:r>
+              <a:rPr lang="zh-CN" altLang="en-US" sz="1200" dirty="0">
+                <a:solidFill>
+                  <a:srgbClr val="EEECE1">
+                    <a:lumMod val="25000"/>
+                  </a:srgbClr>
+                </a:solidFill>
+                <a:latin typeface="微软雅黑" panose="020B0503020204020204" pitchFamily="34" charset="-122"/>
+                <a:ea typeface="微软雅黑" panose="020B0503020204020204" pitchFamily="34" charset="-122"/>
+              </a:rPr>
+              <a:t>字体下载：      </a:t>
+            </a:r>
+            <a:r>
+              <a:rPr lang="en-US" altLang="zh-CN" sz="1200" dirty="0">
+                <a:solidFill>
+                  <a:srgbClr val="EEECE1">
+                    <a:lumMod val="25000"/>
+                  </a:srgbClr>
+                </a:solidFill>
+                <a:latin typeface="微软雅黑" panose="020B0503020204020204" pitchFamily="34" charset="-122"/>
+                <a:ea typeface="微软雅黑" panose="020B0503020204020204" pitchFamily="34" charset="-122"/>
+                <a:hlinkClick r:id="rId18"/>
+              </a:rPr>
+              <a:t>www.1ppt.com/ziti/</a:t>
+            </a:r>
+            <a:r>
+              <a:rPr lang="en-US" altLang="zh-CN" sz="1200" dirty="0">
+                <a:solidFill>
+                  <a:srgbClr val="EEECE1">
+                    <a:lumMod val="25000"/>
+                  </a:srgbClr>
+                </a:solidFill>
+                <a:latin typeface="微软雅黑" panose="020B0503020204020204" pitchFamily="34" charset="-122"/>
+                <a:ea typeface="微软雅黑" panose="020B0503020204020204" pitchFamily="34" charset="-122"/>
+              </a:rPr>
+              <a:t>              </a:t>
+            </a:r>
+            <a:endParaRPr lang="zh-CN" altLang="en-US" sz="1200" dirty="0">
+              <a:solidFill>
+                <a:srgbClr val="EEECE1">
+                  <a:lumMod val="25000"/>
+                </a:srgbClr>
+              </a:solidFill>
+              <a:latin typeface="微软雅黑" panose="020B0503020204020204" pitchFamily="34" charset="-122"/>
+              <a:ea typeface="微软雅黑" panose="020B0503020204020204" pitchFamily="34" charset="-122"/>
+            </a:endParaRPr>
+          </a:p>
+          <a:p>
+            <a:endParaRPr lang="zh-CN" altLang="en-US" dirty="0"/>
           </a:p>
         </p:txBody>
       </p:sp>
@@ -659,7 +1380,7 @@
     </p:spTree>
     <p:extLst>
       <p:ext uri="{BB962C8B-B14F-4D97-AF65-F5344CB8AC3E}">
-        <p14:creationId xmlns:p14="http://schemas.microsoft.com/office/powerpoint/2010/main" val="270392021"/>
+        <p14:creationId xmlns:p14="http://schemas.microsoft.com/office/powerpoint/2010/main" val="1076013792"/>
       </p:ext>
     </p:extLst>
   </p:cSld>
@@ -713,729 +1434,7 @@
           <a:bodyPr/>
           <a:lstStyle/>
           <a:p>
-            <a:r>
-              <a:rPr lang="en-US" altLang="zh-CN" sz="1200" dirty="0">
-                <a:solidFill>
-                  <a:srgbClr val="EEECE1">
-                    <a:lumMod val="25000"/>
-                  </a:srgbClr>
-                </a:solidFill>
-                <a:latin typeface="微软雅黑" panose="020B0503020204020204" pitchFamily="34" charset="-122"/>
-                <a:ea typeface="微软雅黑" panose="020B0503020204020204" pitchFamily="34" charset="-122"/>
-              </a:rPr>
-              <a:t>PPT</a:t>
-            </a:r>
-            <a:r>
-              <a:rPr lang="zh-CN" altLang="en-US" sz="1200" dirty="0">
-                <a:solidFill>
-                  <a:srgbClr val="EEECE1">
-                    <a:lumMod val="25000"/>
-                  </a:srgbClr>
-                </a:solidFill>
-                <a:latin typeface="微软雅黑" panose="020B0503020204020204" pitchFamily="34" charset="-122"/>
-                <a:ea typeface="微软雅黑" panose="020B0503020204020204" pitchFamily="34" charset="-122"/>
-              </a:rPr>
-              <a:t>模板：       </a:t>
-            </a:r>
-            <a:r>
-              <a:rPr lang="en-US" altLang="zh-CN" sz="1200" dirty="0">
-                <a:solidFill>
-                  <a:srgbClr val="EEECE1">
-                    <a:lumMod val="25000"/>
-                  </a:srgbClr>
-                </a:solidFill>
-                <a:latin typeface="微软雅黑" panose="020B0503020204020204" pitchFamily="34" charset="-122"/>
-                <a:ea typeface="微软雅黑" panose="020B0503020204020204" pitchFamily="34" charset="-122"/>
-                <a:hlinkClick r:id="rId3"/>
-              </a:rPr>
-              <a:t>www.1ppt.com/moban/</a:t>
-            </a:r>
-            <a:r>
-              <a:rPr lang="en-US" altLang="zh-CN" sz="1200" dirty="0">
-                <a:solidFill>
-                  <a:srgbClr val="EEECE1">
-                    <a:lumMod val="25000"/>
-                  </a:srgbClr>
-                </a:solidFill>
-                <a:latin typeface="微软雅黑" panose="020B0503020204020204" pitchFamily="34" charset="-122"/>
-                <a:ea typeface="微软雅黑" panose="020B0503020204020204" pitchFamily="34" charset="-122"/>
-              </a:rPr>
-              <a:t>                    </a:t>
-            </a:r>
-            <a:r>
-              <a:rPr lang="zh-CN" altLang="en-US" sz="1200" dirty="0">
-                <a:solidFill>
-                  <a:srgbClr val="EEECE1">
-                    <a:lumMod val="25000"/>
-                  </a:srgbClr>
-                </a:solidFill>
-                <a:latin typeface="微软雅黑" panose="020B0503020204020204" pitchFamily="34" charset="-122"/>
-                <a:ea typeface="微软雅黑" panose="020B0503020204020204" pitchFamily="34" charset="-122"/>
-              </a:rPr>
-              <a:t>行业</a:t>
-            </a:r>
-            <a:r>
-              <a:rPr lang="en-US" altLang="zh-CN" sz="1200" dirty="0">
-                <a:solidFill>
-                  <a:srgbClr val="EEECE1">
-                    <a:lumMod val="25000"/>
-                  </a:srgbClr>
-                </a:solidFill>
-                <a:latin typeface="微软雅黑" panose="020B0503020204020204" pitchFamily="34" charset="-122"/>
-                <a:ea typeface="微软雅黑" panose="020B0503020204020204" pitchFamily="34" charset="-122"/>
-              </a:rPr>
-              <a:t>PPT</a:t>
-            </a:r>
-            <a:r>
-              <a:rPr lang="zh-CN" altLang="en-US" sz="1200" dirty="0">
-                <a:solidFill>
-                  <a:srgbClr val="EEECE1">
-                    <a:lumMod val="25000"/>
-                  </a:srgbClr>
-                </a:solidFill>
-                <a:latin typeface="微软雅黑" panose="020B0503020204020204" pitchFamily="34" charset="-122"/>
-                <a:ea typeface="微软雅黑" panose="020B0503020204020204" pitchFamily="34" charset="-122"/>
-              </a:rPr>
-              <a:t>模板：</a:t>
-            </a:r>
-            <a:r>
-              <a:rPr lang="en-US" altLang="zh-CN" sz="1200" dirty="0">
-                <a:solidFill>
-                  <a:srgbClr val="EEECE1">
-                    <a:lumMod val="25000"/>
-                  </a:srgbClr>
-                </a:solidFill>
-                <a:latin typeface="微软雅黑" panose="020B0503020204020204" pitchFamily="34" charset="-122"/>
-                <a:ea typeface="微软雅黑" panose="020B0503020204020204" pitchFamily="34" charset="-122"/>
-                <a:hlinkClick r:id="rId4"/>
-              </a:rPr>
-              <a:t>www.1ppt.com/hangye/</a:t>
-            </a:r>
-            <a:r>
-              <a:rPr lang="en-US" altLang="zh-CN" sz="1200" dirty="0">
-                <a:solidFill>
-                  <a:srgbClr val="EEECE1">
-                    <a:lumMod val="25000"/>
-                  </a:srgbClr>
-                </a:solidFill>
-                <a:latin typeface="微软雅黑" panose="020B0503020204020204" pitchFamily="34" charset="-122"/>
-                <a:ea typeface="微软雅黑" panose="020B0503020204020204" pitchFamily="34" charset="-122"/>
-              </a:rPr>
-              <a:t> </a:t>
-            </a:r>
-          </a:p>
-          <a:p>
-            <a:r>
-              <a:rPr lang="zh-CN" altLang="en-US" sz="1200" dirty="0">
-                <a:solidFill>
-                  <a:srgbClr val="EEECE1">
-                    <a:lumMod val="25000"/>
-                  </a:srgbClr>
-                </a:solidFill>
-                <a:latin typeface="微软雅黑" panose="020B0503020204020204" pitchFamily="34" charset="-122"/>
-                <a:ea typeface="微软雅黑" panose="020B0503020204020204" pitchFamily="34" charset="-122"/>
-              </a:rPr>
-              <a:t>节日</a:t>
-            </a:r>
-            <a:r>
-              <a:rPr lang="en-US" altLang="zh-CN" sz="1200" dirty="0">
-                <a:solidFill>
-                  <a:srgbClr val="EEECE1">
-                    <a:lumMod val="25000"/>
-                  </a:srgbClr>
-                </a:solidFill>
-                <a:latin typeface="微软雅黑" panose="020B0503020204020204" pitchFamily="34" charset="-122"/>
-                <a:ea typeface="微软雅黑" panose="020B0503020204020204" pitchFamily="34" charset="-122"/>
-              </a:rPr>
-              <a:t>PPT</a:t>
-            </a:r>
-            <a:r>
-              <a:rPr lang="zh-CN" altLang="en-US" sz="1200" dirty="0">
-                <a:solidFill>
-                  <a:srgbClr val="EEECE1">
-                    <a:lumMod val="25000"/>
-                  </a:srgbClr>
-                </a:solidFill>
-                <a:latin typeface="微软雅黑" panose="020B0503020204020204" pitchFamily="34" charset="-122"/>
-                <a:ea typeface="微软雅黑" panose="020B0503020204020204" pitchFamily="34" charset="-122"/>
-              </a:rPr>
-              <a:t>模板：</a:t>
-            </a:r>
-            <a:r>
-              <a:rPr lang="en-US" altLang="zh-CN" sz="1200" dirty="0">
-                <a:solidFill>
-                  <a:srgbClr val="EEECE1">
-                    <a:lumMod val="25000"/>
-                  </a:srgbClr>
-                </a:solidFill>
-                <a:latin typeface="微软雅黑" panose="020B0503020204020204" pitchFamily="34" charset="-122"/>
-                <a:ea typeface="微软雅黑" panose="020B0503020204020204" pitchFamily="34" charset="-122"/>
-                <a:hlinkClick r:id="rId5"/>
-              </a:rPr>
-              <a:t>www.1ppt.com/jieri/</a:t>
-            </a:r>
-            <a:r>
-              <a:rPr lang="en-US" altLang="zh-CN" sz="1200" dirty="0">
-                <a:solidFill>
-                  <a:srgbClr val="EEECE1">
-                    <a:lumMod val="25000"/>
-                  </a:srgbClr>
-                </a:solidFill>
-                <a:latin typeface="微软雅黑" panose="020B0503020204020204" pitchFamily="34" charset="-122"/>
-                <a:ea typeface="微软雅黑" panose="020B0503020204020204" pitchFamily="34" charset="-122"/>
-              </a:rPr>
-              <a:t>                          PPT</a:t>
-            </a:r>
-            <a:r>
-              <a:rPr lang="zh-CN" altLang="en-US" sz="1200" dirty="0">
-                <a:solidFill>
-                  <a:srgbClr val="EEECE1">
-                    <a:lumMod val="25000"/>
-                  </a:srgbClr>
-                </a:solidFill>
-                <a:latin typeface="微软雅黑" panose="020B0503020204020204" pitchFamily="34" charset="-122"/>
-                <a:ea typeface="微软雅黑" panose="020B0503020204020204" pitchFamily="34" charset="-122"/>
-              </a:rPr>
-              <a:t>素材：       </a:t>
-            </a:r>
-            <a:r>
-              <a:rPr lang="en-US" altLang="zh-CN" sz="1200" dirty="0">
-                <a:solidFill>
-                  <a:srgbClr val="EEECE1">
-                    <a:lumMod val="25000"/>
-                  </a:srgbClr>
-                </a:solidFill>
-                <a:latin typeface="微软雅黑" panose="020B0503020204020204" pitchFamily="34" charset="-122"/>
-                <a:ea typeface="微软雅黑" panose="020B0503020204020204" pitchFamily="34" charset="-122"/>
-                <a:hlinkClick r:id="rId6"/>
-              </a:rPr>
-              <a:t>www.1ppt.com/sucai/</a:t>
-            </a:r>
-            <a:endParaRPr lang="en-US" altLang="zh-CN" sz="1200" dirty="0">
-              <a:solidFill>
-                <a:srgbClr val="EEECE1">
-                  <a:lumMod val="25000"/>
-                </a:srgbClr>
-              </a:solidFill>
-              <a:latin typeface="微软雅黑" panose="020B0503020204020204" pitchFamily="34" charset="-122"/>
-              <a:ea typeface="微软雅黑" panose="020B0503020204020204" pitchFamily="34" charset="-122"/>
-            </a:endParaRPr>
-          </a:p>
-          <a:p>
-            <a:r>
-              <a:rPr lang="en-US" altLang="zh-CN" sz="1200" dirty="0">
-                <a:solidFill>
-                  <a:srgbClr val="EEECE1">
-                    <a:lumMod val="25000"/>
-                  </a:srgbClr>
-                </a:solidFill>
-                <a:latin typeface="微软雅黑" panose="020B0503020204020204" pitchFamily="34" charset="-122"/>
-                <a:ea typeface="微软雅黑" panose="020B0503020204020204" pitchFamily="34" charset="-122"/>
-              </a:rPr>
-              <a:t>PPT</a:t>
-            </a:r>
-            <a:r>
-              <a:rPr lang="zh-CN" altLang="en-US" sz="1200" dirty="0">
-                <a:solidFill>
-                  <a:srgbClr val="EEECE1">
-                    <a:lumMod val="25000"/>
-                  </a:srgbClr>
-                </a:solidFill>
-                <a:latin typeface="微软雅黑" panose="020B0503020204020204" pitchFamily="34" charset="-122"/>
-                <a:ea typeface="微软雅黑" panose="020B0503020204020204" pitchFamily="34" charset="-122"/>
-              </a:rPr>
-              <a:t>背景图片：</a:t>
-            </a:r>
-            <a:r>
-              <a:rPr lang="en-US" altLang="zh-CN" sz="1200" dirty="0">
-                <a:solidFill>
-                  <a:srgbClr val="EEECE1">
-                    <a:lumMod val="25000"/>
-                  </a:srgbClr>
-                </a:solidFill>
-                <a:latin typeface="微软雅黑" panose="020B0503020204020204" pitchFamily="34" charset="-122"/>
-                <a:ea typeface="微软雅黑" panose="020B0503020204020204" pitchFamily="34" charset="-122"/>
-                <a:hlinkClick r:id="rId7"/>
-              </a:rPr>
-              <a:t>www.1ppt.com/beijing/</a:t>
-            </a:r>
-            <a:r>
-              <a:rPr lang="en-US" altLang="zh-CN" sz="1200" dirty="0">
-                <a:solidFill>
-                  <a:srgbClr val="EEECE1">
-                    <a:lumMod val="25000"/>
-                  </a:srgbClr>
-                </a:solidFill>
-                <a:latin typeface="微软雅黑" panose="020B0503020204020204" pitchFamily="34" charset="-122"/>
-                <a:ea typeface="微软雅黑" panose="020B0503020204020204" pitchFamily="34" charset="-122"/>
-              </a:rPr>
-              <a:t>                     PPT</a:t>
-            </a:r>
-            <a:r>
-              <a:rPr lang="zh-CN" altLang="en-US" sz="1200" dirty="0">
-                <a:solidFill>
-                  <a:srgbClr val="EEECE1">
-                    <a:lumMod val="25000"/>
-                  </a:srgbClr>
-                </a:solidFill>
-                <a:latin typeface="微软雅黑" panose="020B0503020204020204" pitchFamily="34" charset="-122"/>
-                <a:ea typeface="微软雅黑" panose="020B0503020204020204" pitchFamily="34" charset="-122"/>
-              </a:rPr>
-              <a:t>图表：       </a:t>
-            </a:r>
-            <a:r>
-              <a:rPr lang="en-US" altLang="zh-CN" sz="1200" dirty="0">
-                <a:solidFill>
-                  <a:srgbClr val="EEECE1">
-                    <a:lumMod val="25000"/>
-                  </a:srgbClr>
-                </a:solidFill>
-                <a:latin typeface="微软雅黑" panose="020B0503020204020204" pitchFamily="34" charset="-122"/>
-                <a:ea typeface="微软雅黑" panose="020B0503020204020204" pitchFamily="34" charset="-122"/>
-                <a:hlinkClick r:id="rId8"/>
-              </a:rPr>
-              <a:t>www.1ppt.com/tubiao/</a:t>
-            </a:r>
-            <a:r>
-              <a:rPr lang="en-US" altLang="zh-CN" sz="1200" dirty="0">
-                <a:solidFill>
-                  <a:srgbClr val="EEECE1">
-                    <a:lumMod val="25000"/>
-                  </a:srgbClr>
-                </a:solidFill>
-                <a:latin typeface="微软雅黑" panose="020B0503020204020204" pitchFamily="34" charset="-122"/>
-                <a:ea typeface="微软雅黑" panose="020B0503020204020204" pitchFamily="34" charset="-122"/>
-              </a:rPr>
-              <a:t>      </a:t>
-            </a:r>
-          </a:p>
-          <a:p>
-            <a:r>
-              <a:rPr lang="zh-CN" altLang="en-US" sz="1200" dirty="0">
-                <a:solidFill>
-                  <a:srgbClr val="EEECE1">
-                    <a:lumMod val="25000"/>
-                  </a:srgbClr>
-                </a:solidFill>
-                <a:latin typeface="微软雅黑" panose="020B0503020204020204" pitchFamily="34" charset="-122"/>
-                <a:ea typeface="微软雅黑" panose="020B0503020204020204" pitchFamily="34" charset="-122"/>
-              </a:rPr>
-              <a:t>优秀</a:t>
-            </a:r>
-            <a:r>
-              <a:rPr lang="en-US" altLang="zh-CN" sz="1200" dirty="0">
-                <a:solidFill>
-                  <a:srgbClr val="EEECE1">
-                    <a:lumMod val="25000"/>
-                  </a:srgbClr>
-                </a:solidFill>
-                <a:latin typeface="微软雅黑" panose="020B0503020204020204" pitchFamily="34" charset="-122"/>
-                <a:ea typeface="微软雅黑" panose="020B0503020204020204" pitchFamily="34" charset="-122"/>
-              </a:rPr>
-              <a:t>PPT</a:t>
-            </a:r>
-            <a:r>
-              <a:rPr lang="zh-CN" altLang="en-US" sz="1200" dirty="0">
-                <a:solidFill>
-                  <a:srgbClr val="EEECE1">
-                    <a:lumMod val="25000"/>
-                  </a:srgbClr>
-                </a:solidFill>
-                <a:latin typeface="微软雅黑" panose="020B0503020204020204" pitchFamily="34" charset="-122"/>
-                <a:ea typeface="微软雅黑" panose="020B0503020204020204" pitchFamily="34" charset="-122"/>
-              </a:rPr>
-              <a:t>下载：</a:t>
-            </a:r>
-            <a:r>
-              <a:rPr lang="en-US" altLang="zh-CN" sz="1200" dirty="0">
-                <a:solidFill>
-                  <a:srgbClr val="EEECE1">
-                    <a:lumMod val="25000"/>
-                  </a:srgbClr>
-                </a:solidFill>
-                <a:latin typeface="微软雅黑" panose="020B0503020204020204" pitchFamily="34" charset="-122"/>
-                <a:ea typeface="微软雅黑" panose="020B0503020204020204" pitchFamily="34" charset="-122"/>
-                <a:hlinkClick r:id="rId9"/>
-              </a:rPr>
-              <a:t>www.1ppt.com/xiazai/</a:t>
-            </a:r>
-            <a:r>
-              <a:rPr lang="en-US" altLang="zh-CN" sz="1200" dirty="0">
-                <a:solidFill>
-                  <a:srgbClr val="EEECE1">
-                    <a:lumMod val="25000"/>
-                  </a:srgbClr>
-                </a:solidFill>
-                <a:latin typeface="微软雅黑" panose="020B0503020204020204" pitchFamily="34" charset="-122"/>
-                <a:ea typeface="微软雅黑" panose="020B0503020204020204" pitchFamily="34" charset="-122"/>
-              </a:rPr>
-              <a:t>                       PPT</a:t>
-            </a:r>
-            <a:r>
-              <a:rPr lang="zh-CN" altLang="en-US" sz="1200" dirty="0">
-                <a:solidFill>
-                  <a:srgbClr val="EEECE1">
-                    <a:lumMod val="25000"/>
-                  </a:srgbClr>
-                </a:solidFill>
-                <a:latin typeface="微软雅黑" panose="020B0503020204020204" pitchFamily="34" charset="-122"/>
-                <a:ea typeface="微软雅黑" panose="020B0503020204020204" pitchFamily="34" charset="-122"/>
-              </a:rPr>
-              <a:t>教程：       </a:t>
-            </a:r>
-            <a:r>
-              <a:rPr lang="en-US" altLang="zh-CN" sz="1200" dirty="0">
-                <a:solidFill>
-                  <a:srgbClr val="EEECE1">
-                    <a:lumMod val="25000"/>
-                  </a:srgbClr>
-                </a:solidFill>
-                <a:latin typeface="微软雅黑" panose="020B0503020204020204" pitchFamily="34" charset="-122"/>
-                <a:ea typeface="微软雅黑" panose="020B0503020204020204" pitchFamily="34" charset="-122"/>
-                <a:hlinkClick r:id="rId10"/>
-              </a:rPr>
-              <a:t>www.1ppt.com/powerpoint/</a:t>
-            </a:r>
-            <a:r>
-              <a:rPr lang="en-US" altLang="zh-CN" sz="1200" dirty="0">
-                <a:solidFill>
-                  <a:srgbClr val="EEECE1">
-                    <a:lumMod val="25000"/>
-                  </a:srgbClr>
-                </a:solidFill>
-                <a:latin typeface="微软雅黑" panose="020B0503020204020204" pitchFamily="34" charset="-122"/>
-                <a:ea typeface="微软雅黑" panose="020B0503020204020204" pitchFamily="34" charset="-122"/>
-              </a:rPr>
-              <a:t>      </a:t>
-            </a:r>
-          </a:p>
-          <a:p>
-            <a:r>
-              <a:rPr lang="en-US" altLang="zh-CN" sz="1200" dirty="0">
-                <a:solidFill>
-                  <a:srgbClr val="EEECE1">
-                    <a:lumMod val="25000"/>
-                  </a:srgbClr>
-                </a:solidFill>
-                <a:latin typeface="微软雅黑" panose="020B0503020204020204" pitchFamily="34" charset="-122"/>
-                <a:ea typeface="微软雅黑" panose="020B0503020204020204" pitchFamily="34" charset="-122"/>
-              </a:rPr>
-              <a:t>Word</a:t>
-            </a:r>
-            <a:r>
-              <a:rPr lang="zh-CN" altLang="en-US" sz="1200" dirty="0">
-                <a:solidFill>
-                  <a:srgbClr val="EEECE1">
-                    <a:lumMod val="25000"/>
-                  </a:srgbClr>
-                </a:solidFill>
-                <a:latin typeface="微软雅黑" panose="020B0503020204020204" pitchFamily="34" charset="-122"/>
-                <a:ea typeface="微软雅黑" panose="020B0503020204020204" pitchFamily="34" charset="-122"/>
-              </a:rPr>
-              <a:t>教程：    </a:t>
-            </a:r>
-            <a:r>
-              <a:rPr lang="en-US" altLang="zh-CN" sz="1200" dirty="0">
-                <a:solidFill>
-                  <a:srgbClr val="EEECE1">
-                    <a:lumMod val="25000"/>
-                  </a:srgbClr>
-                </a:solidFill>
-                <a:latin typeface="微软雅黑" panose="020B0503020204020204" pitchFamily="34" charset="-122"/>
-                <a:ea typeface="微软雅黑" panose="020B0503020204020204" pitchFamily="34" charset="-122"/>
-                <a:hlinkClick r:id="rId11"/>
-              </a:rPr>
-              <a:t>www.1ppt.com/word/</a:t>
-            </a:r>
-            <a:r>
-              <a:rPr lang="en-US" altLang="zh-CN" sz="1200" dirty="0">
-                <a:solidFill>
-                  <a:srgbClr val="EEECE1">
-                    <a:lumMod val="25000"/>
-                  </a:srgbClr>
-                </a:solidFill>
-                <a:latin typeface="微软雅黑" panose="020B0503020204020204" pitchFamily="34" charset="-122"/>
-                <a:ea typeface="微软雅黑" panose="020B0503020204020204" pitchFamily="34" charset="-122"/>
-              </a:rPr>
-              <a:t>                        Excel</a:t>
-            </a:r>
-            <a:r>
-              <a:rPr lang="zh-CN" altLang="en-US" sz="1200" dirty="0">
-                <a:solidFill>
-                  <a:srgbClr val="EEECE1">
-                    <a:lumMod val="25000"/>
-                  </a:srgbClr>
-                </a:solidFill>
-                <a:latin typeface="微软雅黑" panose="020B0503020204020204" pitchFamily="34" charset="-122"/>
-                <a:ea typeface="微软雅黑" panose="020B0503020204020204" pitchFamily="34" charset="-122"/>
-              </a:rPr>
-              <a:t>教程：     </a:t>
-            </a:r>
-            <a:r>
-              <a:rPr lang="en-US" altLang="zh-CN" sz="1200" dirty="0">
-                <a:solidFill>
-                  <a:srgbClr val="EEECE1">
-                    <a:lumMod val="25000"/>
-                  </a:srgbClr>
-                </a:solidFill>
-                <a:latin typeface="微软雅黑" panose="020B0503020204020204" pitchFamily="34" charset="-122"/>
-                <a:ea typeface="微软雅黑" panose="020B0503020204020204" pitchFamily="34" charset="-122"/>
-                <a:hlinkClick r:id="rId12"/>
-              </a:rPr>
-              <a:t>www.1ppt.com/excel/</a:t>
-            </a:r>
-            <a:r>
-              <a:rPr lang="en-US" altLang="zh-CN" sz="1200" dirty="0">
-                <a:solidFill>
-                  <a:srgbClr val="EEECE1">
-                    <a:lumMod val="25000"/>
-                  </a:srgbClr>
-                </a:solidFill>
-                <a:latin typeface="微软雅黑" panose="020B0503020204020204" pitchFamily="34" charset="-122"/>
-                <a:ea typeface="微软雅黑" panose="020B0503020204020204" pitchFamily="34" charset="-122"/>
-              </a:rPr>
-              <a:t>  </a:t>
-            </a:r>
-          </a:p>
-          <a:p>
-            <a:r>
-              <a:rPr lang="zh-CN" altLang="en-US" sz="1200" dirty="0">
-                <a:solidFill>
-                  <a:srgbClr val="EEECE1">
-                    <a:lumMod val="25000"/>
-                  </a:srgbClr>
-                </a:solidFill>
-                <a:latin typeface="微软雅黑" panose="020B0503020204020204" pitchFamily="34" charset="-122"/>
-                <a:ea typeface="微软雅黑" panose="020B0503020204020204" pitchFamily="34" charset="-122"/>
-              </a:rPr>
-              <a:t>个人简历：      </a:t>
-            </a:r>
-            <a:r>
-              <a:rPr lang="en-US" altLang="zh-CN" sz="1200" dirty="0">
-                <a:solidFill>
-                  <a:srgbClr val="EEECE1">
-                    <a:lumMod val="25000"/>
-                  </a:srgbClr>
-                </a:solidFill>
-                <a:latin typeface="微软雅黑" panose="020B0503020204020204" pitchFamily="34" charset="-122"/>
-                <a:ea typeface="微软雅黑" panose="020B0503020204020204" pitchFamily="34" charset="-122"/>
-                <a:hlinkClick r:id="rId13"/>
-              </a:rPr>
-              <a:t>www.1ppt.com/jianli/</a:t>
-            </a:r>
-            <a:r>
-              <a:rPr lang="en-US" altLang="zh-CN" sz="1200" dirty="0">
-                <a:solidFill>
-                  <a:srgbClr val="EEECE1">
-                    <a:lumMod val="25000"/>
-                  </a:srgbClr>
-                </a:solidFill>
-                <a:latin typeface="微软雅黑" panose="020B0503020204020204" pitchFamily="34" charset="-122"/>
-                <a:ea typeface="微软雅黑" panose="020B0503020204020204" pitchFamily="34" charset="-122"/>
-              </a:rPr>
-              <a:t>                         PPT</a:t>
-            </a:r>
-            <a:r>
-              <a:rPr lang="zh-CN" altLang="en-US" sz="1200" dirty="0">
-                <a:solidFill>
-                  <a:srgbClr val="EEECE1">
-                    <a:lumMod val="25000"/>
-                  </a:srgbClr>
-                </a:solidFill>
-                <a:latin typeface="微软雅黑" panose="020B0503020204020204" pitchFamily="34" charset="-122"/>
-                <a:ea typeface="微软雅黑" panose="020B0503020204020204" pitchFamily="34" charset="-122"/>
-              </a:rPr>
-              <a:t>课件：       </a:t>
-            </a:r>
-            <a:r>
-              <a:rPr lang="en-US" altLang="zh-CN" sz="1200" dirty="0">
-                <a:solidFill>
-                  <a:srgbClr val="EEECE1">
-                    <a:lumMod val="25000"/>
-                  </a:srgbClr>
-                </a:solidFill>
-                <a:latin typeface="微软雅黑" panose="020B0503020204020204" pitchFamily="34" charset="-122"/>
-                <a:ea typeface="微软雅黑" panose="020B0503020204020204" pitchFamily="34" charset="-122"/>
-                <a:hlinkClick r:id="rId14"/>
-              </a:rPr>
-              <a:t>www.1ppt.com/kejian/</a:t>
-            </a:r>
-            <a:r>
-              <a:rPr lang="en-US" altLang="zh-CN" sz="1200" dirty="0">
-                <a:solidFill>
-                  <a:srgbClr val="EEECE1">
-                    <a:lumMod val="25000"/>
-                  </a:srgbClr>
-                </a:solidFill>
-                <a:latin typeface="微软雅黑" panose="020B0503020204020204" pitchFamily="34" charset="-122"/>
-                <a:ea typeface="微软雅黑" panose="020B0503020204020204" pitchFamily="34" charset="-122"/>
-              </a:rPr>
-              <a:t> </a:t>
-            </a:r>
-          </a:p>
-          <a:p>
-            <a:r>
-              <a:rPr lang="zh-CN" altLang="en-US" sz="1200" dirty="0">
-                <a:solidFill>
-                  <a:srgbClr val="EEECE1">
-                    <a:lumMod val="25000"/>
-                  </a:srgbClr>
-                </a:solidFill>
-                <a:latin typeface="微软雅黑" panose="020B0503020204020204" pitchFamily="34" charset="-122"/>
-                <a:ea typeface="微软雅黑" panose="020B0503020204020204" pitchFamily="34" charset="-122"/>
-              </a:rPr>
-              <a:t>手抄报：          </a:t>
-            </a:r>
-            <a:r>
-              <a:rPr lang="en-US" altLang="zh-CN" sz="1200" dirty="0">
-                <a:solidFill>
-                  <a:srgbClr val="EEECE1">
-                    <a:lumMod val="25000"/>
-                  </a:srgbClr>
-                </a:solidFill>
-                <a:latin typeface="微软雅黑" panose="020B0503020204020204" pitchFamily="34" charset="-122"/>
-                <a:ea typeface="微软雅黑" panose="020B0503020204020204" pitchFamily="34" charset="-122"/>
-                <a:hlinkClick r:id="rId15"/>
-              </a:rPr>
-              <a:t>www.1ppt.com/shouchaobao/</a:t>
-            </a:r>
-            <a:r>
-              <a:rPr lang="en-US" altLang="zh-CN" sz="1200" dirty="0">
-                <a:solidFill>
-                  <a:srgbClr val="EEECE1">
-                    <a:lumMod val="25000"/>
-                  </a:srgbClr>
-                </a:solidFill>
-                <a:latin typeface="微软雅黑" panose="020B0503020204020204" pitchFamily="34" charset="-122"/>
-                <a:ea typeface="微软雅黑" panose="020B0503020204020204" pitchFamily="34" charset="-122"/>
-              </a:rPr>
-              <a:t>          </a:t>
-            </a:r>
-            <a:r>
-              <a:rPr lang="zh-CN" altLang="en-US" sz="1200" dirty="0">
-                <a:solidFill>
-                  <a:srgbClr val="EEECE1">
-                    <a:lumMod val="25000"/>
-                  </a:srgbClr>
-                </a:solidFill>
-                <a:latin typeface="微软雅黑" panose="020B0503020204020204" pitchFamily="34" charset="-122"/>
-                <a:ea typeface="微软雅黑" panose="020B0503020204020204" pitchFamily="34" charset="-122"/>
-              </a:rPr>
-              <a:t>试题下载：      </a:t>
-            </a:r>
-            <a:r>
-              <a:rPr lang="en-US" altLang="zh-CN" sz="1200" dirty="0">
-                <a:solidFill>
-                  <a:srgbClr val="EEECE1">
-                    <a:lumMod val="25000"/>
-                  </a:srgbClr>
-                </a:solidFill>
-                <a:latin typeface="微软雅黑" panose="020B0503020204020204" pitchFamily="34" charset="-122"/>
-                <a:ea typeface="微软雅黑" panose="020B0503020204020204" pitchFamily="34" charset="-122"/>
-                <a:hlinkClick r:id="rId16"/>
-              </a:rPr>
-              <a:t>www.1ppt.com/shiti/</a:t>
-            </a:r>
-            <a:r>
-              <a:rPr lang="en-US" altLang="zh-CN" sz="1200" dirty="0">
-                <a:solidFill>
-                  <a:srgbClr val="EEECE1">
-                    <a:lumMod val="25000"/>
-                  </a:srgbClr>
-                </a:solidFill>
-                <a:latin typeface="微软雅黑" panose="020B0503020204020204" pitchFamily="34" charset="-122"/>
-                <a:ea typeface="微软雅黑" panose="020B0503020204020204" pitchFamily="34" charset="-122"/>
-              </a:rPr>
-              <a:t>  </a:t>
-            </a:r>
-          </a:p>
-          <a:p>
-            <a:r>
-              <a:rPr lang="zh-CN" altLang="en-US" sz="1200" dirty="0">
-                <a:solidFill>
-                  <a:srgbClr val="EEECE1">
-                    <a:lumMod val="25000"/>
-                  </a:srgbClr>
-                </a:solidFill>
-                <a:latin typeface="微软雅黑" panose="020B0503020204020204" pitchFamily="34" charset="-122"/>
-                <a:ea typeface="微软雅黑" panose="020B0503020204020204" pitchFamily="34" charset="-122"/>
-              </a:rPr>
-              <a:t>教案下载：      </a:t>
-            </a:r>
-            <a:r>
-              <a:rPr lang="en-US" altLang="zh-CN" sz="1200" dirty="0">
-                <a:solidFill>
-                  <a:srgbClr val="EEECE1">
-                    <a:lumMod val="25000"/>
-                  </a:srgbClr>
-                </a:solidFill>
-                <a:latin typeface="微软雅黑" panose="020B0503020204020204" pitchFamily="34" charset="-122"/>
-                <a:ea typeface="微软雅黑" panose="020B0503020204020204" pitchFamily="34" charset="-122"/>
-                <a:hlinkClick r:id="rId17"/>
-              </a:rPr>
-              <a:t>www.1ppt.com/jiaoan/</a:t>
-            </a:r>
-            <a:r>
-              <a:rPr lang="en-US" altLang="zh-CN" sz="1200" dirty="0">
-                <a:solidFill>
-                  <a:srgbClr val="EEECE1">
-                    <a:lumMod val="25000"/>
-                  </a:srgbClr>
-                </a:solidFill>
-                <a:latin typeface="微软雅黑" panose="020B0503020204020204" pitchFamily="34" charset="-122"/>
-                <a:ea typeface="微软雅黑" panose="020B0503020204020204" pitchFamily="34" charset="-122"/>
-              </a:rPr>
-              <a:t>                       </a:t>
-            </a:r>
-            <a:r>
-              <a:rPr lang="zh-CN" altLang="en-US" sz="1200" dirty="0">
-                <a:solidFill>
-                  <a:srgbClr val="EEECE1">
-                    <a:lumMod val="25000"/>
-                  </a:srgbClr>
-                </a:solidFill>
-                <a:latin typeface="微软雅黑" panose="020B0503020204020204" pitchFamily="34" charset="-122"/>
-                <a:ea typeface="微软雅黑" panose="020B0503020204020204" pitchFamily="34" charset="-122"/>
-              </a:rPr>
-              <a:t>字体下载：      </a:t>
-            </a:r>
-            <a:r>
-              <a:rPr lang="en-US" altLang="zh-CN" sz="1200" dirty="0">
-                <a:solidFill>
-                  <a:srgbClr val="EEECE1">
-                    <a:lumMod val="25000"/>
-                  </a:srgbClr>
-                </a:solidFill>
-                <a:latin typeface="微软雅黑" panose="020B0503020204020204" pitchFamily="34" charset="-122"/>
-                <a:ea typeface="微软雅黑" panose="020B0503020204020204" pitchFamily="34" charset="-122"/>
-                <a:hlinkClick r:id="rId18"/>
-              </a:rPr>
-              <a:t>www.1ppt.com/ziti/</a:t>
-            </a:r>
-            <a:r>
-              <a:rPr lang="en-US" altLang="zh-CN" sz="1200" dirty="0">
-                <a:solidFill>
-                  <a:srgbClr val="EEECE1">
-                    <a:lumMod val="25000"/>
-                  </a:srgbClr>
-                </a:solidFill>
-                <a:latin typeface="微软雅黑" panose="020B0503020204020204" pitchFamily="34" charset="-122"/>
-                <a:ea typeface="微软雅黑" panose="020B0503020204020204" pitchFamily="34" charset="-122"/>
-              </a:rPr>
-              <a:t>              </a:t>
-            </a:r>
-            <a:endParaRPr lang="zh-CN" altLang="en-US" sz="1200" dirty="0">
-              <a:solidFill>
-                <a:srgbClr val="EEECE1">
-                  <a:lumMod val="25000"/>
-                </a:srgbClr>
-              </a:solidFill>
-              <a:latin typeface="微软雅黑" panose="020B0503020204020204" pitchFamily="34" charset="-122"/>
-              <a:ea typeface="微软雅黑" panose="020B0503020204020204" pitchFamily="34" charset="-122"/>
-            </a:endParaRPr>
-          </a:p>
-          <a:p>
-            <a:endParaRPr lang="zh-CN" altLang="en-US" dirty="0"/>
+            <a:endParaRPr lang="zh-CN" altLang="en-US"/>
           </a:p>
         </p:txBody>
       </p:sp>
@@ -1466,7 +1465,7 @@
     </p:spTree>
     <p:extLst>
       <p:ext uri="{BB962C8B-B14F-4D97-AF65-F5344CB8AC3E}">
-        <p14:creationId xmlns:p14="http://schemas.microsoft.com/office/powerpoint/2010/main" val="1076013792"/>
+        <p14:creationId xmlns:p14="http://schemas.microsoft.com/office/powerpoint/2010/main" val="3805232929"/>
       </p:ext>
     </p:extLst>
   </p:cSld>
@@ -1551,7 +1550,7 @@
     </p:spTree>
     <p:extLst>
       <p:ext uri="{BB962C8B-B14F-4D97-AF65-F5344CB8AC3E}">
-        <p14:creationId xmlns:p14="http://schemas.microsoft.com/office/powerpoint/2010/main" val="3805232929"/>
+        <p14:creationId xmlns:p14="http://schemas.microsoft.com/office/powerpoint/2010/main" val="1621855299"/>
       </p:ext>
     </p:extLst>
   </p:cSld>
@@ -1636,7 +1635,7 @@
     </p:spTree>
     <p:extLst>
       <p:ext uri="{BB962C8B-B14F-4D97-AF65-F5344CB8AC3E}">
-        <p14:creationId xmlns:p14="http://schemas.microsoft.com/office/powerpoint/2010/main" val="1621855299"/>
+        <p14:creationId xmlns:p14="http://schemas.microsoft.com/office/powerpoint/2010/main" val="4103637875"/>
       </p:ext>
     </p:extLst>
   </p:cSld>
@@ -1721,7 +1720,7 @@
     </p:spTree>
     <p:extLst>
       <p:ext uri="{BB962C8B-B14F-4D97-AF65-F5344CB8AC3E}">
-        <p14:creationId xmlns:p14="http://schemas.microsoft.com/office/powerpoint/2010/main" val="4103637875"/>
+        <p14:creationId xmlns:p14="http://schemas.microsoft.com/office/powerpoint/2010/main" val="2025215298"/>
       </p:ext>
     </p:extLst>
   </p:cSld>
@@ -1806,7 +1805,7 @@
     </p:spTree>
     <p:extLst>
       <p:ext uri="{BB962C8B-B14F-4D97-AF65-F5344CB8AC3E}">
-        <p14:creationId xmlns:p14="http://schemas.microsoft.com/office/powerpoint/2010/main" val="2025215298"/>
+        <p14:creationId xmlns:p14="http://schemas.microsoft.com/office/powerpoint/2010/main" val="969834285"/>
       </p:ext>
     </p:extLst>
   </p:cSld>
@@ -1891,7 +1890,7 @@
     </p:spTree>
     <p:extLst>
       <p:ext uri="{BB962C8B-B14F-4D97-AF65-F5344CB8AC3E}">
-        <p14:creationId xmlns:p14="http://schemas.microsoft.com/office/powerpoint/2010/main" val="969834285"/>
+        <p14:creationId xmlns:p14="http://schemas.microsoft.com/office/powerpoint/2010/main" val="2819222037"/>
       </p:ext>
     </p:extLst>
   </p:cSld>
@@ -1976,7 +1975,7 @@
     </p:spTree>
     <p:extLst>
       <p:ext uri="{BB962C8B-B14F-4D97-AF65-F5344CB8AC3E}">
-        <p14:creationId xmlns:p14="http://schemas.microsoft.com/office/powerpoint/2010/main" val="2819222037"/>
+        <p14:creationId xmlns:p14="http://schemas.microsoft.com/office/powerpoint/2010/main" val="2041035035"/>
       </p:ext>
     </p:extLst>
   </p:cSld>
@@ -2061,7 +2060,7 @@
     </p:spTree>
     <p:extLst>
       <p:ext uri="{BB962C8B-B14F-4D97-AF65-F5344CB8AC3E}">
-        <p14:creationId xmlns:p14="http://schemas.microsoft.com/office/powerpoint/2010/main" val="2041035035"/>
+        <p14:creationId xmlns:p14="http://schemas.microsoft.com/office/powerpoint/2010/main" val="229918668"/>
       </p:ext>
     </p:extLst>
   </p:cSld>
@@ -2146,7 +2145,7 @@
     </p:spTree>
     <p:extLst>
       <p:ext uri="{BB962C8B-B14F-4D97-AF65-F5344CB8AC3E}">
-        <p14:creationId xmlns:p14="http://schemas.microsoft.com/office/powerpoint/2010/main" val="229918668"/>
+        <p14:creationId xmlns:p14="http://schemas.microsoft.com/office/powerpoint/2010/main" val="2845820821"/>
       </p:ext>
     </p:extLst>
   </p:cSld>
@@ -2232,91 +2231,6 @@
     <p:extLst>
       <p:ext uri="{BB962C8B-B14F-4D97-AF65-F5344CB8AC3E}">
         <p14:creationId xmlns:p14="http://schemas.microsoft.com/office/powerpoint/2010/main" val="1004073977"/>
-      </p:ext>
-    </p:extLst>
-  </p:cSld>
-  <p:clrMapOvr>
-    <a:masterClrMapping/>
-  </p:clrMapOvr>
-</p:notes>
-</file>
-
-<file path=ppt/notesSlides/notesSlide20.xml><?xml version="1.0" encoding="utf-8"?>
-<p:notes xmlns:a="http://schemas.openxmlformats.org/drawingml/2006/main" xmlns:r="http://schemas.openxmlformats.org/officeDocument/2006/relationships" xmlns:p="http://schemas.openxmlformats.org/presentationml/2006/main">
-  <p:cSld>
-    <p:spTree>
-      <p:nvGrpSpPr>
-        <p:cNvPr id="1" name=""/>
-        <p:cNvGrpSpPr/>
-        <p:nvPr/>
-      </p:nvGrpSpPr>
-      <p:grpSpPr>
-        <a:xfrm>
-          <a:off x="0" y="0"/>
-          <a:ext cx="0" cy="0"/>
-          <a:chOff x="0" y="0"/>
-          <a:chExt cx="0" cy="0"/>
-        </a:xfrm>
-      </p:grpSpPr>
-      <p:sp>
-        <p:nvSpPr>
-          <p:cNvPr id="2" name="幻灯片图像占位符 1"/>
-          <p:cNvSpPr>
-            <a:spLocks noGrp="1" noRot="1" noChangeAspect="1"/>
-          </p:cNvSpPr>
-          <p:nvPr>
-            <p:ph type="sldImg"/>
-          </p:nvPr>
-        </p:nvSpPr>
-        <p:spPr/>
-      </p:sp>
-      <p:sp>
-        <p:nvSpPr>
-          <p:cNvPr id="3" name="备注占位符 2"/>
-          <p:cNvSpPr>
-            <a:spLocks noGrp="1"/>
-          </p:cNvSpPr>
-          <p:nvPr>
-            <p:ph type="body" idx="1"/>
-          </p:nvPr>
-        </p:nvSpPr>
-        <p:spPr/>
-        <p:txBody>
-          <a:bodyPr/>
-          <a:lstStyle/>
-          <a:p>
-            <a:endParaRPr lang="zh-CN" altLang="en-US"/>
-          </a:p>
-        </p:txBody>
-      </p:sp>
-      <p:sp>
-        <p:nvSpPr>
-          <p:cNvPr id="4" name="灯片编号占位符 3"/>
-          <p:cNvSpPr>
-            <a:spLocks noGrp="1"/>
-          </p:cNvSpPr>
-          <p:nvPr>
-            <p:ph type="sldNum" sz="quarter" idx="10"/>
-          </p:nvPr>
-        </p:nvSpPr>
-        <p:spPr/>
-        <p:txBody>
-          <a:bodyPr/>
-          <a:lstStyle/>
-          <a:p>
-            <a:fld id="{B9BCC932-0C1F-4C94-8B9A-3944ABBB4E30}" type="slidenum">
-              <a:rPr lang="zh-CN" altLang="en-US" smtClean="0"/>
-              <a:pPr/>
-              <a:t>20</a:t>
-            </a:fld>
-            <a:endParaRPr lang="zh-CN" altLang="en-US"/>
-          </a:p>
-        </p:txBody>
-      </p:sp>
-    </p:spTree>
-    <p:extLst>
-      <p:ext uri="{BB962C8B-B14F-4D97-AF65-F5344CB8AC3E}">
-        <p14:creationId xmlns:p14="http://schemas.microsoft.com/office/powerpoint/2010/main" val="2845820821"/>
       </p:ext>
     </p:extLst>
   </p:cSld>
@@ -3051,7 +2965,7 @@
             <a:fld id="{8AF6F278-ABF0-48CA-ADF0-1D43CCA8A181}" type="datetimeFigureOut">
               <a:rPr lang="zh-CN" altLang="en-US" smtClean="0"/>
               <a:pPr/>
-              <a:t>2023/5/21</a:t>
+              <a:t>2023/5/24</a:t>
             </a:fld>
             <a:endParaRPr lang="zh-CN" altLang="en-US"/>
           </a:p>
@@ -3229,7 +3143,7 @@
             <a:fld id="{8AF6F278-ABF0-48CA-ADF0-1D43CCA8A181}" type="datetimeFigureOut">
               <a:rPr lang="zh-CN" altLang="en-US" smtClean="0"/>
               <a:pPr/>
-              <a:t>2023/5/21</a:t>
+              <a:t>2023/5/24</a:t>
             </a:fld>
             <a:endParaRPr lang="zh-CN" altLang="en-US"/>
           </a:p>
@@ -3417,7 +3331,7 @@
             <a:fld id="{8AF6F278-ABF0-48CA-ADF0-1D43CCA8A181}" type="datetimeFigureOut">
               <a:rPr lang="zh-CN" altLang="en-US" smtClean="0"/>
               <a:pPr/>
-              <a:t>2023/5/21</a:t>
+              <a:t>2023/5/24</a:t>
             </a:fld>
             <a:endParaRPr lang="zh-CN" altLang="en-US"/>
           </a:p>
@@ -3595,7 +3509,7 @@
             <a:fld id="{8AF6F278-ABF0-48CA-ADF0-1D43CCA8A181}" type="datetimeFigureOut">
               <a:rPr lang="zh-CN" altLang="en-US" smtClean="0"/>
               <a:pPr/>
-              <a:t>2023/5/21</a:t>
+              <a:t>2023/5/24</a:t>
             </a:fld>
             <a:endParaRPr lang="zh-CN" altLang="en-US"/>
           </a:p>
@@ -3850,7 +3764,7 @@
             <a:fld id="{8AF6F278-ABF0-48CA-ADF0-1D43CCA8A181}" type="datetimeFigureOut">
               <a:rPr lang="zh-CN" altLang="en-US" smtClean="0"/>
               <a:pPr/>
-              <a:t>2023/5/21</a:t>
+              <a:t>2023/5/24</a:t>
             </a:fld>
             <a:endParaRPr lang="zh-CN" altLang="en-US"/>
           </a:p>
@@ -4089,7 +4003,7 @@
             <a:fld id="{8AF6F278-ABF0-48CA-ADF0-1D43CCA8A181}" type="datetimeFigureOut">
               <a:rPr lang="zh-CN" altLang="en-US" smtClean="0"/>
               <a:pPr/>
-              <a:t>2023/5/21</a:t>
+              <a:t>2023/5/24</a:t>
             </a:fld>
             <a:endParaRPr lang="zh-CN" altLang="en-US"/>
           </a:p>
@@ -5023,7 +4937,7 @@
             <a:fld id="{8AF6F278-ABF0-48CA-ADF0-1D43CCA8A181}" type="datetimeFigureOut">
               <a:rPr lang="zh-CN" altLang="en-US" smtClean="0"/>
               <a:pPr/>
-              <a:t>2023/5/21</a:t>
+              <a:t>2023/5/24</a:t>
             </a:fld>
             <a:endParaRPr lang="zh-CN" altLang="en-US"/>
           </a:p>
@@ -5150,7 +5064,7 @@
             <a:fld id="{8AF6F278-ABF0-48CA-ADF0-1D43CCA8A181}" type="datetimeFigureOut">
               <a:rPr lang="zh-CN" altLang="en-US" smtClean="0"/>
               <a:pPr/>
-              <a:t>2023/5/21</a:t>
+              <a:t>2023/5/24</a:t>
             </a:fld>
             <a:endParaRPr lang="zh-CN" altLang="en-US"/>
           </a:p>
@@ -5255,7 +5169,7 @@
             <a:fld id="{8AF6F278-ABF0-48CA-ADF0-1D43CCA8A181}" type="datetimeFigureOut">
               <a:rPr lang="zh-CN" altLang="en-US" smtClean="0"/>
               <a:pPr/>
-              <a:t>2023/5/21</a:t>
+              <a:t>2023/5/24</a:t>
             </a:fld>
             <a:endParaRPr lang="zh-CN" altLang="en-US"/>
           </a:p>
@@ -5540,7 +5454,7 @@
             <a:fld id="{8AF6F278-ABF0-48CA-ADF0-1D43CCA8A181}" type="datetimeFigureOut">
               <a:rPr lang="zh-CN" altLang="en-US" smtClean="0"/>
               <a:pPr/>
-              <a:t>2023/5/21</a:t>
+              <a:t>2023/5/24</a:t>
             </a:fld>
             <a:endParaRPr lang="zh-CN" altLang="en-US"/>
           </a:p>
@@ -5802,7 +5716,7 @@
             <a:fld id="{8AF6F278-ABF0-48CA-ADF0-1D43CCA8A181}" type="datetimeFigureOut">
               <a:rPr lang="zh-CN" altLang="en-US" smtClean="0"/>
               <a:pPr/>
-              <a:t>2023/5/21</a:t>
+              <a:t>2023/5/24</a:t>
             </a:fld>
             <a:endParaRPr lang="zh-CN" altLang="en-US"/>
           </a:p>
@@ -6023,7 +5937,7 @@
             <a:fld id="{8AF6F278-ABF0-48CA-ADF0-1D43CCA8A181}" type="datetimeFigureOut">
               <a:rPr lang="zh-CN" altLang="en-US" smtClean="0"/>
               <a:pPr/>
-              <a:t>2023/5/21</a:t>
+              <a:t>2023/5/24</a:t>
             </a:fld>
             <a:endParaRPr lang="zh-CN" altLang="en-US"/>
           </a:p>
@@ -6715,14 +6629,44 @@
           <a:p>
             <a:pPr algn="dist"/>
             <a:r>
-              <a:rPr lang="zh-CN" altLang="zh-CN" sz="4800" dirty="0">
+              <a:rPr lang="zh-CN" altLang="en-US" sz="4800">
                 <a:solidFill>
                   <a:srgbClr val="1C4885"/>
                 </a:solidFill>
                 <a:ea typeface="汉仪大宋简" panose="02010609000101010101" pitchFamily="49" charset="-122"/>
                 <a:cs typeface="+mn-ea"/>
               </a:rPr>
-              <a:t>社区志愿者疫情防控管理系统</a:t>
+              <a:t>企</a:t>
+            </a:r>
+            <a:r>
+              <a:rPr lang="zh-CN" altLang="en-US" sz="4800" smtClean="0">
+                <a:solidFill>
+                  <a:srgbClr val="1C4885"/>
+                </a:solidFill>
+                <a:ea typeface="汉仪大宋简" panose="02010609000101010101" pitchFamily="49" charset="-122"/>
+                <a:cs typeface="+mn-ea"/>
+              </a:rPr>
+              <a:t>业员工</a:t>
+            </a:r>
+            <a:r>
+              <a:rPr lang="zh-CN" altLang="zh-CN" sz="4800" smtClean="0">
+                <a:solidFill>
+                  <a:srgbClr val="1C4885"/>
+                </a:solidFill>
+                <a:ea typeface="汉仪大宋简" panose="02010609000101010101" pitchFamily="49" charset="-122"/>
+                <a:cs typeface="+mn-ea"/>
+              </a:rPr>
+              <a:t>管</a:t>
+            </a:r>
+            <a:r>
+              <a:rPr lang="zh-CN" altLang="zh-CN" sz="4800" dirty="0">
+                <a:solidFill>
+                  <a:srgbClr val="1C4885"/>
+                </a:solidFill>
+                <a:ea typeface="汉仪大宋简" panose="02010609000101010101" pitchFamily="49" charset="-122"/>
+                <a:cs typeface="+mn-ea"/>
+              </a:rPr>
+              <a:t>理系统</a:t>
             </a:r>
           </a:p>
         </p:txBody>
@@ -6760,10 +6704,10 @@
                 <a:cs typeface="+mn-ea"/>
                 <a:sym typeface="+mn-lt"/>
               </a:rPr>
-              <a:t>汇报人：董建乐  汇报时间：</a:t>
-            </a:r>
-            <a:r>
-              <a:rPr lang="en-US" altLang="zh-CN" dirty="0">
+              <a:t>汇报</a:t>
+            </a:r>
+            <a:r>
+              <a:rPr lang="zh-CN" altLang="en-US">
                 <a:solidFill>
                   <a:schemeClr val="bg1">
                     <a:lumMod val="50000"/>
@@ -6772,7 +6716,79 @@
                 <a:cs typeface="+mn-ea"/>
                 <a:sym typeface="+mn-lt"/>
               </a:rPr>
-              <a:t>2023.</a:t>
+              <a:t>人</a:t>
+            </a:r>
+            <a:r>
+              <a:rPr lang="zh-CN" altLang="en-US" smtClean="0">
+                <a:solidFill>
+                  <a:schemeClr val="bg1">
+                    <a:lumMod val="50000"/>
+                  </a:schemeClr>
+                </a:solidFill>
+                <a:cs typeface="+mn-ea"/>
+                <a:sym typeface="+mn-lt"/>
+              </a:rPr>
+              <a:t>：</a:t>
+            </a:r>
+            <a:r>
+              <a:rPr lang="zh-CN" altLang="en-US" smtClean="0">
+                <a:solidFill>
+                  <a:schemeClr val="bg1">
+                    <a:lumMod val="50000"/>
+                  </a:schemeClr>
+                </a:solidFill>
+                <a:cs typeface="+mn-ea"/>
+                <a:sym typeface="+mn-lt"/>
+              </a:rPr>
+              <a:t>郭宏阳</a:t>
+            </a:r>
+            <a:r>
+              <a:rPr lang="zh-CN" altLang="en-US" smtClean="0">
+                <a:solidFill>
+                  <a:schemeClr val="bg1">
+                    <a:lumMod val="50000"/>
+                  </a:schemeClr>
+                </a:solidFill>
+                <a:cs typeface="+mn-ea"/>
+                <a:sym typeface="+mn-lt"/>
+              </a:rPr>
+              <a:t>  </a:t>
+            </a:r>
+            <a:r>
+              <a:rPr lang="zh-CN" altLang="en-US" dirty="0">
+                <a:solidFill>
+                  <a:schemeClr val="bg1">
+                    <a:lumMod val="50000"/>
+                  </a:schemeClr>
+                </a:solidFill>
+                <a:cs typeface="+mn-ea"/>
+                <a:sym typeface="+mn-lt"/>
+              </a:rPr>
+              <a:t>汇报时间</a:t>
+            </a:r>
+            <a:r>
+              <a:rPr lang="zh-CN" altLang="en-US">
+                <a:solidFill>
+                  <a:schemeClr val="bg1">
+                    <a:lumMod val="50000"/>
+                  </a:schemeClr>
+                </a:solidFill>
+                <a:cs typeface="+mn-ea"/>
+                <a:sym typeface="+mn-lt"/>
+              </a:rPr>
+              <a:t>：</a:t>
+            </a:r>
+            <a:r>
+              <a:rPr lang="en-US" altLang="zh-CN" smtClean="0">
+                <a:solidFill>
+                  <a:schemeClr val="bg1">
+                    <a:lumMod val="50000"/>
+                  </a:schemeClr>
+                </a:solidFill>
+                <a:cs typeface="+mn-ea"/>
+                <a:sym typeface="+mn-lt"/>
+              </a:rPr>
+              <a:t>2023.5</a:t>
             </a:r>
             <a:endParaRPr lang="zh-CN" altLang="en-US" dirty="0">
               <a:solidFill>
@@ -6906,22 +6922,20 @@
       </p:grpSpPr>
       <p:sp>
         <p:nvSpPr>
-          <p:cNvPr id="15" name="矩形 14"/>
+          <p:cNvPr id="4" name="矩形 3"/>
           <p:cNvSpPr/>
           <p:nvPr/>
         </p:nvSpPr>
         <p:spPr>
           <a:xfrm>
-            <a:off x="6096000" y="1411285"/>
-            <a:ext cx="5388077" cy="3451123"/>
+            <a:off x="245805" y="294968"/>
+            <a:ext cx="1961536" cy="1696064"/>
           </a:xfrm>
           <a:prstGeom prst="rect">
             <a:avLst/>
           </a:prstGeom>
           <a:solidFill>
-            <a:schemeClr val="bg1">
-              <a:lumMod val="95000"/>
-            </a:schemeClr>
+            <a:srgbClr val="1C4885"/>
           </a:solidFill>
           <a:ln>
             <a:noFill/>
@@ -6948,7 +6962,7 @@
           <a:lstStyle/>
           <a:p>
             <a:pPr algn="ctr"/>
-            <a:endParaRPr lang="zh-CN" altLang="en-US">
+            <a:endParaRPr lang="zh-CN" altLang="en-US" dirty="0">
               <a:cs typeface="+mn-ea"/>
               <a:sym typeface="+mn-lt"/>
             </a:endParaRPr>
@@ -6957,87 +6971,14 @@
       </p:sp>
       <p:sp>
         <p:nvSpPr>
-          <p:cNvPr id="4" name="文本框 3"/>
-          <p:cNvSpPr txBox="1"/>
-          <p:nvPr/>
-        </p:nvSpPr>
-        <p:spPr>
-          <a:xfrm>
-            <a:off x="904648" y="409927"/>
-            <a:ext cx="2538453" cy="523220"/>
-          </a:xfrm>
-          <a:prstGeom prst="rect">
-            <a:avLst/>
-          </a:prstGeom>
-          <a:noFill/>
-        </p:spPr>
-        <p:txBody>
-          <a:bodyPr wrap="square" rtlCol="0">
-            <a:spAutoFit/>
-          </a:bodyPr>
-          <a:lstStyle/>
-          <a:p>
-            <a:r>
-              <a:rPr lang="zh-CN" altLang="en-US" sz="2800" dirty="0">
-                <a:solidFill>
-                  <a:schemeClr val="tx1">
-                    <a:lumMod val="85000"/>
-                    <a:lumOff val="15000"/>
-                  </a:schemeClr>
-                </a:solidFill>
-                <a:cs typeface="+mn-ea"/>
-                <a:sym typeface="+mn-lt"/>
-              </a:rPr>
-              <a:t>调查分析需求</a:t>
-            </a:r>
-          </a:p>
-        </p:txBody>
-      </p:sp>
-      <p:cxnSp>
-        <p:nvCxnSpPr>
-          <p:cNvPr id="6" name="直接连接符 5"/>
-          <p:cNvCxnSpPr/>
-          <p:nvPr/>
-        </p:nvCxnSpPr>
-        <p:spPr>
-          <a:xfrm>
-            <a:off x="796413" y="457203"/>
-            <a:ext cx="0" cy="632244"/>
-          </a:xfrm>
-          <a:prstGeom prst="line">
-            <a:avLst/>
-          </a:prstGeom>
-          <a:ln w="76200">
-            <a:solidFill>
-              <a:srgbClr val="1C4885"/>
-            </a:solidFill>
-          </a:ln>
-        </p:spPr>
-        <p:style>
-          <a:lnRef idx="1">
-            <a:schemeClr val="accent1"/>
-          </a:lnRef>
-          <a:fillRef idx="0">
-            <a:schemeClr val="accent1"/>
-          </a:fillRef>
-          <a:effectRef idx="0">
-            <a:schemeClr val="accent1"/>
-          </a:effectRef>
-          <a:fontRef idx="minor">
-            <a:schemeClr val="tx1"/>
-          </a:fontRef>
-        </p:style>
-      </p:cxnSp>
-      <p:sp>
-        <p:nvSpPr>
-          <p:cNvPr id="8" name="矩形 7"/>
+          <p:cNvPr id="5" name="矩形 4"/>
           <p:cNvSpPr/>
           <p:nvPr/>
         </p:nvSpPr>
         <p:spPr>
           <a:xfrm>
-            <a:off x="504723" y="1386689"/>
-            <a:ext cx="5388077" cy="3451123"/>
+            <a:off x="9984658" y="4866967"/>
+            <a:ext cx="1961536" cy="1696064"/>
           </a:xfrm>
           <a:prstGeom prst="rect">
             <a:avLst/>
@@ -7045,6 +6986,9 @@
           <a:solidFill>
             <a:srgbClr val="1C4885"/>
           </a:solidFill>
+          <a:ln>
+            <a:noFill/>
+          </a:ln>
         </p:spPr>
         <p:style>
           <a:lnRef idx="2">
@@ -7076,401 +7020,33 @@
       </p:sp>
       <p:sp>
         <p:nvSpPr>
-          <p:cNvPr id="9" name="文本框 8"/>
-          <p:cNvSpPr txBox="1"/>
-          <p:nvPr/>
-        </p:nvSpPr>
-        <p:spPr>
-          <a:xfrm>
-            <a:off x="1021346" y="1739635"/>
-            <a:ext cx="2864928" cy="461665"/>
-          </a:xfrm>
-          <a:prstGeom prst="rect">
-            <a:avLst/>
-          </a:prstGeom>
-          <a:noFill/>
-        </p:spPr>
-        <p:txBody>
-          <a:bodyPr wrap="square" rtlCol="0">
-            <a:spAutoFit/>
-          </a:bodyPr>
-          <a:lstStyle/>
-          <a:p>
-            <a:r>
-              <a:rPr lang="zh-CN" altLang="en-US" sz="2400" dirty="0">
-                <a:solidFill>
-                  <a:schemeClr val="bg1"/>
-                </a:solidFill>
-                <a:cs typeface="+mn-ea"/>
-                <a:sym typeface="+mn-lt"/>
-              </a:rPr>
-              <a:t>技术可行性  </a:t>
-            </a:r>
-          </a:p>
-        </p:txBody>
-      </p:sp>
-      <p:cxnSp>
-        <p:nvCxnSpPr>
-          <p:cNvPr id="10" name="直接连接符 9"/>
-          <p:cNvCxnSpPr/>
-          <p:nvPr/>
-        </p:nvCxnSpPr>
-        <p:spPr>
-          <a:xfrm>
-            <a:off x="1159133" y="2434166"/>
-            <a:ext cx="616308" cy="0"/>
-          </a:xfrm>
-          <a:prstGeom prst="line">
-            <a:avLst/>
-          </a:prstGeom>
-          <a:ln w="25400">
-            <a:solidFill>
-              <a:schemeClr val="bg1"/>
-            </a:solidFill>
-          </a:ln>
-        </p:spPr>
-        <p:style>
-          <a:lnRef idx="1">
-            <a:schemeClr val="accent1"/>
-          </a:lnRef>
-          <a:fillRef idx="0">
-            <a:schemeClr val="accent1"/>
-          </a:fillRef>
-          <a:effectRef idx="0">
-            <a:schemeClr val="accent1"/>
-          </a:effectRef>
-          <a:fontRef idx="minor">
-            <a:schemeClr val="tx1"/>
-          </a:fontRef>
-        </p:style>
-      </p:cxnSp>
-      <p:sp>
-        <p:nvSpPr>
-          <p:cNvPr id="12" name="文本框 11"/>
-          <p:cNvSpPr txBox="1"/>
-          <p:nvPr/>
-        </p:nvSpPr>
-        <p:spPr>
-          <a:xfrm>
-            <a:off x="6750410" y="1735401"/>
-            <a:ext cx="2864928" cy="461665"/>
-          </a:xfrm>
-          <a:prstGeom prst="rect">
-            <a:avLst/>
-          </a:prstGeom>
-          <a:noFill/>
-        </p:spPr>
-        <p:txBody>
-          <a:bodyPr wrap="square" rtlCol="0">
-            <a:spAutoFit/>
-          </a:bodyPr>
-          <a:lstStyle/>
-          <a:p>
-            <a:r>
-              <a:rPr lang="zh-CN" altLang="en-US" sz="2400" dirty="0">
-                <a:solidFill>
-                  <a:schemeClr val="tx1">
-                    <a:lumMod val="75000"/>
-                    <a:lumOff val="25000"/>
-                  </a:schemeClr>
-                </a:solidFill>
-                <a:cs typeface="+mn-ea"/>
-                <a:sym typeface="+mn-lt"/>
-              </a:rPr>
-              <a:t>经济可行性</a:t>
-            </a:r>
-          </a:p>
-        </p:txBody>
-      </p:sp>
-      <p:cxnSp>
-        <p:nvCxnSpPr>
-          <p:cNvPr id="13" name="直接连接符 12"/>
-          <p:cNvCxnSpPr/>
-          <p:nvPr/>
-        </p:nvCxnSpPr>
-        <p:spPr>
-          <a:xfrm>
-            <a:off x="6930273" y="2452235"/>
-            <a:ext cx="616308" cy="0"/>
-          </a:xfrm>
-          <a:prstGeom prst="line">
-            <a:avLst/>
-          </a:prstGeom>
-          <a:ln w="25400">
-            <a:solidFill>
-              <a:schemeClr val="tx1">
-                <a:lumMod val="75000"/>
-                <a:lumOff val="25000"/>
-              </a:schemeClr>
-            </a:solidFill>
-          </a:ln>
-        </p:spPr>
-        <p:style>
-          <a:lnRef idx="1">
-            <a:schemeClr val="accent1"/>
-          </a:lnRef>
-          <a:fillRef idx="0">
-            <a:schemeClr val="accent1"/>
-          </a:fillRef>
-          <a:effectRef idx="0">
-            <a:schemeClr val="accent1"/>
-          </a:effectRef>
-          <a:fontRef idx="minor">
-            <a:schemeClr val="tx1"/>
-          </a:fontRef>
-        </p:style>
-      </p:cxnSp>
-      <p:sp>
-        <p:nvSpPr>
-          <p:cNvPr id="14" name="文本框 13"/>
-          <p:cNvSpPr txBox="1"/>
-          <p:nvPr/>
-        </p:nvSpPr>
-        <p:spPr>
-          <a:xfrm>
-            <a:off x="6666484" y="2605093"/>
-            <a:ext cx="4247107" cy="2587888"/>
-          </a:xfrm>
-          <a:prstGeom prst="rect">
-            <a:avLst/>
-          </a:prstGeom>
-          <a:noFill/>
-        </p:spPr>
-        <p:txBody>
-          <a:bodyPr wrap="square" rtlCol="0">
-            <a:spAutoFit/>
-          </a:bodyPr>
-          <a:lstStyle/>
-          <a:p>
-            <a:pPr indent="304800" algn="just">
-              <a:lnSpc>
-                <a:spcPts val="2300"/>
-              </a:lnSpc>
-            </a:pPr>
-            <a:r>
-              <a:rPr lang="zh-CN" altLang="zh-CN" sz="1200" kern="100" dirty="0">
-                <a:effectLst/>
-                <a:latin typeface="Times New Roman" panose="02020603050405020304" pitchFamily="18" charset="0"/>
-                <a:ea typeface="宋体" panose="02010600030101010101" pitchFamily="2" charset="-122"/>
-                <a:cs typeface="Times New Roman" panose="02020603050405020304" pitchFamily="18" charset="0"/>
-              </a:rPr>
-              <a:t>本系统经过实际调研来设计开发，是了解工作人员的操作流程和习惯进行设计的。并且从管理者和使用者的角度充分考虑，使操作更加简便。操作者只需要通过后台代码修改相应的功能模块和在线上进行对应的操作即可，并不是很复杂，人员通过使用该社区志愿者疫情防控管理系统，提高快疫情防控工作的效率，所以，此社区志愿者疫情防控管理系统的调试运行成功是可行的。</a:t>
-            </a:r>
-          </a:p>
-          <a:p>
-            <a:endParaRPr lang="zh-CN" altLang="en-US" sz="1200" dirty="0">
-              <a:solidFill>
-                <a:schemeClr val="tx1">
-                  <a:lumMod val="75000"/>
-                  <a:lumOff val="25000"/>
-                </a:schemeClr>
-              </a:solidFill>
-              <a:cs typeface="+mn-ea"/>
-              <a:sym typeface="+mn-lt"/>
-            </a:endParaRPr>
-          </a:p>
-          <a:p>
-            <a:endParaRPr lang="zh-CN" altLang="en-US" sz="1600" dirty="0">
-              <a:solidFill>
-                <a:schemeClr val="tx1">
-                  <a:lumMod val="75000"/>
-                  <a:lumOff val="25000"/>
-                </a:schemeClr>
-              </a:solidFill>
-              <a:cs typeface="+mn-ea"/>
-              <a:sym typeface="+mn-lt"/>
-            </a:endParaRPr>
-          </a:p>
-        </p:txBody>
-      </p:sp>
-      <p:sp>
-        <p:nvSpPr>
-          <p:cNvPr id="16" name="文本框 13"/>
-          <p:cNvSpPr txBox="1"/>
-          <p:nvPr/>
-        </p:nvSpPr>
-        <p:spPr>
-          <a:xfrm>
-            <a:off x="953903" y="2638487"/>
-            <a:ext cx="4247107" cy="2649443"/>
-          </a:xfrm>
-          <a:prstGeom prst="rect">
-            <a:avLst/>
-          </a:prstGeom>
-          <a:noFill/>
-        </p:spPr>
-        <p:txBody>
-          <a:bodyPr wrap="square" rtlCol="0">
-            <a:spAutoFit/>
-          </a:bodyPr>
-          <a:lstStyle/>
-          <a:p>
-            <a:pPr indent="304800" algn="just">
-              <a:lnSpc>
-                <a:spcPts val="2300"/>
-              </a:lnSpc>
-            </a:pPr>
-            <a:r>
-              <a:rPr lang="zh-CN" altLang="zh-CN" sz="1200" kern="100" dirty="0">
-                <a:solidFill>
-                  <a:schemeClr val="bg1"/>
-                </a:solidFill>
-                <a:effectLst/>
-                <a:latin typeface="Times New Roman" panose="02020603050405020304" pitchFamily="18" charset="0"/>
-                <a:ea typeface="宋体" panose="02010600030101010101" pitchFamily="2" charset="-122"/>
-                <a:cs typeface="Times New Roman" panose="02020603050405020304" pitchFamily="18" charset="0"/>
-              </a:rPr>
-              <a:t>本系统采用</a:t>
-            </a:r>
-            <a:r>
-              <a:rPr lang="en-US" altLang="zh-CN" sz="1200" kern="100" dirty="0">
-                <a:solidFill>
-                  <a:schemeClr val="bg1"/>
-                </a:solidFill>
-                <a:effectLst/>
-                <a:latin typeface="Times New Roman" panose="02020603050405020304" pitchFamily="18" charset="0"/>
-                <a:ea typeface="宋体" panose="02010600030101010101" pitchFamily="2" charset="-122"/>
-                <a:cs typeface="Times New Roman" panose="02020603050405020304" pitchFamily="18" charset="0"/>
-              </a:rPr>
-              <a:t>Java</a:t>
-            </a:r>
-            <a:r>
-              <a:rPr lang="zh-CN" altLang="zh-CN" sz="1200" kern="100" dirty="0">
-                <a:solidFill>
-                  <a:schemeClr val="bg1"/>
-                </a:solidFill>
-                <a:effectLst/>
-                <a:latin typeface="Times New Roman" panose="02020603050405020304" pitchFamily="18" charset="0"/>
-                <a:ea typeface="宋体" panose="02010600030101010101" pitchFamily="2" charset="-122"/>
-                <a:cs typeface="Times New Roman" panose="02020603050405020304" pitchFamily="18" charset="0"/>
-              </a:rPr>
-              <a:t>语言实现开发，运用</a:t>
-            </a:r>
-            <a:r>
-              <a:rPr lang="en-US" altLang="zh-CN" sz="1200" kern="100" dirty="0">
-                <a:solidFill>
-                  <a:schemeClr val="bg1"/>
-                </a:solidFill>
-                <a:effectLst/>
-                <a:latin typeface="Times New Roman" panose="02020603050405020304" pitchFamily="18" charset="0"/>
-                <a:ea typeface="宋体" panose="02010600030101010101" pitchFamily="2" charset="-122"/>
-                <a:cs typeface="Times New Roman" panose="02020603050405020304" pitchFamily="18" charset="0"/>
-              </a:rPr>
-              <a:t>MySQL</a:t>
-            </a:r>
-            <a:r>
-              <a:rPr lang="zh-CN" altLang="zh-CN" sz="1200" kern="100" dirty="0">
-                <a:solidFill>
-                  <a:schemeClr val="bg1"/>
-                </a:solidFill>
-                <a:effectLst/>
-                <a:latin typeface="Times New Roman" panose="02020603050405020304" pitchFamily="18" charset="0"/>
-                <a:ea typeface="宋体" panose="02010600030101010101" pitchFamily="2" charset="-122"/>
-                <a:cs typeface="Times New Roman" panose="02020603050405020304" pitchFamily="18" charset="0"/>
-              </a:rPr>
-              <a:t>技术实现数据库的搭建任务，本系统的结构采用的是</a:t>
-            </a:r>
-            <a:r>
-              <a:rPr lang="en-US" altLang="zh-CN" sz="1200" kern="100" dirty="0">
-                <a:solidFill>
-                  <a:schemeClr val="bg1"/>
-                </a:solidFill>
-                <a:effectLst/>
-                <a:latin typeface="Times New Roman" panose="02020603050405020304" pitchFamily="18" charset="0"/>
-                <a:ea typeface="宋体" panose="02010600030101010101" pitchFamily="2" charset="-122"/>
-                <a:cs typeface="Times New Roman" panose="02020603050405020304" pitchFamily="18" charset="0"/>
-              </a:rPr>
-              <a:t>SSM</a:t>
-            </a:r>
-            <a:r>
-              <a:rPr lang="zh-CN" altLang="zh-CN" sz="1200" kern="100" dirty="0">
-                <a:solidFill>
-                  <a:schemeClr val="bg1"/>
-                </a:solidFill>
-                <a:effectLst/>
-                <a:latin typeface="Times New Roman" panose="02020603050405020304" pitchFamily="18" charset="0"/>
-                <a:ea typeface="宋体" panose="02010600030101010101" pitchFamily="2" charset="-122"/>
-                <a:cs typeface="Times New Roman" panose="02020603050405020304" pitchFamily="18" charset="0"/>
-              </a:rPr>
-              <a:t>开发框架，即</a:t>
-            </a:r>
-            <a:r>
-              <a:rPr lang="en-US" altLang="zh-CN" sz="1200" kern="100" dirty="0" err="1">
-                <a:solidFill>
-                  <a:schemeClr val="bg1"/>
-                </a:solidFill>
-                <a:effectLst/>
-                <a:latin typeface="Times New Roman" panose="02020603050405020304" pitchFamily="18" charset="0"/>
-                <a:ea typeface="宋体" panose="02010600030101010101" pitchFamily="2" charset="-122"/>
-                <a:cs typeface="Times New Roman" panose="02020603050405020304" pitchFamily="18" charset="0"/>
-              </a:rPr>
-              <a:t>SpringMVC+Spring+MyBatis</a:t>
-            </a:r>
-            <a:r>
-              <a:rPr lang="zh-CN" altLang="zh-CN" sz="1200" kern="100" dirty="0">
-                <a:solidFill>
-                  <a:schemeClr val="bg1"/>
-                </a:solidFill>
-                <a:effectLst/>
-                <a:latin typeface="Times New Roman" panose="02020603050405020304" pitchFamily="18" charset="0"/>
-                <a:ea typeface="宋体" panose="02010600030101010101" pitchFamily="2" charset="-122"/>
-                <a:cs typeface="Times New Roman" panose="02020603050405020304" pitchFamily="18" charset="0"/>
-              </a:rPr>
-              <a:t>实现的网站开发，这种设计结构不仅能方便用户操作，后期更方便管理者提升网站的查询功能和数据的管理等，提高数据分析能力。而且这些技术对于普通大学生来说很好掌握，所以本系统的开发在技术上是可行的。</a:t>
-            </a:r>
-          </a:p>
-          <a:p>
-            <a:endParaRPr lang="zh-CN" altLang="en-US" sz="1600" dirty="0">
-              <a:solidFill>
-                <a:schemeClr val="tx1">
-                  <a:lumMod val="75000"/>
-                  <a:lumOff val="25000"/>
-                </a:schemeClr>
-              </a:solidFill>
-              <a:cs typeface="+mn-ea"/>
-              <a:sym typeface="+mn-lt"/>
-            </a:endParaRPr>
-          </a:p>
-          <a:p>
-            <a:endParaRPr lang="zh-CN" altLang="en-US" sz="1600" dirty="0">
-              <a:solidFill>
-                <a:schemeClr val="tx1">
-                  <a:lumMod val="75000"/>
-                  <a:lumOff val="25000"/>
-                </a:schemeClr>
-              </a:solidFill>
-              <a:cs typeface="+mn-ea"/>
-              <a:sym typeface="+mn-lt"/>
-            </a:endParaRPr>
-          </a:p>
-        </p:txBody>
-      </p:sp>
-      <p:sp>
-        <p:nvSpPr>
-          <p:cNvPr id="2" name="矩形 1">
-            <a:extLst>
-              <a:ext uri="{FF2B5EF4-FFF2-40B4-BE49-F238E27FC236}">
-                <a16:creationId xmlns:a16="http://schemas.microsoft.com/office/drawing/2014/main" id="{4AABFB39-04EA-EBC7-097C-6FD61313655E}"/>
-              </a:ext>
-            </a:extLst>
-          </p:cNvPr>
+          <p:cNvPr id="6" name="圆角矩形 5"/>
           <p:cNvSpPr/>
           <p:nvPr/>
         </p:nvSpPr>
         <p:spPr>
           <a:xfrm>
-            <a:off x="1891084" y="5015265"/>
-            <a:ext cx="8767680" cy="1474430"/>
-          </a:xfrm>
-          <a:prstGeom prst="rect">
-            <a:avLst/>
+            <a:off x="403122" y="449825"/>
+            <a:ext cx="11385755" cy="5958349"/>
+          </a:xfrm>
+          <a:prstGeom prst="roundRect">
+            <a:avLst>
+              <a:gd name="adj" fmla="val 1568"/>
+            </a:avLst>
           </a:prstGeom>
           <a:solidFill>
-            <a:schemeClr val="accent6">
-              <a:lumMod val="60000"/>
-              <a:lumOff val="40000"/>
-            </a:schemeClr>
+            <a:schemeClr val="bg1"/>
           </a:solidFill>
+          <a:ln>
+            <a:noFill/>
+          </a:ln>
+          <a:effectLst>
+            <a:glow rad="228600">
+              <a:srgbClr val="02615A">
+                <a:alpha val="30000"/>
+              </a:srgbClr>
+            </a:glow>
+          </a:effectLst>
         </p:spPr>
         <p:style>
           <a:lnRef idx="2">
@@ -7493,32 +7069,6 @@
           <a:lstStyle/>
           <a:p>
             <a:pPr algn="ctr"/>
-            <a:r>
-              <a:rPr lang="zh-CN" altLang="en-US" dirty="0">
-                <a:cs typeface="+mn-ea"/>
-                <a:sym typeface="+mn-lt"/>
-              </a:rPr>
-              <a:t>经济可行性</a:t>
-            </a:r>
-            <a:endParaRPr lang="en-US" altLang="zh-CN" dirty="0">
-              <a:cs typeface="+mn-ea"/>
-              <a:sym typeface="+mn-lt"/>
-            </a:endParaRPr>
-          </a:p>
-          <a:p>
-            <a:pPr algn="ctr"/>
-            <a:r>
-              <a:rPr lang="zh-CN" altLang="zh-CN" sz="1800" kern="100" dirty="0">
-                <a:effectLst/>
-                <a:latin typeface="Times New Roman" panose="02020603050405020304" pitchFamily="18" charset="0"/>
-                <a:ea typeface="宋体" panose="02010600030101010101" pitchFamily="2" charset="-122"/>
-                <a:cs typeface="Times New Roman" panose="02020603050405020304" pitchFamily="18" charset="0"/>
-              </a:rPr>
-              <a:t>开发社区志愿者疫情防控管理系统并不需要花费大量的人力和物力，硬件设备和软件设备齐全，开发此系统能够给疫情防控工作人员的日常工作带来极大的便利，系统设计简单直观，成本低，所以在经济上是可行的。</a:t>
-            </a:r>
-          </a:p>
-          <a:p>
-            <a:pPr algn="ctr"/>
             <a:endParaRPr lang="zh-CN" altLang="en-US" dirty="0">
               <a:cs typeface="+mn-ea"/>
               <a:sym typeface="+mn-lt"/>
@@ -7526,10 +7076,194 @@
           </a:p>
         </p:txBody>
       </p:sp>
+      <p:sp>
+        <p:nvSpPr>
+          <p:cNvPr id="7" name="椭圆 6"/>
+          <p:cNvSpPr/>
+          <p:nvPr/>
+        </p:nvSpPr>
+        <p:spPr>
+          <a:xfrm>
+            <a:off x="1887301" y="2420811"/>
+            <a:ext cx="1592179" cy="1592179"/>
+          </a:xfrm>
+          <a:prstGeom prst="ellipse">
+            <a:avLst/>
+          </a:prstGeom>
+          <a:solidFill>
+            <a:srgbClr val="1C4885"/>
+          </a:solidFill>
+          <a:ln>
+            <a:noFill/>
+          </a:ln>
+        </p:spPr>
+        <p:style>
+          <a:lnRef idx="2">
+            <a:schemeClr val="accent1">
+              <a:shade val="50000"/>
+            </a:schemeClr>
+          </a:lnRef>
+          <a:fillRef idx="1">
+            <a:schemeClr val="accent1"/>
+          </a:fillRef>
+          <a:effectRef idx="0">
+            <a:schemeClr val="accent1"/>
+          </a:effectRef>
+          <a:fontRef idx="minor">
+            <a:schemeClr val="lt1"/>
+          </a:fontRef>
+        </p:style>
+        <p:txBody>
+          <a:bodyPr rtlCol="0" anchor="ctr"/>
+          <a:lstStyle/>
+          <a:p>
+            <a:pPr algn="ctr"/>
+            <a:r>
+              <a:rPr lang="en-US" altLang="zh-CN" sz="13800" b="1" dirty="0">
+                <a:solidFill>
+                  <a:schemeClr val="bg1"/>
+                </a:solidFill>
+                <a:cs typeface="+mn-ea"/>
+                <a:sym typeface="+mn-lt"/>
+              </a:rPr>
+              <a:t>4</a:t>
+            </a:r>
+            <a:endParaRPr lang="zh-CN" altLang="en-US" sz="13800" b="1" dirty="0">
+              <a:solidFill>
+                <a:schemeClr val="bg1"/>
+              </a:solidFill>
+              <a:cs typeface="+mn-ea"/>
+              <a:sym typeface="+mn-lt"/>
+            </a:endParaRPr>
+          </a:p>
+        </p:txBody>
+      </p:sp>
+      <p:sp>
+        <p:nvSpPr>
+          <p:cNvPr id="8" name="文本框 7"/>
+          <p:cNvSpPr txBox="1"/>
+          <p:nvPr/>
+        </p:nvSpPr>
+        <p:spPr>
+          <a:xfrm>
+            <a:off x="4476985" y="2420811"/>
+            <a:ext cx="5760360" cy="769441"/>
+          </a:xfrm>
+          <a:prstGeom prst="rect">
+            <a:avLst/>
+          </a:prstGeom>
+          <a:noFill/>
+        </p:spPr>
+        <p:txBody>
+          <a:bodyPr wrap="square" rtlCol="0">
+            <a:spAutoFit/>
+          </a:bodyPr>
+          <a:lstStyle/>
+          <a:p>
+            <a:pPr algn="dist"/>
+            <a:r>
+              <a:rPr lang="zh-CN" altLang="en-US" sz="4400" dirty="0">
+                <a:solidFill>
+                  <a:srgbClr val="1C4885"/>
+                </a:solidFill>
+                <a:cs typeface="+mn-ea"/>
+                <a:sym typeface="+mn-lt"/>
+              </a:rPr>
+              <a:t>系统设计</a:t>
+            </a:r>
+          </a:p>
+        </p:txBody>
+      </p:sp>
+      <p:cxnSp>
+        <p:nvCxnSpPr>
+          <p:cNvPr id="9" name="直接连接符 8"/>
+          <p:cNvCxnSpPr/>
+          <p:nvPr/>
+        </p:nvCxnSpPr>
+        <p:spPr>
+          <a:xfrm>
+            <a:off x="4663554" y="3428999"/>
+            <a:ext cx="1112406" cy="0"/>
+          </a:xfrm>
+          <a:prstGeom prst="line">
+            <a:avLst/>
+          </a:prstGeom>
+          <a:ln w="25400">
+            <a:solidFill>
+              <a:schemeClr val="bg1">
+                <a:lumMod val="50000"/>
+              </a:schemeClr>
+            </a:solidFill>
+          </a:ln>
+        </p:spPr>
+        <p:style>
+          <a:lnRef idx="1">
+            <a:schemeClr val="accent1"/>
+          </a:lnRef>
+          <a:fillRef idx="0">
+            <a:schemeClr val="accent1"/>
+          </a:fillRef>
+          <a:effectRef idx="0">
+            <a:schemeClr val="accent1"/>
+          </a:effectRef>
+          <a:fontRef idx="minor">
+            <a:schemeClr val="tx1"/>
+          </a:fontRef>
+        </p:style>
+      </p:cxnSp>
+      <p:sp>
+        <p:nvSpPr>
+          <p:cNvPr id="10" name="文本框 9"/>
+          <p:cNvSpPr txBox="1"/>
+          <p:nvPr/>
+        </p:nvSpPr>
+        <p:spPr>
+          <a:xfrm>
+            <a:off x="4347067" y="3674436"/>
+            <a:ext cx="6301758" cy="584775"/>
+          </a:xfrm>
+          <a:prstGeom prst="rect">
+            <a:avLst/>
+          </a:prstGeom>
+          <a:noFill/>
+        </p:spPr>
+        <p:txBody>
+          <a:bodyPr wrap="square" rtlCol="0">
+            <a:spAutoFit/>
+          </a:bodyPr>
+          <a:lstStyle/>
+          <a:p>
+            <a:pPr algn="ctr"/>
+            <a:r>
+              <a:rPr lang="en-US" altLang="zh-CN" sz="1600" dirty="0">
+                <a:solidFill>
+                  <a:schemeClr val="tx1">
+                    <a:lumMod val="85000"/>
+                    <a:lumOff val="15000"/>
+                  </a:schemeClr>
+                </a:solidFill>
+                <a:cs typeface="+mn-ea"/>
+                <a:sym typeface="+mn-lt"/>
+              </a:rPr>
+              <a:t>Life was like a box of chocolates, you never know what you’re go to get.</a:t>
+            </a:r>
+            <a:endParaRPr lang="zh-CN" altLang="en-US" sz="1600" dirty="0">
+              <a:solidFill>
+                <a:schemeClr val="tx1">
+                  <a:lumMod val="85000"/>
+                  <a:lumOff val="15000"/>
+                </a:schemeClr>
+              </a:solidFill>
+              <a:cs typeface="+mn-ea"/>
+              <a:sym typeface="+mn-lt"/>
+            </a:endParaRPr>
+          </a:p>
+        </p:txBody>
+      </p:sp>
     </p:spTree>
     <p:extLst>
       <p:ext uri="{BB962C8B-B14F-4D97-AF65-F5344CB8AC3E}">
-        <p14:creationId xmlns:p14="http://schemas.microsoft.com/office/powerpoint/2010/main" val="2154079850"/>
+        <p14:creationId xmlns:p14="http://schemas.microsoft.com/office/powerpoint/2010/main" val="2577315452"/>
       </p:ext>
     </p:extLst>
   </p:cSld>
@@ -7566,232 +7300,14 @@
       </p:grpSpPr>
       <p:sp>
         <p:nvSpPr>
-          <p:cNvPr id="4" name="矩形 3"/>
-          <p:cNvSpPr/>
-          <p:nvPr/>
-        </p:nvSpPr>
-        <p:spPr>
-          <a:xfrm>
-            <a:off x="245805" y="294968"/>
-            <a:ext cx="1961536" cy="1696064"/>
-          </a:xfrm>
-          <a:prstGeom prst="rect">
-            <a:avLst/>
-          </a:prstGeom>
-          <a:solidFill>
-            <a:srgbClr val="1C4885"/>
-          </a:solidFill>
-          <a:ln>
-            <a:noFill/>
-          </a:ln>
-        </p:spPr>
-        <p:style>
-          <a:lnRef idx="2">
-            <a:schemeClr val="accent1">
-              <a:shade val="50000"/>
-            </a:schemeClr>
-          </a:lnRef>
-          <a:fillRef idx="1">
-            <a:schemeClr val="accent1"/>
-          </a:fillRef>
-          <a:effectRef idx="0">
-            <a:schemeClr val="accent1"/>
-          </a:effectRef>
-          <a:fontRef idx="minor">
-            <a:schemeClr val="lt1"/>
-          </a:fontRef>
-        </p:style>
-        <p:txBody>
-          <a:bodyPr rtlCol="0" anchor="ctr"/>
-          <a:lstStyle/>
-          <a:p>
-            <a:pPr algn="ctr"/>
-            <a:endParaRPr lang="zh-CN" altLang="en-US" dirty="0">
-              <a:cs typeface="+mn-ea"/>
-              <a:sym typeface="+mn-lt"/>
-            </a:endParaRPr>
-          </a:p>
-        </p:txBody>
-      </p:sp>
-      <p:sp>
-        <p:nvSpPr>
-          <p:cNvPr id="5" name="矩形 4"/>
-          <p:cNvSpPr/>
-          <p:nvPr/>
-        </p:nvSpPr>
-        <p:spPr>
-          <a:xfrm>
-            <a:off x="9984658" y="4866967"/>
-            <a:ext cx="1961536" cy="1696064"/>
-          </a:xfrm>
-          <a:prstGeom prst="rect">
-            <a:avLst/>
-          </a:prstGeom>
-          <a:solidFill>
-            <a:srgbClr val="1C4885"/>
-          </a:solidFill>
-          <a:ln>
-            <a:noFill/>
-          </a:ln>
-        </p:spPr>
-        <p:style>
-          <a:lnRef idx="2">
-            <a:schemeClr val="accent1">
-              <a:shade val="50000"/>
-            </a:schemeClr>
-          </a:lnRef>
-          <a:fillRef idx="1">
-            <a:schemeClr val="accent1"/>
-          </a:fillRef>
-          <a:effectRef idx="0">
-            <a:schemeClr val="accent1"/>
-          </a:effectRef>
-          <a:fontRef idx="minor">
-            <a:schemeClr val="lt1"/>
-          </a:fontRef>
-        </p:style>
-        <p:txBody>
-          <a:bodyPr rtlCol="0" anchor="ctr"/>
-          <a:lstStyle/>
-          <a:p>
-            <a:pPr algn="ctr"/>
-            <a:endParaRPr lang="zh-CN" altLang="en-US">
-              <a:cs typeface="+mn-ea"/>
-              <a:sym typeface="+mn-lt"/>
-            </a:endParaRPr>
-          </a:p>
-        </p:txBody>
-      </p:sp>
-      <p:sp>
-        <p:nvSpPr>
-          <p:cNvPr id="6" name="圆角矩形 5"/>
-          <p:cNvSpPr/>
-          <p:nvPr/>
-        </p:nvSpPr>
-        <p:spPr>
-          <a:xfrm>
-            <a:off x="403122" y="449825"/>
-            <a:ext cx="11385755" cy="5958349"/>
-          </a:xfrm>
-          <a:prstGeom prst="roundRect">
-            <a:avLst>
-              <a:gd name="adj" fmla="val 1568"/>
-            </a:avLst>
-          </a:prstGeom>
-          <a:solidFill>
-            <a:schemeClr val="bg1"/>
-          </a:solidFill>
-          <a:ln>
-            <a:noFill/>
-          </a:ln>
-          <a:effectLst>
-            <a:glow rad="228600">
-              <a:srgbClr val="02615A">
-                <a:alpha val="30000"/>
-              </a:srgbClr>
-            </a:glow>
-          </a:effectLst>
-        </p:spPr>
-        <p:style>
-          <a:lnRef idx="2">
-            <a:schemeClr val="accent1">
-              <a:shade val="50000"/>
-            </a:schemeClr>
-          </a:lnRef>
-          <a:fillRef idx="1">
-            <a:schemeClr val="accent1"/>
-          </a:fillRef>
-          <a:effectRef idx="0">
-            <a:schemeClr val="accent1"/>
-          </a:effectRef>
-          <a:fontRef idx="minor">
-            <a:schemeClr val="lt1"/>
-          </a:fontRef>
-        </p:style>
-        <p:txBody>
-          <a:bodyPr rtlCol="0" anchor="ctr"/>
-          <a:lstStyle/>
-          <a:p>
-            <a:pPr algn="ctr"/>
-            <a:endParaRPr lang="zh-CN" altLang="en-US" dirty="0">
-              <a:cs typeface="+mn-ea"/>
-              <a:sym typeface="+mn-lt"/>
-            </a:endParaRPr>
-          </a:p>
-        </p:txBody>
-      </p:sp>
-      <p:sp>
-        <p:nvSpPr>
-          <p:cNvPr id="7" name="椭圆 6"/>
-          <p:cNvSpPr/>
-          <p:nvPr/>
-        </p:nvSpPr>
-        <p:spPr>
-          <a:xfrm>
-            <a:off x="1887301" y="2420811"/>
-            <a:ext cx="1592179" cy="1592179"/>
-          </a:xfrm>
-          <a:prstGeom prst="ellipse">
-            <a:avLst/>
-          </a:prstGeom>
-          <a:solidFill>
-            <a:srgbClr val="1C4885"/>
-          </a:solidFill>
-          <a:ln>
-            <a:noFill/>
-          </a:ln>
-        </p:spPr>
-        <p:style>
-          <a:lnRef idx="2">
-            <a:schemeClr val="accent1">
-              <a:shade val="50000"/>
-            </a:schemeClr>
-          </a:lnRef>
-          <a:fillRef idx="1">
-            <a:schemeClr val="accent1"/>
-          </a:fillRef>
-          <a:effectRef idx="0">
-            <a:schemeClr val="accent1"/>
-          </a:effectRef>
-          <a:fontRef idx="minor">
-            <a:schemeClr val="lt1"/>
-          </a:fontRef>
-        </p:style>
-        <p:txBody>
-          <a:bodyPr rtlCol="0" anchor="ctr"/>
-          <a:lstStyle/>
-          <a:p>
-            <a:pPr algn="ctr"/>
-            <a:r>
-              <a:rPr lang="en-US" altLang="zh-CN" sz="13800" b="1" dirty="0">
-                <a:solidFill>
-                  <a:schemeClr val="bg1"/>
-                </a:solidFill>
-                <a:cs typeface="+mn-ea"/>
-                <a:sym typeface="+mn-lt"/>
-              </a:rPr>
-              <a:t>4</a:t>
-            </a:r>
-            <a:endParaRPr lang="zh-CN" altLang="en-US" sz="13800" b="1" dirty="0">
-              <a:solidFill>
-                <a:schemeClr val="bg1"/>
-              </a:solidFill>
-              <a:cs typeface="+mn-ea"/>
-              <a:sym typeface="+mn-lt"/>
-            </a:endParaRPr>
-          </a:p>
-        </p:txBody>
-      </p:sp>
-      <p:sp>
-        <p:nvSpPr>
-          <p:cNvPr id="8" name="文本框 7"/>
+          <p:cNvPr id="4" name="文本框 3"/>
           <p:cNvSpPr txBox="1"/>
           <p:nvPr/>
         </p:nvSpPr>
         <p:spPr>
           <a:xfrm>
-            <a:off x="4476985" y="2420811"/>
-            <a:ext cx="5760360" cy="769441"/>
+            <a:off x="904648" y="409927"/>
+            <a:ext cx="4445274" cy="523220"/>
           </a:xfrm>
           <a:prstGeom prst="rect">
             <a:avLst/>
@@ -7804,39 +7320,39 @@
           </a:bodyPr>
           <a:lstStyle/>
           <a:p>
-            <a:pPr algn="dist"/>
-            <a:r>
-              <a:rPr lang="zh-CN" altLang="en-US" sz="4400" dirty="0">
-                <a:solidFill>
-                  <a:srgbClr val="1C4885"/>
+            <a:r>
+              <a:rPr lang="zh-CN" altLang="en-US" sz="2800" dirty="0">
+                <a:solidFill>
+                  <a:schemeClr val="tx1">
+                    <a:lumMod val="85000"/>
+                    <a:lumOff val="15000"/>
+                  </a:schemeClr>
                 </a:solidFill>
                 <a:cs typeface="+mn-ea"/>
                 <a:sym typeface="+mn-lt"/>
               </a:rPr>
-              <a:t>系统设计</a:t>
+              <a:t>项目结构</a:t>
             </a:r>
           </a:p>
         </p:txBody>
       </p:sp>
       <p:cxnSp>
         <p:nvCxnSpPr>
-          <p:cNvPr id="9" name="直接连接符 8"/>
+          <p:cNvPr id="6" name="直接连接符 5"/>
           <p:cNvCxnSpPr/>
           <p:nvPr/>
         </p:nvCxnSpPr>
         <p:spPr>
           <a:xfrm>
-            <a:off x="4663554" y="3428999"/>
-            <a:ext cx="1112406" cy="0"/>
+            <a:off x="796413" y="457203"/>
+            <a:ext cx="0" cy="632244"/>
           </a:xfrm>
           <a:prstGeom prst="line">
             <a:avLst/>
           </a:prstGeom>
-          <a:ln w="25400">
+          <a:ln w="76200">
             <a:solidFill>
-              <a:schemeClr val="bg1">
-                <a:lumMod val="50000"/>
-              </a:schemeClr>
+              <a:srgbClr val="1C4885"/>
             </a:solidFill>
           </a:ln>
         </p:spPr>
@@ -7857,57 +7373,187 @@
       </p:cxnSp>
       <p:sp>
         <p:nvSpPr>
-          <p:cNvPr id="10" name="文本框 9"/>
-          <p:cNvSpPr txBox="1"/>
+          <p:cNvPr id="3" name="Rectangle 2"/>
+          <p:cNvSpPr>
+            <a:spLocks noChangeArrowheads="1"/>
+          </p:cNvSpPr>
           <p:nvPr/>
         </p:nvSpPr>
-        <p:spPr>
-          <a:xfrm>
-            <a:off x="4347067" y="3674436"/>
-            <a:ext cx="6301758" cy="584775"/>
+        <p:spPr bwMode="auto">
+          <a:xfrm>
+            <a:off x="904648" y="1515291"/>
+            <a:ext cx="12192000" cy="0"/>
           </a:xfrm>
           <a:prstGeom prst="rect">
             <a:avLst/>
           </a:prstGeom>
           <a:noFill/>
-        </p:spPr>
-        <p:txBody>
-          <a:bodyPr wrap="square" rtlCol="0">
+          <a:ln>
+            <a:noFill/>
+          </a:ln>
+          <a:effectLst/>
+          <a:extLst>
+            <a:ext uri="{909E8E84-426E-40DD-AFC4-6F175D3DCCD1}">
+              <a14:hiddenFill xmlns:a14="http://schemas.microsoft.com/office/drawing/2010/main">
+                <a:solidFill>
+                  <a:schemeClr val="accent1"/>
+                </a:solidFill>
+              </a14:hiddenFill>
+            </a:ext>
+            <a:ext uri="{91240B29-F687-4F45-9708-019B960494DF}">
+              <a14:hiddenLine xmlns:a14="http://schemas.microsoft.com/office/drawing/2010/main" w="9525">
+                <a:solidFill>
+                  <a:schemeClr val="tx1"/>
+                </a:solidFill>
+                <a:miter lim="800000"/>
+                <a:headEnd/>
+                <a:tailEnd/>
+              </a14:hiddenLine>
+            </a:ext>
+            <a:ext uri="{AF507438-7753-43E0-B8FC-AC1667EBCBE1}">
+              <a14:hiddenEffects xmlns:a14="http://schemas.microsoft.com/office/drawing/2010/main">
+                <a:effectLst>
+                  <a:outerShdw dist="35921" dir="2700000" algn="ctr" rotWithShape="0">
+                    <a:schemeClr val="bg2"/>
+                  </a:outerShdw>
+                </a:effectLst>
+              </a14:hiddenEffects>
+            </a:ext>
+          </a:extLst>
+        </p:spPr>
+        <p:txBody>
+          <a:bodyPr vert="horz" wrap="none" lIns="91440" tIns="45720" rIns="91440" bIns="45720" numCol="1" anchor="ctr" anchorCtr="0" compatLnSpc="1">
+            <a:prstTxWarp prst="textNoShape">
+              <a:avLst/>
+            </a:prstTxWarp>
             <a:spAutoFit/>
           </a:bodyPr>
           <a:lstStyle/>
           <a:p>
-            <a:pPr algn="ctr"/>
-            <a:r>
-              <a:rPr lang="en-US" altLang="zh-CN" sz="1600" dirty="0">
-                <a:solidFill>
-                  <a:schemeClr val="tx1">
-                    <a:lumMod val="85000"/>
-                    <a:lumOff val="15000"/>
-                  </a:schemeClr>
-                </a:solidFill>
-                <a:cs typeface="+mn-ea"/>
-                <a:sym typeface="+mn-lt"/>
-              </a:rPr>
-              <a:t>Life was like a box of chocolates, you never know what you’re go to get.</a:t>
-            </a:r>
-            <a:endParaRPr lang="zh-CN" altLang="en-US" sz="1600" dirty="0">
-              <a:solidFill>
-                <a:schemeClr val="tx1">
-                  <a:lumMod val="85000"/>
-                  <a:lumOff val="15000"/>
-                </a:schemeClr>
-              </a:solidFill>
-              <a:cs typeface="+mn-ea"/>
-              <a:sym typeface="+mn-lt"/>
-            </a:endParaRPr>
+            <a:endParaRPr lang="zh-CN" altLang="en-US"/>
+          </a:p>
+        </p:txBody>
+      </p:sp>
+      <p:graphicFrame>
+        <p:nvGraphicFramePr>
+          <p:cNvPr id="5" name="对象 4"/>
+          <p:cNvGraphicFramePr>
+            <a:graphicFrameLocks noChangeAspect="1"/>
+          </p:cNvGraphicFramePr>
+          <p:nvPr>
+            <p:extLst>
+              <p:ext uri="{D42A27DB-BD31-4B8C-83A1-F6EECF244321}">
+                <p14:modId xmlns:p14="http://schemas.microsoft.com/office/powerpoint/2010/main" val="256133546"/>
+              </p:ext>
+            </p:extLst>
+          </p:nvPr>
+        </p:nvGraphicFramePr>
+        <p:xfrm>
+          <a:off x="419326" y="1564990"/>
+          <a:ext cx="7185143" cy="3895284"/>
+        </p:xfrm>
+        <a:graphic>
+          <a:graphicData uri="http://schemas.openxmlformats.org/presentationml/2006/ole">
+            <mc:AlternateContent xmlns:mc="http://schemas.openxmlformats.org/markup-compatibility/2006">
+              <mc:Choice xmlns:v="urn:schemas-microsoft-com:vml" Requires="v">
+                <p:oleObj spid="_x0000_s2054" r:id="rId4" imgW="10074547" imgH="4547274" progId="Visio.Drawing.11">
+                  <p:embed/>
+                </p:oleObj>
+              </mc:Choice>
+              <mc:Fallback>
+                <p:oleObj r:id="rId4" imgW="10074547" imgH="4547274" progId="Visio.Drawing.11">
+                  <p:embed/>
+                  <p:pic>
+                    <p:nvPicPr>
+                      <p:cNvPr id="0" name="Object 1"/>
+                      <p:cNvPicPr>
+                        <a:picLocks noChangeAspect="1" noChangeArrowheads="1"/>
+                      </p:cNvPicPr>
+                      <p:nvPr/>
+                    </p:nvPicPr>
+                    <p:blipFill>
+                      <a:blip r:embed="rId5">
+                        <a:extLst>
+                          <a:ext uri="{28A0092B-C50C-407E-A947-70E740481C1C}">
+                            <a14:useLocalDpi xmlns:a14="http://schemas.microsoft.com/office/drawing/2010/main" val="0"/>
+                          </a:ext>
+                        </a:extLst>
+                      </a:blip>
+                      <a:srcRect/>
+                      <a:stretch>
+                        <a:fillRect/>
+                      </a:stretch>
+                    </p:blipFill>
+                    <p:spPr bwMode="auto">
+                      <a:xfrm>
+                        <a:off x="419326" y="1564990"/>
+                        <a:ext cx="7185143" cy="3895284"/>
+                      </a:xfrm>
+                      <a:prstGeom prst="rect">
+                        <a:avLst/>
+                      </a:prstGeom>
+                      <a:noFill/>
+                    </p:spPr>
+                  </p:pic>
+                </p:oleObj>
+              </mc:Fallback>
+            </mc:AlternateContent>
+          </a:graphicData>
+        </a:graphic>
+      </p:graphicFrame>
+      <p:sp>
+        <p:nvSpPr>
+          <p:cNvPr id="7" name="矩形 6"/>
+          <p:cNvSpPr/>
+          <p:nvPr/>
+        </p:nvSpPr>
+        <p:spPr>
+          <a:xfrm>
+            <a:off x="7541622" y="394692"/>
+            <a:ext cx="4423955" cy="5632311"/>
+          </a:xfrm>
+          <a:prstGeom prst="rect">
+            <a:avLst/>
+          </a:prstGeom>
+        </p:spPr>
+        <p:txBody>
+          <a:bodyPr wrap="square">
+            <a:spAutoFit/>
+          </a:bodyPr>
+          <a:lstStyle/>
+          <a:p>
+            <a:r>
+              <a:rPr lang="zh-CN" altLang="zh-CN" sz="2000" kern="100">
+                <a:latin typeface="Times New Roman" panose="02020603050405020304" pitchFamily="18" charset="0"/>
+                <a:ea typeface="宋体" panose="02010600030101010101" pitchFamily="2" charset="-122"/>
+                <a:cs typeface="Times New Roman" panose="02020603050405020304" pitchFamily="18" charset="0"/>
+              </a:rPr>
+              <a:t>该系统在设计上主要是有两种用户权限，其中管理员可以在进入系统中后可以查看员工的基本信息，接着可以对员工的基本信息进行修改，同时还可以添加新的员工信息及删除和模糊查询员工信息；可以对员工进行考勤，同时可以添加员工考勤信息、删除员工考勤信息；可以对员工值班信息管理，包括添加员工值班信息后还可以再次编辑修改员工值班及删除员工值班信息；可以对员工薪资进行管理，包括修改员工的薪资、添加员工的薪资信息及删除员工的薪资信息；还可以对企业的职务和部门信息进行管理，包括添加企业的职务及部门信息、编辑修改企业的职务及部门信息、删除职务及部门信息和模糊查询企业的职务及部门信</a:t>
+            </a:r>
+            <a:r>
+              <a:rPr lang="zh-CN" altLang="zh-CN" sz="2000" kern="100">
+                <a:latin typeface="Times New Roman" panose="02020603050405020304" pitchFamily="18" charset="0"/>
+                <a:ea typeface="宋体" panose="02010600030101010101" pitchFamily="2" charset="-122"/>
+                <a:cs typeface="Times New Roman" panose="02020603050405020304" pitchFamily="18" charset="0"/>
+              </a:rPr>
+              <a:t>息</a:t>
+            </a:r>
+            <a:r>
+              <a:rPr lang="zh-CN" altLang="zh-CN" sz="2000" kern="100" smtClean="0">
+                <a:latin typeface="Times New Roman" panose="02020603050405020304" pitchFamily="18" charset="0"/>
+                <a:ea typeface="宋体" panose="02010600030101010101" pitchFamily="2" charset="-122"/>
+                <a:cs typeface="Times New Roman" panose="02020603050405020304" pitchFamily="18" charset="0"/>
+              </a:rPr>
+              <a:t>等。</a:t>
+            </a:r>
+            <a:endParaRPr lang="zh-CN" altLang="en-US" sz="2000"/>
           </a:p>
         </p:txBody>
       </p:sp>
     </p:spTree>
     <p:extLst>
       <p:ext uri="{BB962C8B-B14F-4D97-AF65-F5344CB8AC3E}">
-        <p14:creationId xmlns:p14="http://schemas.microsoft.com/office/powerpoint/2010/main" val="2577315452"/>
+        <p14:creationId xmlns:p14="http://schemas.microsoft.com/office/powerpoint/2010/main" val="1911246669"/>
       </p:ext>
     </p:extLst>
   </p:cSld>
@@ -7951,7 +7597,7 @@
         <p:spPr>
           <a:xfrm>
             <a:off x="904648" y="409927"/>
-            <a:ext cx="4445274" cy="523220"/>
+            <a:ext cx="2538453" cy="954107"/>
           </a:xfrm>
           <a:prstGeom prst="rect">
             <a:avLst/>
@@ -7975,7 +7621,7 @@
                 <a:cs typeface="+mn-ea"/>
                 <a:sym typeface="+mn-lt"/>
               </a:rPr>
-              <a:t>项目结构</a:t>
+              <a:t>数据库总体设计</a:t>
             </a:r>
           </a:p>
         </p:txBody>
@@ -8015,40 +7661,196 @@
           </a:fontRef>
         </p:style>
       </p:cxnSp>
-      <p:pic>
-        <p:nvPicPr>
-          <p:cNvPr id="2" name="图片 1">
+      <p:sp>
+        <p:nvSpPr>
+          <p:cNvPr id="7" name="文本框 6">
             <a:extLst>
               <a:ext uri="{FF2B5EF4-FFF2-40B4-BE49-F238E27FC236}">
-                <a16:creationId xmlns:a16="http://schemas.microsoft.com/office/drawing/2014/main" id="{53817D55-95B9-A73F-9971-EFB02060EE45}"/>
+                <a16:creationId xmlns:a16="http://schemas.microsoft.com/office/drawing/2014/main" id="{0BCA5507-C133-93CF-DB5A-8C010EADB006}"/>
               </a:ext>
             </a:extLst>
           </p:cNvPr>
-          <p:cNvPicPr>
-            <a:picLocks noChangeAspect="1"/>
-          </p:cNvPicPr>
+          <p:cNvSpPr txBox="1"/>
           <p:nvPr/>
-        </p:nvPicPr>
-        <p:blipFill>
-          <a:blip r:embed="rId3"/>
-          <a:stretch>
-            <a:fillRect/>
-          </a:stretch>
-        </p:blipFill>
-        <p:spPr>
-          <a:xfrm>
-            <a:off x="1820890" y="1622424"/>
-            <a:ext cx="8865583" cy="4652120"/>
+        </p:nvSpPr>
+        <p:spPr>
+          <a:xfrm>
+            <a:off x="7569587" y="1364032"/>
+            <a:ext cx="3131128" cy="5078313"/>
           </a:xfrm>
           <a:prstGeom prst="rect">
             <a:avLst/>
           </a:prstGeom>
-        </p:spPr>
-      </p:pic>
+          <a:noFill/>
+        </p:spPr>
+        <p:txBody>
+          <a:bodyPr wrap="square">
+            <a:spAutoFit/>
+          </a:bodyPr>
+          <a:lstStyle/>
+          <a:p>
+            <a:pPr hangingPunct="0"/>
+            <a:r>
+              <a:rPr lang="zh-CN" altLang="zh-CN" sz="3600"/>
+              <a:t>该系统共设计了考勤、请假、值班、薪资、部门等实体，整体</a:t>
+            </a:r>
+            <a:r>
+              <a:rPr lang="en-US" altLang="zh-CN" sz="3600"/>
+              <a:t>E-R</a:t>
+            </a:r>
+            <a:r>
+              <a:rPr lang="zh-CN" altLang="zh-CN" sz="3600"/>
+              <a:t>图显示</a:t>
+            </a:r>
+            <a:r>
+              <a:rPr lang="zh-CN" altLang="zh-CN" sz="3600"/>
+              <a:t>如</a:t>
+            </a:r>
+            <a:r>
+              <a:rPr lang="zh-CN" altLang="zh-CN" sz="3600" smtClean="0"/>
+              <a:t>图所</a:t>
+            </a:r>
+            <a:r>
+              <a:rPr lang="zh-CN" altLang="zh-CN" sz="3600"/>
+              <a:t>示，它体现了各个模块之间的关系。</a:t>
+            </a:r>
+          </a:p>
+        </p:txBody>
+      </p:sp>
+      <p:sp>
+        <p:nvSpPr>
+          <p:cNvPr id="2" name="Rectangle 2"/>
+          <p:cNvSpPr>
+            <a:spLocks noChangeArrowheads="1"/>
+          </p:cNvSpPr>
+          <p:nvPr/>
+        </p:nvSpPr>
+        <p:spPr bwMode="auto">
+          <a:xfrm>
+            <a:off x="0" y="1364033"/>
+            <a:ext cx="18270302" cy="45719"/>
+          </a:xfrm>
+          <a:prstGeom prst="rect">
+            <a:avLst/>
+          </a:prstGeom>
+          <a:noFill/>
+          <a:ln>
+            <a:noFill/>
+          </a:ln>
+          <a:effectLst/>
+          <a:extLst>
+            <a:ext uri="{909E8E84-426E-40DD-AFC4-6F175D3DCCD1}">
+              <a14:hiddenFill xmlns:a14="http://schemas.microsoft.com/office/drawing/2010/main">
+                <a:solidFill>
+                  <a:schemeClr val="accent1"/>
+                </a:solidFill>
+              </a14:hiddenFill>
+            </a:ext>
+            <a:ext uri="{91240B29-F687-4F45-9708-019B960494DF}">
+              <a14:hiddenLine xmlns:a14="http://schemas.microsoft.com/office/drawing/2010/main" w="9525">
+                <a:solidFill>
+                  <a:schemeClr val="tx1"/>
+                </a:solidFill>
+                <a:miter lim="800000"/>
+                <a:headEnd/>
+                <a:tailEnd/>
+              </a14:hiddenLine>
+            </a:ext>
+            <a:ext uri="{AF507438-7753-43E0-B8FC-AC1667EBCBE1}">
+              <a14:hiddenEffects xmlns:a14="http://schemas.microsoft.com/office/drawing/2010/main">
+                <a:effectLst>
+                  <a:outerShdw dist="35921" dir="2700000" algn="ctr" rotWithShape="0">
+                    <a:schemeClr val="bg2"/>
+                  </a:outerShdw>
+                </a:effectLst>
+              </a14:hiddenEffects>
+            </a:ext>
+          </a:extLst>
+        </p:spPr>
+        <p:txBody>
+          <a:bodyPr vert="horz" wrap="square" lIns="91440" tIns="45720" rIns="91440" bIns="45720" numCol="1" anchor="ctr" anchorCtr="0" compatLnSpc="1">
+            <a:prstTxWarp prst="textNoShape">
+              <a:avLst/>
+            </a:prstTxWarp>
+            <a:spAutoFit/>
+          </a:bodyPr>
+          <a:lstStyle/>
+          <a:p>
+            <a:endParaRPr lang="zh-CN" altLang="en-US"/>
+          </a:p>
+        </p:txBody>
+      </p:sp>
+      <p:graphicFrame>
+        <p:nvGraphicFramePr>
+          <p:cNvPr id="5" name="对象 4"/>
+          <p:cNvGraphicFramePr>
+            <a:graphicFrameLocks noChangeAspect="1"/>
+          </p:cNvGraphicFramePr>
+          <p:nvPr>
+            <p:extLst>
+              <p:ext uri="{D42A27DB-BD31-4B8C-83A1-F6EECF244321}">
+                <p14:modId xmlns:p14="http://schemas.microsoft.com/office/powerpoint/2010/main" val="1511403981"/>
+              </p:ext>
+            </p:extLst>
+          </p:nvPr>
+        </p:nvGraphicFramePr>
+        <p:xfrm>
+          <a:off x="0" y="1364034"/>
+          <a:ext cx="8007531" cy="5209891"/>
+        </p:xfrm>
+        <a:graphic>
+          <a:graphicData uri="http://schemas.openxmlformats.org/presentationml/2006/ole">
+            <mc:AlternateContent xmlns:mc="http://schemas.openxmlformats.org/markup-compatibility/2006">
+              <mc:Choice xmlns:v="urn:schemas-microsoft-com:vml" Requires="v">
+                <p:oleObj spid="_x0000_s3078" r:id="rId4" imgW="7457011" imgH="4580164" progId="Visio.Drawing.11">
+                  <p:embed/>
+                </p:oleObj>
+              </mc:Choice>
+              <mc:Fallback>
+                <p:oleObj r:id="rId4" imgW="7457011" imgH="4580164" progId="Visio.Drawing.11">
+                  <p:embed/>
+                  <p:pic>
+                    <p:nvPicPr>
+                      <p:cNvPr id="0" name="Object 1"/>
+                      <p:cNvPicPr>
+                        <a:picLocks noChangeAspect="1" noChangeArrowheads="1"/>
+                      </p:cNvPicPr>
+                      <p:nvPr/>
+                    </p:nvPicPr>
+                    <p:blipFill>
+                      <a:blip r:embed="rId5">
+                        <a:extLst>
+                          <a:ext uri="{28A0092B-C50C-407E-A947-70E740481C1C}">
+                            <a14:useLocalDpi xmlns:a14="http://schemas.microsoft.com/office/drawing/2010/main" val="0"/>
+                          </a:ext>
+                        </a:extLst>
+                      </a:blip>
+                      <a:srcRect/>
+                      <a:stretch>
+                        <a:fillRect/>
+                      </a:stretch>
+                    </p:blipFill>
+                    <p:spPr bwMode="auto">
+                      <a:xfrm>
+                        <a:off x="0" y="1364034"/>
+                        <a:ext cx="8007531" cy="5209891"/>
+                      </a:xfrm>
+                      <a:prstGeom prst="rect">
+                        <a:avLst/>
+                      </a:prstGeom>
+                      <a:noFill/>
+                    </p:spPr>
+                  </p:pic>
+                </p:oleObj>
+              </mc:Fallback>
+            </mc:AlternateContent>
+          </a:graphicData>
+        </a:graphic>
+      </p:graphicFrame>
     </p:spTree>
     <p:extLst>
       <p:ext uri="{BB962C8B-B14F-4D97-AF65-F5344CB8AC3E}">
-        <p14:creationId xmlns:p14="http://schemas.microsoft.com/office/powerpoint/2010/main" val="1911246669"/>
+        <p14:creationId xmlns:p14="http://schemas.microsoft.com/office/powerpoint/2010/main" val="3535528471"/>
       </p:ext>
     </p:extLst>
   </p:cSld>
@@ -8085,14 +7887,232 @@
       </p:grpSpPr>
       <p:sp>
         <p:nvSpPr>
-          <p:cNvPr id="4" name="文本框 3"/>
+          <p:cNvPr id="4" name="矩形 3"/>
+          <p:cNvSpPr/>
+          <p:nvPr/>
+        </p:nvSpPr>
+        <p:spPr>
+          <a:xfrm>
+            <a:off x="245805" y="294968"/>
+            <a:ext cx="1961536" cy="1696064"/>
+          </a:xfrm>
+          <a:prstGeom prst="rect">
+            <a:avLst/>
+          </a:prstGeom>
+          <a:solidFill>
+            <a:srgbClr val="1C4885"/>
+          </a:solidFill>
+          <a:ln>
+            <a:noFill/>
+          </a:ln>
+        </p:spPr>
+        <p:style>
+          <a:lnRef idx="2">
+            <a:schemeClr val="accent1">
+              <a:shade val="50000"/>
+            </a:schemeClr>
+          </a:lnRef>
+          <a:fillRef idx="1">
+            <a:schemeClr val="accent1"/>
+          </a:fillRef>
+          <a:effectRef idx="0">
+            <a:schemeClr val="accent1"/>
+          </a:effectRef>
+          <a:fontRef idx="minor">
+            <a:schemeClr val="lt1"/>
+          </a:fontRef>
+        </p:style>
+        <p:txBody>
+          <a:bodyPr rtlCol="0" anchor="ctr"/>
+          <a:lstStyle/>
+          <a:p>
+            <a:pPr algn="ctr"/>
+            <a:endParaRPr lang="zh-CN" altLang="en-US">
+              <a:cs typeface="+mn-ea"/>
+              <a:sym typeface="+mn-lt"/>
+            </a:endParaRPr>
+          </a:p>
+        </p:txBody>
+      </p:sp>
+      <p:sp>
+        <p:nvSpPr>
+          <p:cNvPr id="5" name="矩形 4"/>
+          <p:cNvSpPr/>
+          <p:nvPr/>
+        </p:nvSpPr>
+        <p:spPr>
+          <a:xfrm>
+            <a:off x="9984658" y="4866967"/>
+            <a:ext cx="1961536" cy="1696064"/>
+          </a:xfrm>
+          <a:prstGeom prst="rect">
+            <a:avLst/>
+          </a:prstGeom>
+          <a:solidFill>
+            <a:srgbClr val="1C4885"/>
+          </a:solidFill>
+          <a:ln>
+            <a:noFill/>
+          </a:ln>
+        </p:spPr>
+        <p:style>
+          <a:lnRef idx="2">
+            <a:schemeClr val="accent1">
+              <a:shade val="50000"/>
+            </a:schemeClr>
+          </a:lnRef>
+          <a:fillRef idx="1">
+            <a:schemeClr val="accent1"/>
+          </a:fillRef>
+          <a:effectRef idx="0">
+            <a:schemeClr val="accent1"/>
+          </a:effectRef>
+          <a:fontRef idx="minor">
+            <a:schemeClr val="lt1"/>
+          </a:fontRef>
+        </p:style>
+        <p:txBody>
+          <a:bodyPr rtlCol="0" anchor="ctr"/>
+          <a:lstStyle/>
+          <a:p>
+            <a:pPr algn="ctr"/>
+            <a:endParaRPr lang="zh-CN" altLang="en-US">
+              <a:cs typeface="+mn-ea"/>
+              <a:sym typeface="+mn-lt"/>
+            </a:endParaRPr>
+          </a:p>
+        </p:txBody>
+      </p:sp>
+      <p:sp>
+        <p:nvSpPr>
+          <p:cNvPr id="6" name="圆角矩形 5"/>
+          <p:cNvSpPr/>
+          <p:nvPr/>
+        </p:nvSpPr>
+        <p:spPr>
+          <a:xfrm>
+            <a:off x="403122" y="449825"/>
+            <a:ext cx="11385755" cy="5958349"/>
+          </a:xfrm>
+          <a:prstGeom prst="roundRect">
+            <a:avLst>
+              <a:gd name="adj" fmla="val 1568"/>
+            </a:avLst>
+          </a:prstGeom>
+          <a:solidFill>
+            <a:schemeClr val="bg1"/>
+          </a:solidFill>
+          <a:ln>
+            <a:noFill/>
+          </a:ln>
+          <a:effectLst>
+            <a:glow rad="228600">
+              <a:srgbClr val="02615A">
+                <a:alpha val="30000"/>
+              </a:srgbClr>
+            </a:glow>
+          </a:effectLst>
+        </p:spPr>
+        <p:style>
+          <a:lnRef idx="2">
+            <a:schemeClr val="accent1">
+              <a:shade val="50000"/>
+            </a:schemeClr>
+          </a:lnRef>
+          <a:fillRef idx="1">
+            <a:schemeClr val="accent1"/>
+          </a:fillRef>
+          <a:effectRef idx="0">
+            <a:schemeClr val="accent1"/>
+          </a:effectRef>
+          <a:fontRef idx="minor">
+            <a:schemeClr val="lt1"/>
+          </a:fontRef>
+        </p:style>
+        <p:txBody>
+          <a:bodyPr rtlCol="0" anchor="ctr"/>
+          <a:lstStyle/>
+          <a:p>
+            <a:pPr algn="ctr"/>
+            <a:endParaRPr lang="zh-CN" altLang="en-US">
+              <a:cs typeface="+mn-ea"/>
+              <a:sym typeface="+mn-lt"/>
+            </a:endParaRPr>
+          </a:p>
+        </p:txBody>
+      </p:sp>
+      <p:sp>
+        <p:nvSpPr>
+          <p:cNvPr id="7" name="椭圆 6"/>
+          <p:cNvSpPr/>
+          <p:nvPr/>
+        </p:nvSpPr>
+        <p:spPr>
+          <a:xfrm>
+            <a:off x="1887301" y="2420811"/>
+            <a:ext cx="1592179" cy="1592179"/>
+          </a:xfrm>
+          <a:prstGeom prst="ellipse">
+            <a:avLst/>
+          </a:prstGeom>
+          <a:solidFill>
+            <a:srgbClr val="1C4885"/>
+          </a:solidFill>
+          <a:ln>
+            <a:noFill/>
+          </a:ln>
+        </p:spPr>
+        <p:style>
+          <a:lnRef idx="2">
+            <a:schemeClr val="accent1">
+              <a:shade val="50000"/>
+            </a:schemeClr>
+          </a:lnRef>
+          <a:fillRef idx="1">
+            <a:schemeClr val="accent1"/>
+          </a:fillRef>
+          <a:effectRef idx="0">
+            <a:schemeClr val="accent1"/>
+          </a:effectRef>
+          <a:fontRef idx="minor">
+            <a:schemeClr val="lt1"/>
+          </a:fontRef>
+        </p:style>
+        <p:txBody>
+          <a:bodyPr rtlCol="0" anchor="ctr"/>
+          <a:lstStyle/>
+          <a:p>
+            <a:pPr algn="ctr"/>
+            <a:r>
+              <a:rPr lang="en-US" altLang="zh-CN" sz="13800" b="1" dirty="0">
+                <a:solidFill>
+                  <a:schemeClr val="bg1"/>
+                </a:solidFill>
+                <a:cs typeface="+mn-ea"/>
+                <a:sym typeface="+mn-lt"/>
+              </a:rPr>
+              <a:t>5</a:t>
+            </a:r>
+            <a:endParaRPr lang="zh-CN" altLang="en-US" sz="13800" b="1" dirty="0">
+              <a:solidFill>
+                <a:schemeClr val="bg1"/>
+              </a:solidFill>
+              <a:cs typeface="+mn-ea"/>
+              <a:sym typeface="+mn-lt"/>
+            </a:endParaRPr>
+          </a:p>
+        </p:txBody>
+      </p:sp>
+      <p:sp>
+        <p:nvSpPr>
+          <p:cNvPr id="8" name="文本框 7"/>
           <p:cNvSpPr txBox="1"/>
           <p:nvPr/>
         </p:nvSpPr>
         <p:spPr>
           <a:xfrm>
-            <a:off x="904648" y="409927"/>
-            <a:ext cx="2538453" cy="954107"/>
+            <a:off x="4476985" y="2420811"/>
+            <a:ext cx="5760360" cy="769441"/>
           </a:xfrm>
           <a:prstGeom prst="rect">
             <a:avLst/>
@@ -8105,39 +8125,39 @@
           </a:bodyPr>
           <a:lstStyle/>
           <a:p>
-            <a:r>
-              <a:rPr lang="zh-CN" altLang="en-US" sz="2800" dirty="0">
-                <a:solidFill>
-                  <a:schemeClr val="tx1">
-                    <a:lumMod val="85000"/>
-                    <a:lumOff val="15000"/>
-                  </a:schemeClr>
+            <a:pPr algn="dist"/>
+            <a:r>
+              <a:rPr lang="zh-CN" altLang="en-US" sz="4400" dirty="0">
+                <a:solidFill>
+                  <a:srgbClr val="1C4885"/>
                 </a:solidFill>
                 <a:cs typeface="+mn-ea"/>
                 <a:sym typeface="+mn-lt"/>
               </a:rPr>
-              <a:t>数据库总体设计</a:t>
+              <a:t>实现效果</a:t>
             </a:r>
           </a:p>
         </p:txBody>
       </p:sp>
       <p:cxnSp>
         <p:nvCxnSpPr>
-          <p:cNvPr id="6" name="直接连接符 5"/>
+          <p:cNvPr id="9" name="直接连接符 8"/>
           <p:cNvCxnSpPr/>
           <p:nvPr/>
         </p:nvCxnSpPr>
         <p:spPr>
           <a:xfrm>
-            <a:off x="796413" y="457203"/>
-            <a:ext cx="0" cy="632244"/>
+            <a:off x="4663554" y="3428999"/>
+            <a:ext cx="1112406" cy="0"/>
           </a:xfrm>
           <a:prstGeom prst="line">
             <a:avLst/>
           </a:prstGeom>
-          <a:ln w="76200">
+          <a:ln w="25400">
             <a:solidFill>
-              <a:srgbClr val="1C4885"/>
+              <a:schemeClr val="bg1">
+                <a:lumMod val="50000"/>
+              </a:schemeClr>
             </a:solidFill>
           </a:ln>
         </p:spPr>
@@ -8156,98 +8176,59 @@
           </a:fontRef>
         </p:style>
       </p:cxnSp>
-      <p:pic>
-        <p:nvPicPr>
-          <p:cNvPr id="3" name="图片 2">
-            <a:extLst>
-              <a:ext uri="{FF2B5EF4-FFF2-40B4-BE49-F238E27FC236}">
-                <a16:creationId xmlns:a16="http://schemas.microsoft.com/office/drawing/2014/main" id="{797B04AA-36A8-3279-FAF7-DD25F5C19124}"/>
-              </a:ext>
-            </a:extLst>
-          </p:cNvPr>
-          <p:cNvPicPr>
-            <a:picLocks noChangeAspect="1"/>
-          </p:cNvPicPr>
+      <p:sp>
+        <p:nvSpPr>
+          <p:cNvPr id="10" name="文本框 9"/>
+          <p:cNvSpPr txBox="1"/>
           <p:nvPr/>
-        </p:nvPicPr>
-        <p:blipFill>
-          <a:blip r:embed="rId3"/>
-          <a:stretch>
-            <a:fillRect/>
-          </a:stretch>
-        </p:blipFill>
-        <p:spPr>
-          <a:xfrm>
-            <a:off x="110064" y="1191303"/>
-            <a:ext cx="9427695" cy="4869776"/>
+        </p:nvSpPr>
+        <p:spPr>
+          <a:xfrm>
+            <a:off x="4347067" y="3674436"/>
+            <a:ext cx="6301758" cy="584775"/>
           </a:xfrm>
           <a:prstGeom prst="rect">
             <a:avLst/>
           </a:prstGeom>
-        </p:spPr>
-      </p:pic>
-      <p:sp>
-        <p:nvSpPr>
-          <p:cNvPr id="7" name="文本框 6">
-            <a:extLst>
-              <a:ext uri="{FF2B5EF4-FFF2-40B4-BE49-F238E27FC236}">
-                <a16:creationId xmlns:a16="http://schemas.microsoft.com/office/drawing/2014/main" id="{0BCA5507-C133-93CF-DB5A-8C010EADB006}"/>
-              </a:ext>
-            </a:extLst>
-          </p:cNvPr>
-          <p:cNvSpPr txBox="1"/>
-          <p:nvPr/>
-        </p:nvSpPr>
-        <p:spPr>
-          <a:xfrm>
-            <a:off x="9060872" y="1364034"/>
-            <a:ext cx="3131128" cy="4524315"/>
-          </a:xfrm>
-          <a:prstGeom prst="rect">
-            <a:avLst/>
-          </a:prstGeom>
           <a:noFill/>
         </p:spPr>
         <p:txBody>
-          <a:bodyPr wrap="square">
+          <a:bodyPr wrap="square" rtlCol="0">
             <a:spAutoFit/>
           </a:bodyPr>
           <a:lstStyle/>
           <a:p>
-            <a:r>
-              <a:rPr lang="zh-CN" altLang="zh-CN" sz="2400" kern="100" dirty="0">
-                <a:effectLst/>
-                <a:latin typeface="Times New Roman" panose="02020603050405020304" pitchFamily="18" charset="0"/>
-                <a:ea typeface="宋体" panose="02010600030101010101" pitchFamily="2" charset="-122"/>
-                <a:cs typeface="Times New Roman" panose="02020603050405020304" pitchFamily="18" charset="0"/>
-              </a:rPr>
-              <a:t>社区志愿者疫情防控管理系统采用</a:t>
-            </a:r>
-            <a:r>
-              <a:rPr lang="en-US" altLang="zh-CN" sz="2400" kern="100" dirty="0">
-                <a:effectLst/>
-                <a:latin typeface="Times New Roman" panose="02020603050405020304" pitchFamily="18" charset="0"/>
-                <a:ea typeface="宋体" panose="02010600030101010101" pitchFamily="2" charset="-122"/>
-              </a:rPr>
-              <a:t>MySQL</a:t>
-            </a:r>
-            <a:r>
-              <a:rPr lang="zh-CN" altLang="zh-CN" sz="2400" kern="100" dirty="0">
-                <a:effectLst/>
-                <a:latin typeface="Times New Roman" panose="02020603050405020304" pitchFamily="18" charset="0"/>
-                <a:ea typeface="宋体" panose="02010600030101010101" pitchFamily="2" charset="-122"/>
-                <a:cs typeface="Times New Roman" panose="02020603050405020304" pitchFamily="18" charset="0"/>
-              </a:rPr>
-              <a:t>完成数据库的搭建，数据库中根据实际的功能需求，创建相应的数据表，并需要对管理员、用户、医疗专家、报名、健康档案、公告、行动报告、预约、志愿者、专家咨询、咨询回复等实体进行设计。</a:t>
-            </a:r>
-            <a:endParaRPr lang="zh-CN" altLang="en-US" sz="2400" dirty="0"/>
+            <a:pPr algn="ctr"/>
+            <a:r>
+              <a:rPr lang="en-US" altLang="zh-CN" sz="1600" dirty="0">
+                <a:solidFill>
+                  <a:schemeClr val="tx1">
+                    <a:lumMod val="85000"/>
+                    <a:lumOff val="15000"/>
+                  </a:schemeClr>
+                </a:solidFill>
+                <a:cs typeface="+mn-ea"/>
+                <a:sym typeface="+mn-lt"/>
+              </a:rPr>
+              <a:t>Life was like a box of chocolates, you never know what you’re go to get.</a:t>
+            </a:r>
+            <a:endParaRPr lang="zh-CN" altLang="en-US" sz="1600" dirty="0">
+              <a:solidFill>
+                <a:schemeClr val="tx1">
+                  <a:lumMod val="85000"/>
+                  <a:lumOff val="15000"/>
+                </a:schemeClr>
+              </a:solidFill>
+              <a:cs typeface="+mn-ea"/>
+              <a:sym typeface="+mn-lt"/>
+            </a:endParaRPr>
           </a:p>
         </p:txBody>
       </p:sp>
     </p:spTree>
     <p:extLst>
       <p:ext uri="{BB962C8B-B14F-4D97-AF65-F5344CB8AC3E}">
-        <p14:creationId xmlns:p14="http://schemas.microsoft.com/office/powerpoint/2010/main" val="3535528471"/>
+        <p14:creationId xmlns:p14="http://schemas.microsoft.com/office/powerpoint/2010/main" val="2881436233"/>
       </p:ext>
     </p:extLst>
   </p:cSld>
@@ -8284,232 +8265,14 @@
       </p:grpSpPr>
       <p:sp>
         <p:nvSpPr>
-          <p:cNvPr id="4" name="矩形 3"/>
-          <p:cNvSpPr/>
-          <p:nvPr/>
-        </p:nvSpPr>
-        <p:spPr>
-          <a:xfrm>
-            <a:off x="245805" y="294968"/>
-            <a:ext cx="1961536" cy="1696064"/>
-          </a:xfrm>
-          <a:prstGeom prst="rect">
-            <a:avLst/>
-          </a:prstGeom>
-          <a:solidFill>
-            <a:srgbClr val="1C4885"/>
-          </a:solidFill>
-          <a:ln>
-            <a:noFill/>
-          </a:ln>
-        </p:spPr>
-        <p:style>
-          <a:lnRef idx="2">
-            <a:schemeClr val="accent1">
-              <a:shade val="50000"/>
-            </a:schemeClr>
-          </a:lnRef>
-          <a:fillRef idx="1">
-            <a:schemeClr val="accent1"/>
-          </a:fillRef>
-          <a:effectRef idx="0">
-            <a:schemeClr val="accent1"/>
-          </a:effectRef>
-          <a:fontRef idx="minor">
-            <a:schemeClr val="lt1"/>
-          </a:fontRef>
-        </p:style>
-        <p:txBody>
-          <a:bodyPr rtlCol="0" anchor="ctr"/>
-          <a:lstStyle/>
-          <a:p>
-            <a:pPr algn="ctr"/>
-            <a:endParaRPr lang="zh-CN" altLang="en-US">
-              <a:cs typeface="+mn-ea"/>
-              <a:sym typeface="+mn-lt"/>
-            </a:endParaRPr>
-          </a:p>
-        </p:txBody>
-      </p:sp>
-      <p:sp>
-        <p:nvSpPr>
-          <p:cNvPr id="5" name="矩形 4"/>
-          <p:cNvSpPr/>
-          <p:nvPr/>
-        </p:nvSpPr>
-        <p:spPr>
-          <a:xfrm>
-            <a:off x="9984658" y="4866967"/>
-            <a:ext cx="1961536" cy="1696064"/>
-          </a:xfrm>
-          <a:prstGeom prst="rect">
-            <a:avLst/>
-          </a:prstGeom>
-          <a:solidFill>
-            <a:srgbClr val="1C4885"/>
-          </a:solidFill>
-          <a:ln>
-            <a:noFill/>
-          </a:ln>
-        </p:spPr>
-        <p:style>
-          <a:lnRef idx="2">
-            <a:schemeClr val="accent1">
-              <a:shade val="50000"/>
-            </a:schemeClr>
-          </a:lnRef>
-          <a:fillRef idx="1">
-            <a:schemeClr val="accent1"/>
-          </a:fillRef>
-          <a:effectRef idx="0">
-            <a:schemeClr val="accent1"/>
-          </a:effectRef>
-          <a:fontRef idx="minor">
-            <a:schemeClr val="lt1"/>
-          </a:fontRef>
-        </p:style>
-        <p:txBody>
-          <a:bodyPr rtlCol="0" anchor="ctr"/>
-          <a:lstStyle/>
-          <a:p>
-            <a:pPr algn="ctr"/>
-            <a:endParaRPr lang="zh-CN" altLang="en-US">
-              <a:cs typeface="+mn-ea"/>
-              <a:sym typeface="+mn-lt"/>
-            </a:endParaRPr>
-          </a:p>
-        </p:txBody>
-      </p:sp>
-      <p:sp>
-        <p:nvSpPr>
-          <p:cNvPr id="6" name="圆角矩形 5"/>
-          <p:cNvSpPr/>
-          <p:nvPr/>
-        </p:nvSpPr>
-        <p:spPr>
-          <a:xfrm>
-            <a:off x="403122" y="449825"/>
-            <a:ext cx="11385755" cy="5958349"/>
-          </a:xfrm>
-          <a:prstGeom prst="roundRect">
-            <a:avLst>
-              <a:gd name="adj" fmla="val 1568"/>
-            </a:avLst>
-          </a:prstGeom>
-          <a:solidFill>
-            <a:schemeClr val="bg1"/>
-          </a:solidFill>
-          <a:ln>
-            <a:noFill/>
-          </a:ln>
-          <a:effectLst>
-            <a:glow rad="228600">
-              <a:srgbClr val="02615A">
-                <a:alpha val="30000"/>
-              </a:srgbClr>
-            </a:glow>
-          </a:effectLst>
-        </p:spPr>
-        <p:style>
-          <a:lnRef idx="2">
-            <a:schemeClr val="accent1">
-              <a:shade val="50000"/>
-            </a:schemeClr>
-          </a:lnRef>
-          <a:fillRef idx="1">
-            <a:schemeClr val="accent1"/>
-          </a:fillRef>
-          <a:effectRef idx="0">
-            <a:schemeClr val="accent1"/>
-          </a:effectRef>
-          <a:fontRef idx="minor">
-            <a:schemeClr val="lt1"/>
-          </a:fontRef>
-        </p:style>
-        <p:txBody>
-          <a:bodyPr rtlCol="0" anchor="ctr"/>
-          <a:lstStyle/>
-          <a:p>
-            <a:pPr algn="ctr"/>
-            <a:endParaRPr lang="zh-CN" altLang="en-US">
-              <a:cs typeface="+mn-ea"/>
-              <a:sym typeface="+mn-lt"/>
-            </a:endParaRPr>
-          </a:p>
-        </p:txBody>
-      </p:sp>
-      <p:sp>
-        <p:nvSpPr>
-          <p:cNvPr id="7" name="椭圆 6"/>
-          <p:cNvSpPr/>
-          <p:nvPr/>
-        </p:nvSpPr>
-        <p:spPr>
-          <a:xfrm>
-            <a:off x="1887301" y="2420811"/>
-            <a:ext cx="1592179" cy="1592179"/>
-          </a:xfrm>
-          <a:prstGeom prst="ellipse">
-            <a:avLst/>
-          </a:prstGeom>
-          <a:solidFill>
-            <a:srgbClr val="1C4885"/>
-          </a:solidFill>
-          <a:ln>
-            <a:noFill/>
-          </a:ln>
-        </p:spPr>
-        <p:style>
-          <a:lnRef idx="2">
-            <a:schemeClr val="accent1">
-              <a:shade val="50000"/>
-            </a:schemeClr>
-          </a:lnRef>
-          <a:fillRef idx="1">
-            <a:schemeClr val="accent1"/>
-          </a:fillRef>
-          <a:effectRef idx="0">
-            <a:schemeClr val="accent1"/>
-          </a:effectRef>
-          <a:fontRef idx="minor">
-            <a:schemeClr val="lt1"/>
-          </a:fontRef>
-        </p:style>
-        <p:txBody>
-          <a:bodyPr rtlCol="0" anchor="ctr"/>
-          <a:lstStyle/>
-          <a:p>
-            <a:pPr algn="ctr"/>
-            <a:r>
-              <a:rPr lang="en-US" altLang="zh-CN" sz="13800" b="1" dirty="0">
-                <a:solidFill>
-                  <a:schemeClr val="bg1"/>
-                </a:solidFill>
-                <a:cs typeface="+mn-ea"/>
-                <a:sym typeface="+mn-lt"/>
-              </a:rPr>
-              <a:t>5</a:t>
-            </a:r>
-            <a:endParaRPr lang="zh-CN" altLang="en-US" sz="13800" b="1" dirty="0">
-              <a:solidFill>
-                <a:schemeClr val="bg1"/>
-              </a:solidFill>
-              <a:cs typeface="+mn-ea"/>
-              <a:sym typeface="+mn-lt"/>
-            </a:endParaRPr>
-          </a:p>
-        </p:txBody>
-      </p:sp>
-      <p:sp>
-        <p:nvSpPr>
-          <p:cNvPr id="8" name="文本框 7"/>
+          <p:cNvPr id="4" name="文本框 3"/>
           <p:cNvSpPr txBox="1"/>
           <p:nvPr/>
         </p:nvSpPr>
         <p:spPr>
           <a:xfrm>
-            <a:off x="4476985" y="2420811"/>
-            <a:ext cx="5760360" cy="769441"/>
+            <a:off x="904648" y="409927"/>
+            <a:ext cx="2538453" cy="523220"/>
           </a:xfrm>
           <a:prstGeom prst="rect">
             <a:avLst/>
@@ -8522,39 +8285,39 @@
           </a:bodyPr>
           <a:lstStyle/>
           <a:p>
-            <a:pPr algn="dist"/>
-            <a:r>
-              <a:rPr lang="zh-CN" altLang="en-US" sz="4400" dirty="0">
-                <a:solidFill>
-                  <a:srgbClr val="1C4885"/>
+            <a:r>
+              <a:rPr lang="zh-CN" altLang="en-US" sz="2800" dirty="0">
+                <a:solidFill>
+                  <a:schemeClr val="tx1">
+                    <a:lumMod val="85000"/>
+                    <a:lumOff val="15000"/>
+                  </a:schemeClr>
                 </a:solidFill>
                 <a:cs typeface="+mn-ea"/>
                 <a:sym typeface="+mn-lt"/>
               </a:rPr>
-              <a:t>实现效果</a:t>
+              <a:t>成果展示</a:t>
             </a:r>
           </a:p>
         </p:txBody>
       </p:sp>
       <p:cxnSp>
         <p:nvCxnSpPr>
-          <p:cNvPr id="9" name="直接连接符 8"/>
+          <p:cNvPr id="6" name="直接连接符 5"/>
           <p:cNvCxnSpPr/>
           <p:nvPr/>
         </p:nvCxnSpPr>
         <p:spPr>
           <a:xfrm>
-            <a:off x="4663554" y="3428999"/>
-            <a:ext cx="1112406" cy="0"/>
+            <a:off x="796413" y="457203"/>
+            <a:ext cx="0" cy="632244"/>
           </a:xfrm>
           <a:prstGeom prst="line">
             <a:avLst/>
           </a:prstGeom>
-          <a:ln w="25400">
+          <a:ln w="76200">
             <a:solidFill>
-              <a:schemeClr val="bg1">
-                <a:lumMod val="50000"/>
-              </a:schemeClr>
+              <a:srgbClr val="1C4885"/>
             </a:solidFill>
           </a:ln>
         </p:spPr>
@@ -8575,14 +8338,14 @@
       </p:cxnSp>
       <p:sp>
         <p:nvSpPr>
-          <p:cNvPr id="10" name="文本框 9"/>
+          <p:cNvPr id="24" name="TextBox 23"/>
           <p:cNvSpPr txBox="1"/>
           <p:nvPr/>
         </p:nvSpPr>
         <p:spPr>
           <a:xfrm>
-            <a:off x="4347067" y="3674436"/>
-            <a:ext cx="6301758" cy="584775"/>
+            <a:off x="805218" y="1733266"/>
+            <a:ext cx="10126639" cy="369332"/>
           </a:xfrm>
           <a:prstGeom prst="rect">
             <a:avLst/>
@@ -8595,37 +8358,187 @@
           </a:bodyPr>
           <a:lstStyle/>
           <a:p>
-            <a:pPr algn="ctr"/>
-            <a:r>
-              <a:rPr lang="en-US" altLang="zh-CN" sz="1600" dirty="0">
-                <a:solidFill>
-                  <a:schemeClr val="tx1">
-                    <a:lumMod val="85000"/>
-                    <a:lumOff val="15000"/>
-                  </a:schemeClr>
-                </a:solidFill>
-                <a:cs typeface="+mn-ea"/>
-                <a:sym typeface="+mn-lt"/>
-              </a:rPr>
-              <a:t>Life was like a box of chocolates, you never know what you’re go to get.</a:t>
-            </a:r>
-            <a:endParaRPr lang="zh-CN" altLang="en-US" sz="1600" dirty="0">
-              <a:solidFill>
-                <a:schemeClr val="tx1">
-                  <a:lumMod val="85000"/>
-                  <a:lumOff val="15000"/>
-                </a:schemeClr>
-              </a:solidFill>
-              <a:cs typeface="+mn-ea"/>
-              <a:sym typeface="+mn-lt"/>
-            </a:endParaRPr>
-          </a:p>
-        </p:txBody>
-      </p:sp>
+            <a:endParaRPr lang="zh-CN" altLang="en-US"/>
+          </a:p>
+        </p:txBody>
+      </p:sp>
+      <p:sp>
+        <p:nvSpPr>
+          <p:cNvPr id="10" name="文本框 9">
+            <a:extLst>
+              <a:ext uri="{FF2B5EF4-FFF2-40B4-BE49-F238E27FC236}">
+                <a16:creationId xmlns:a16="http://schemas.microsoft.com/office/drawing/2014/main" id="{77F5E9AA-F94E-0E55-DF35-4F2E85E4945B}"/>
+              </a:ext>
+            </a:extLst>
+          </p:cNvPr>
+          <p:cNvSpPr txBox="1"/>
+          <p:nvPr/>
+        </p:nvSpPr>
+        <p:spPr>
+          <a:xfrm>
+            <a:off x="904648" y="4706407"/>
+            <a:ext cx="7204364" cy="2031325"/>
+          </a:xfrm>
+          <a:prstGeom prst="rect">
+            <a:avLst/>
+          </a:prstGeom>
+          <a:noFill/>
+        </p:spPr>
+        <p:txBody>
+          <a:bodyPr wrap="square">
+            <a:spAutoFit/>
+          </a:bodyPr>
+          <a:lstStyle/>
+          <a:p>
+            <a:pPr hangingPunct="0"/>
+            <a:r>
+              <a:rPr lang="zh-CN" altLang="zh-CN"/>
+              <a:t>在个人信息页面中，点击修改时需要获取该员工的基本信息</a:t>
+            </a:r>
+            <a:r>
+              <a:rPr lang="en-US" altLang="zh-CN"/>
+              <a:t>ID</a:t>
+            </a:r>
+            <a:r>
+              <a:rPr lang="zh-CN" altLang="zh-CN"/>
+              <a:t>，然后通过将该员工</a:t>
+            </a:r>
+            <a:r>
+              <a:rPr lang="en-US" altLang="zh-CN"/>
+              <a:t>ID</a:t>
+            </a:r>
+            <a:r>
+              <a:rPr lang="zh-CN" altLang="zh-CN"/>
+              <a:t>传递到后台方法中，通过该员工</a:t>
+            </a:r>
+            <a:r>
+              <a:rPr lang="en-US" altLang="zh-CN"/>
+              <a:t>ID</a:t>
+            </a:r>
+            <a:r>
+              <a:rPr lang="zh-CN" altLang="zh-CN"/>
+              <a:t>获取该员工的基本信息，然后通过</a:t>
+            </a:r>
+            <a:r>
+              <a:rPr lang="en-US" altLang="zh-CN"/>
+              <a:t>response</a:t>
+            </a:r>
+            <a:r>
+              <a:rPr lang="zh-CN" altLang="zh-CN"/>
+              <a:t>将返回的员工信息在回调函数中进行赋值，最终在</a:t>
+            </a:r>
+            <a:r>
+              <a:rPr lang="en-US" altLang="zh-CN"/>
+              <a:t>modal</a:t>
+            </a:r>
+            <a:r>
+              <a:rPr lang="zh-CN" altLang="zh-CN"/>
+              <a:t>对话框中显示，此时可以通过</a:t>
+            </a:r>
+            <a:r>
+              <a:rPr lang="en-US" altLang="zh-CN"/>
+              <a:t>input</a:t>
+            </a:r>
+            <a:r>
+              <a:rPr lang="zh-CN" altLang="zh-CN"/>
+              <a:t>输入框等对员工的基本信息进行修改，在完成修改后，点击确定按钮后，此时就会将该员工信息以</a:t>
+            </a:r>
+            <a:r>
+              <a:rPr lang="en-US" altLang="zh-CN"/>
+              <a:t>model</a:t>
+            </a:r>
+            <a:r>
+              <a:rPr lang="zh-CN" altLang="zh-CN"/>
+              <a:t>对象的形式传递到后台</a:t>
+            </a:r>
+            <a:r>
+              <a:rPr lang="en-US" altLang="zh-CN"/>
+              <a:t>updateUser()</a:t>
+            </a:r>
+            <a:r>
+              <a:rPr lang="zh-CN" altLang="zh-CN"/>
+              <a:t>方法中，最终通过</a:t>
+            </a:r>
+            <a:r>
+              <a:rPr lang="en-US" altLang="zh-CN"/>
+              <a:t>update</a:t>
+            </a:r>
+            <a:r>
+              <a:rPr lang="zh-CN" altLang="zh-CN"/>
+              <a:t>操作完成对应员工</a:t>
+            </a:r>
+            <a:r>
+              <a:rPr lang="en-US" altLang="zh-CN"/>
+              <a:t>ID</a:t>
+            </a:r>
+            <a:r>
+              <a:rPr lang="zh-CN" altLang="zh-CN"/>
+              <a:t>的员工信息进行</a:t>
+            </a:r>
+            <a:r>
+              <a:rPr lang="zh-CN" altLang="zh-CN"/>
+              <a:t>修</a:t>
+            </a:r>
+            <a:r>
+              <a:rPr lang="zh-CN" altLang="zh-CN" smtClean="0"/>
+              <a:t>改。</a:t>
+            </a:r>
+            <a:endParaRPr lang="zh-CN" altLang="zh-CN"/>
+          </a:p>
+        </p:txBody>
+      </p:sp>
+      <p:pic>
+        <p:nvPicPr>
+          <p:cNvPr id="9" name="图片 8"/>
+          <p:cNvPicPr/>
+          <p:nvPr/>
+        </p:nvPicPr>
+        <p:blipFill>
+          <a:blip r:embed="rId3"/>
+          <a:stretch>
+            <a:fillRect/>
+          </a:stretch>
+        </p:blipFill>
+        <p:spPr>
+          <a:xfrm>
+            <a:off x="904648" y="1089447"/>
+            <a:ext cx="5230495" cy="3616960"/>
+          </a:xfrm>
+          <a:prstGeom prst="rect">
+            <a:avLst/>
+          </a:prstGeom>
+          <a:noFill/>
+          <a:ln>
+            <a:noFill/>
+          </a:ln>
+        </p:spPr>
+      </p:pic>
+      <p:pic>
+        <p:nvPicPr>
+          <p:cNvPr id="11" name="图片 10"/>
+          <p:cNvPicPr/>
+          <p:nvPr/>
+        </p:nvPicPr>
+        <p:blipFill>
+          <a:blip r:embed="rId4"/>
+          <a:stretch>
+            <a:fillRect/>
+          </a:stretch>
+        </p:blipFill>
+        <p:spPr>
+          <a:xfrm>
+            <a:off x="8669383" y="519950"/>
+            <a:ext cx="2011680" cy="5128260"/>
+          </a:xfrm>
+          <a:prstGeom prst="rect">
+            <a:avLst/>
+          </a:prstGeom>
+        </p:spPr>
+      </p:pic>
     </p:spTree>
     <p:extLst>
       <p:ext uri="{BB962C8B-B14F-4D97-AF65-F5344CB8AC3E}">
-        <p14:creationId xmlns:p14="http://schemas.microsoft.com/office/powerpoint/2010/main" val="2881436233"/>
+        <p14:creationId xmlns:p14="http://schemas.microsoft.com/office/powerpoint/2010/main" val="1138633919"/>
       </p:ext>
     </p:extLst>
   </p:cSld>
@@ -8759,70 +8672,6 @@
           </a:p>
         </p:txBody>
       </p:sp>
-      <p:pic>
-        <p:nvPicPr>
-          <p:cNvPr id="2" name="图片 1">
-            <a:extLst>
-              <a:ext uri="{FF2B5EF4-FFF2-40B4-BE49-F238E27FC236}">
-                <a16:creationId xmlns:a16="http://schemas.microsoft.com/office/drawing/2014/main" id="{3AF08365-EBE5-BDD7-48B5-8E8ABD8F30FB}"/>
-              </a:ext>
-            </a:extLst>
-          </p:cNvPr>
-          <p:cNvPicPr>
-            <a:picLocks noChangeAspect="1"/>
-          </p:cNvPicPr>
-          <p:nvPr/>
-        </p:nvPicPr>
-        <p:blipFill>
-          <a:blip r:embed="rId3"/>
-          <a:stretch>
-            <a:fillRect/>
-          </a:stretch>
-        </p:blipFill>
-        <p:spPr>
-          <a:xfrm>
-            <a:off x="711113" y="1341404"/>
-            <a:ext cx="4618355" cy="2522220"/>
-          </a:xfrm>
-          <a:prstGeom prst="rect">
-            <a:avLst/>
-          </a:prstGeom>
-          <a:noFill/>
-          <a:ln>
-            <a:noFill/>
-          </a:ln>
-        </p:spPr>
-      </p:pic>
-      <p:pic>
-        <p:nvPicPr>
-          <p:cNvPr id="8" name="图片 7">
-            <a:extLst>
-              <a:ext uri="{FF2B5EF4-FFF2-40B4-BE49-F238E27FC236}">
-                <a16:creationId xmlns:a16="http://schemas.microsoft.com/office/drawing/2014/main" id="{17D0A328-D456-7EA9-4238-E55EC8A7AA9A}"/>
-              </a:ext>
-            </a:extLst>
-          </p:cNvPr>
-          <p:cNvPicPr>
-            <a:picLocks noChangeAspect="1"/>
-          </p:cNvPicPr>
-          <p:nvPr/>
-        </p:nvPicPr>
-        <p:blipFill>
-          <a:blip r:embed="rId4"/>
-          <a:stretch>
-            <a:fillRect/>
-          </a:stretch>
-        </p:blipFill>
-        <p:spPr>
-          <a:xfrm>
-            <a:off x="7526943" y="409927"/>
-            <a:ext cx="2809240" cy="4314190"/>
-          </a:xfrm>
-          <a:prstGeom prst="rect">
-            <a:avLst/>
-          </a:prstGeom>
-        </p:spPr>
-      </p:pic>
       <p:sp>
         <p:nvSpPr>
           <p:cNvPr id="10" name="文本框 9">
@@ -8838,7 +8687,7 @@
         <p:spPr>
           <a:xfrm>
             <a:off x="988291" y="4433455"/>
-            <a:ext cx="7204364" cy="2429511"/>
+            <a:ext cx="7204364" cy="2308324"/>
           </a:xfrm>
           <a:prstGeom prst="rect">
             <a:avLst/>
@@ -8851,71 +8700,142 @@
           </a:bodyPr>
           <a:lstStyle/>
           <a:p>
-            <a:pPr indent="304800" algn="l">
-              <a:lnSpc>
-                <a:spcPts val="2300"/>
-              </a:lnSpc>
-            </a:pPr>
-            <a:r>
-              <a:rPr lang="zh-CN" altLang="zh-CN" sz="1800" kern="100" dirty="0">
-                <a:effectLst/>
-                <a:latin typeface="Times New Roman" panose="02020603050405020304" pitchFamily="18" charset="0"/>
-                <a:ea typeface="宋体" panose="02010600030101010101" pitchFamily="2" charset="-122"/>
-                <a:cs typeface="Times New Roman" panose="02020603050405020304" pitchFamily="18" charset="0"/>
-              </a:rPr>
-              <a:t>登录页作为进入系统的入口，本系统中的登录页面可供管理员用户使用，管理员的账号密码为默认分配。在登录页面中管理员输入个人账号密码信息，检验用户是否满足输入的要求，即检验用户名和密码文本框是否为空，若为空，则提示用户输入用户名和密码。检验是否存在用户输入的用户名，同时校验该用户名对应的密码与输入的密码是否一致。从数据库中提取记录，并储存在本地的</a:t>
-            </a:r>
-            <a:r>
-              <a:rPr lang="en-US" altLang="zh-CN" sz="1800" kern="100" dirty="0">
-                <a:effectLst/>
-                <a:latin typeface="Times New Roman" panose="02020603050405020304" pitchFamily="18" charset="0"/>
-                <a:ea typeface="宋体" panose="02010600030101010101" pitchFamily="2" charset="-122"/>
-                <a:cs typeface="Times New Roman" panose="02020603050405020304" pitchFamily="18" charset="0"/>
-              </a:rPr>
-              <a:t>session</a:t>
-            </a:r>
-            <a:r>
-              <a:rPr lang="zh-CN" altLang="zh-CN" sz="1800" kern="100" dirty="0">
-                <a:effectLst/>
-                <a:latin typeface="Times New Roman" panose="02020603050405020304" pitchFamily="18" charset="0"/>
-                <a:ea typeface="宋体" panose="02010600030101010101" pitchFamily="2" charset="-122"/>
-                <a:cs typeface="Times New Roman" panose="02020603050405020304" pitchFamily="18" charset="0"/>
-              </a:rPr>
-              <a:t>中，将该用户名对应的信息显示在系统首页上。登录页面的实现效果和程序设计流程</a:t>
-            </a:r>
-            <a:r>
-              <a:rPr lang="zh-CN" altLang="en-US" sz="1800" kern="100" dirty="0">
-                <a:effectLst/>
-                <a:latin typeface="Times New Roman" panose="02020603050405020304" pitchFamily="18" charset="0"/>
-                <a:ea typeface="宋体" panose="02010600030101010101" pitchFamily="2" charset="-122"/>
-                <a:cs typeface="Times New Roman" panose="02020603050405020304" pitchFamily="18" charset="0"/>
-              </a:rPr>
-              <a:t>如上图</a:t>
-            </a:r>
-            <a:endParaRPr lang="zh-CN" altLang="zh-CN" sz="1800" kern="100" dirty="0">
-              <a:effectLst/>
-              <a:latin typeface="Times New Roman" panose="02020603050405020304" pitchFamily="18" charset="0"/>
-              <a:ea typeface="宋体" panose="02010600030101010101" pitchFamily="2" charset="-122"/>
-              <a:cs typeface="Times New Roman" panose="02020603050405020304" pitchFamily="18" charset="0"/>
-            </a:endParaRPr>
-          </a:p>
-        </p:txBody>
-      </p:sp>
+            <a:pPr hangingPunct="0"/>
+            <a:r>
+              <a:rPr lang="zh-CN" altLang="zh-CN"/>
+              <a:t>管理员进入系统后首先通过</a:t>
+            </a:r>
+            <a:r>
+              <a:rPr lang="en-US" altLang="zh-CN"/>
+              <a:t>findUserList()</a:t>
+            </a:r>
+            <a:r>
+              <a:rPr lang="zh-CN" altLang="zh-CN"/>
+              <a:t>来查询出所有的企业员工信息然后将其封装成</a:t>
+            </a:r>
+            <a:r>
+              <a:rPr lang="en-US" altLang="zh-CN"/>
+              <a:t>List</a:t>
+            </a:r>
+            <a:r>
+              <a:rPr lang="zh-CN" altLang="zh-CN"/>
+              <a:t>集合然后通过</a:t>
+            </a:r>
+            <a:r>
+              <a:rPr lang="en-US" altLang="zh-CN"/>
+              <a:t>response</a:t>
+            </a:r>
+            <a:r>
+              <a:rPr lang="zh-CN" altLang="zh-CN"/>
+              <a:t>对象将其传递到前端页面中并赋值到</a:t>
+            </a:r>
+            <a:r>
+              <a:rPr lang="en-US" altLang="zh-CN"/>
+              <a:t>&lt;el-table&gt;</a:t>
+            </a:r>
+            <a:r>
+              <a:rPr lang="zh-CN" altLang="zh-CN"/>
+              <a:t>标签上完成企业员工数据初始化</a:t>
+            </a:r>
+            <a:r>
+              <a:rPr lang="en-US" altLang="zh-CN" baseline="30000"/>
+              <a:t>[13]</a:t>
+            </a:r>
+            <a:r>
+              <a:rPr lang="zh-CN" altLang="zh-CN"/>
+              <a:t>。其次就是对企业员工的常规操作，这里重点以添加企业员工信息为例阐述，在</a:t>
+            </a:r>
+            <a:r>
+              <a:rPr lang="en-US" altLang="zh-CN"/>
+              <a:t>UserAdd.vue</a:t>
+            </a:r>
+            <a:r>
+              <a:rPr lang="zh-CN" altLang="zh-CN"/>
+              <a:t>页面中需要输入员工的基本信息，包括员工的姓名、密码、头像等，然后将这些员工的基本信息以对象的形式传递到后台方法中，并验证该员工是否已经添加到数据库中，如果返回的结果为</a:t>
+            </a:r>
+            <a:r>
+              <a:rPr lang="en-US" altLang="zh-CN"/>
+              <a:t>1</a:t>
+            </a:r>
+            <a:r>
+              <a:rPr lang="zh-CN" altLang="zh-CN"/>
+              <a:t>则表示企业员工信息添加成</a:t>
+            </a:r>
+            <a:r>
+              <a:rPr lang="zh-CN" altLang="zh-CN"/>
+              <a:t>功</a:t>
+            </a:r>
+            <a:r>
+              <a:rPr lang="zh-CN" altLang="zh-CN" smtClean="0"/>
+              <a:t>。</a:t>
+            </a:r>
+            <a:endParaRPr lang="zh-CN" altLang="zh-CN"/>
+          </a:p>
+        </p:txBody>
+      </p:sp>
+      <p:pic>
+        <p:nvPicPr>
+          <p:cNvPr id="8" name="图片 7"/>
+          <p:cNvPicPr/>
+          <p:nvPr/>
+        </p:nvPicPr>
+        <p:blipFill>
+          <a:blip r:embed="rId3"/>
+          <a:stretch>
+            <a:fillRect/>
+          </a:stretch>
+        </p:blipFill>
+        <p:spPr>
+          <a:xfrm>
+            <a:off x="606556" y="1259843"/>
+            <a:ext cx="5673090" cy="2966720"/>
+          </a:xfrm>
+          <a:prstGeom prst="rect">
+            <a:avLst/>
+          </a:prstGeom>
+          <a:noFill/>
+          <a:ln>
+            <a:noFill/>
+          </a:ln>
+        </p:spPr>
+      </p:pic>
+      <p:pic>
+        <p:nvPicPr>
+          <p:cNvPr id="9" name="图片 8"/>
+          <p:cNvPicPr/>
+          <p:nvPr/>
+        </p:nvPicPr>
+        <p:blipFill>
+          <a:blip r:embed="rId4"/>
+          <a:stretch>
+            <a:fillRect/>
+          </a:stretch>
+        </p:blipFill>
+        <p:spPr>
+          <a:xfrm>
+            <a:off x="9499963" y="409927"/>
+            <a:ext cx="2179320" cy="5204460"/>
+          </a:xfrm>
+          <a:prstGeom prst="rect">
+            <a:avLst/>
+          </a:prstGeom>
+        </p:spPr>
+      </p:pic>
     </p:spTree>
     <p:extLst>
       <p:ext uri="{BB962C8B-B14F-4D97-AF65-F5344CB8AC3E}">
-        <p14:creationId xmlns:p14="http://schemas.microsoft.com/office/powerpoint/2010/main" val="1138633919"/>
+        <p14:creationId xmlns:p14="http://schemas.microsoft.com/office/powerpoint/2010/main" val="3887662443"/>
       </p:ext>
     </p:extLst>
   </p:cSld>
   <p:clrMapOvr>
     <a:masterClrMapping/>
   </p:clrMapOvr>
-  <mc:AlternateContent xmlns:mc="http://schemas.openxmlformats.org/markup-compatibility/2006">
-    <mc:Choice xmlns:p14="http://schemas.microsoft.com/office/powerpoint/2010/main" Requires="p14">
+  <mc:AlternateContent xmlns:mc="http://schemas.openxmlformats.org/markup-compatibility/2006" xmlns:p14="http://schemas.microsoft.com/office/powerpoint/2010/main">
+    <mc:Choice Requires="p14">
       <p:transition p14:dur="10"/>
     </mc:Choice>
-    <mc:Fallback>
+    <mc:Fallback xmlns="">
       <p:transition/>
     </mc:Fallback>
   </mc:AlternateContent>
@@ -8941,14 +8861,232 @@
       </p:grpSpPr>
       <p:sp>
         <p:nvSpPr>
-          <p:cNvPr id="4" name="文本框 3"/>
+          <p:cNvPr id="4" name="矩形 3"/>
+          <p:cNvSpPr/>
+          <p:nvPr/>
+        </p:nvSpPr>
+        <p:spPr>
+          <a:xfrm>
+            <a:off x="245805" y="294968"/>
+            <a:ext cx="1961536" cy="1696064"/>
+          </a:xfrm>
+          <a:prstGeom prst="rect">
+            <a:avLst/>
+          </a:prstGeom>
+          <a:solidFill>
+            <a:srgbClr val="1C4885"/>
+          </a:solidFill>
+          <a:ln>
+            <a:noFill/>
+          </a:ln>
+        </p:spPr>
+        <p:style>
+          <a:lnRef idx="2">
+            <a:schemeClr val="accent1">
+              <a:shade val="50000"/>
+            </a:schemeClr>
+          </a:lnRef>
+          <a:fillRef idx="1">
+            <a:schemeClr val="accent1"/>
+          </a:fillRef>
+          <a:effectRef idx="0">
+            <a:schemeClr val="accent1"/>
+          </a:effectRef>
+          <a:fontRef idx="minor">
+            <a:schemeClr val="lt1"/>
+          </a:fontRef>
+        </p:style>
+        <p:txBody>
+          <a:bodyPr rtlCol="0" anchor="ctr"/>
+          <a:lstStyle/>
+          <a:p>
+            <a:pPr algn="ctr"/>
+            <a:endParaRPr lang="zh-CN" altLang="en-US">
+              <a:cs typeface="+mn-ea"/>
+              <a:sym typeface="+mn-lt"/>
+            </a:endParaRPr>
+          </a:p>
+        </p:txBody>
+      </p:sp>
+      <p:sp>
+        <p:nvSpPr>
+          <p:cNvPr id="5" name="矩形 4"/>
+          <p:cNvSpPr/>
+          <p:nvPr/>
+        </p:nvSpPr>
+        <p:spPr>
+          <a:xfrm>
+            <a:off x="9984658" y="4866967"/>
+            <a:ext cx="1961536" cy="1696064"/>
+          </a:xfrm>
+          <a:prstGeom prst="rect">
+            <a:avLst/>
+          </a:prstGeom>
+          <a:solidFill>
+            <a:srgbClr val="1C4885"/>
+          </a:solidFill>
+          <a:ln>
+            <a:noFill/>
+          </a:ln>
+        </p:spPr>
+        <p:style>
+          <a:lnRef idx="2">
+            <a:schemeClr val="accent1">
+              <a:shade val="50000"/>
+            </a:schemeClr>
+          </a:lnRef>
+          <a:fillRef idx="1">
+            <a:schemeClr val="accent1"/>
+          </a:fillRef>
+          <a:effectRef idx="0">
+            <a:schemeClr val="accent1"/>
+          </a:effectRef>
+          <a:fontRef idx="minor">
+            <a:schemeClr val="lt1"/>
+          </a:fontRef>
+        </p:style>
+        <p:txBody>
+          <a:bodyPr rtlCol="0" anchor="ctr"/>
+          <a:lstStyle/>
+          <a:p>
+            <a:pPr algn="ctr"/>
+            <a:endParaRPr lang="zh-CN" altLang="en-US">
+              <a:cs typeface="+mn-ea"/>
+              <a:sym typeface="+mn-lt"/>
+            </a:endParaRPr>
+          </a:p>
+        </p:txBody>
+      </p:sp>
+      <p:sp>
+        <p:nvSpPr>
+          <p:cNvPr id="6" name="圆角矩形 5"/>
+          <p:cNvSpPr/>
+          <p:nvPr/>
+        </p:nvSpPr>
+        <p:spPr>
+          <a:xfrm>
+            <a:off x="403122" y="449825"/>
+            <a:ext cx="11385755" cy="5958349"/>
+          </a:xfrm>
+          <a:prstGeom prst="roundRect">
+            <a:avLst>
+              <a:gd name="adj" fmla="val 1568"/>
+            </a:avLst>
+          </a:prstGeom>
+          <a:solidFill>
+            <a:schemeClr val="bg1"/>
+          </a:solidFill>
+          <a:ln>
+            <a:noFill/>
+          </a:ln>
+          <a:effectLst>
+            <a:glow rad="228600">
+              <a:srgbClr val="02615A">
+                <a:alpha val="30000"/>
+              </a:srgbClr>
+            </a:glow>
+          </a:effectLst>
+        </p:spPr>
+        <p:style>
+          <a:lnRef idx="2">
+            <a:schemeClr val="accent1">
+              <a:shade val="50000"/>
+            </a:schemeClr>
+          </a:lnRef>
+          <a:fillRef idx="1">
+            <a:schemeClr val="accent1"/>
+          </a:fillRef>
+          <a:effectRef idx="0">
+            <a:schemeClr val="accent1"/>
+          </a:effectRef>
+          <a:fontRef idx="minor">
+            <a:schemeClr val="lt1"/>
+          </a:fontRef>
+        </p:style>
+        <p:txBody>
+          <a:bodyPr rtlCol="0" anchor="ctr"/>
+          <a:lstStyle/>
+          <a:p>
+            <a:pPr algn="ctr"/>
+            <a:endParaRPr lang="zh-CN" altLang="en-US">
+              <a:cs typeface="+mn-ea"/>
+              <a:sym typeface="+mn-lt"/>
+            </a:endParaRPr>
+          </a:p>
+        </p:txBody>
+      </p:sp>
+      <p:sp>
+        <p:nvSpPr>
+          <p:cNvPr id="7" name="椭圆 6"/>
+          <p:cNvSpPr/>
+          <p:nvPr/>
+        </p:nvSpPr>
+        <p:spPr>
+          <a:xfrm>
+            <a:off x="1887301" y="2420811"/>
+            <a:ext cx="1592179" cy="1592179"/>
+          </a:xfrm>
+          <a:prstGeom prst="ellipse">
+            <a:avLst/>
+          </a:prstGeom>
+          <a:solidFill>
+            <a:srgbClr val="1C4885"/>
+          </a:solidFill>
+          <a:ln>
+            <a:noFill/>
+          </a:ln>
+        </p:spPr>
+        <p:style>
+          <a:lnRef idx="2">
+            <a:schemeClr val="accent1">
+              <a:shade val="50000"/>
+            </a:schemeClr>
+          </a:lnRef>
+          <a:fillRef idx="1">
+            <a:schemeClr val="accent1"/>
+          </a:fillRef>
+          <a:effectRef idx="0">
+            <a:schemeClr val="accent1"/>
+          </a:effectRef>
+          <a:fontRef idx="minor">
+            <a:schemeClr val="lt1"/>
+          </a:fontRef>
+        </p:style>
+        <p:txBody>
+          <a:bodyPr rtlCol="0" anchor="ctr"/>
+          <a:lstStyle/>
+          <a:p>
+            <a:pPr algn="ctr"/>
+            <a:r>
+              <a:rPr lang="en-US" altLang="zh-CN" sz="13800" b="1" dirty="0">
+                <a:solidFill>
+                  <a:schemeClr val="bg1"/>
+                </a:solidFill>
+                <a:cs typeface="+mn-ea"/>
+                <a:sym typeface="+mn-lt"/>
+              </a:rPr>
+              <a:t>6</a:t>
+            </a:r>
+            <a:endParaRPr lang="zh-CN" altLang="en-US" sz="13800" b="1" dirty="0">
+              <a:solidFill>
+                <a:schemeClr val="bg1"/>
+              </a:solidFill>
+              <a:cs typeface="+mn-ea"/>
+              <a:sym typeface="+mn-lt"/>
+            </a:endParaRPr>
+          </a:p>
+        </p:txBody>
+      </p:sp>
+      <p:sp>
+        <p:nvSpPr>
+          <p:cNvPr id="8" name="文本框 7"/>
           <p:cNvSpPr txBox="1"/>
           <p:nvPr/>
         </p:nvSpPr>
         <p:spPr>
           <a:xfrm>
-            <a:off x="904648" y="409927"/>
-            <a:ext cx="2538453" cy="523220"/>
+            <a:off x="4476985" y="2420811"/>
+            <a:ext cx="5760360" cy="769441"/>
           </a:xfrm>
           <a:prstGeom prst="rect">
             <a:avLst/>
@@ -8961,39 +9099,39 @@
           </a:bodyPr>
           <a:lstStyle/>
           <a:p>
-            <a:r>
-              <a:rPr lang="zh-CN" altLang="en-US" sz="2800" dirty="0">
-                <a:solidFill>
-                  <a:schemeClr val="tx1">
-                    <a:lumMod val="85000"/>
-                    <a:lumOff val="15000"/>
-                  </a:schemeClr>
+            <a:pPr algn="dist"/>
+            <a:r>
+              <a:rPr lang="zh-CN" altLang="en-US" sz="4400" dirty="0">
+                <a:solidFill>
+                  <a:srgbClr val="1C4885"/>
                 </a:solidFill>
                 <a:cs typeface="+mn-ea"/>
                 <a:sym typeface="+mn-lt"/>
               </a:rPr>
-              <a:t>成果展示</a:t>
+              <a:t>测试结果</a:t>
             </a:r>
           </a:p>
         </p:txBody>
       </p:sp>
       <p:cxnSp>
         <p:nvCxnSpPr>
-          <p:cNvPr id="6" name="直接连接符 5"/>
+          <p:cNvPr id="9" name="直接连接符 8"/>
           <p:cNvCxnSpPr/>
           <p:nvPr/>
         </p:nvCxnSpPr>
         <p:spPr>
           <a:xfrm>
-            <a:off x="796413" y="457203"/>
-            <a:ext cx="0" cy="632244"/>
+            <a:off x="4663554" y="3428999"/>
+            <a:ext cx="1112406" cy="0"/>
           </a:xfrm>
           <a:prstGeom prst="line">
             <a:avLst/>
           </a:prstGeom>
-          <a:ln w="76200">
+          <a:ln w="25400">
             <a:solidFill>
-              <a:srgbClr val="1C4885"/>
+              <a:schemeClr val="bg1">
+                <a:lumMod val="50000"/>
+              </a:schemeClr>
             </a:solidFill>
           </a:ln>
         </p:spPr>
@@ -9014,14 +9152,14 @@
       </p:cxnSp>
       <p:sp>
         <p:nvSpPr>
-          <p:cNvPr id="24" name="TextBox 23"/>
+          <p:cNvPr id="10" name="文本框 9"/>
           <p:cNvSpPr txBox="1"/>
           <p:nvPr/>
         </p:nvSpPr>
         <p:spPr>
           <a:xfrm>
-            <a:off x="805218" y="1733266"/>
-            <a:ext cx="10126639" cy="369332"/>
+            <a:off x="4347067" y="3674436"/>
+            <a:ext cx="6301758" cy="584775"/>
           </a:xfrm>
           <a:prstGeom prst="rect">
             <a:avLst/>
@@ -9034,149 +9172,48 @@
           </a:bodyPr>
           <a:lstStyle/>
           <a:p>
-            <a:endParaRPr lang="zh-CN" altLang="en-US"/>
-          </a:p>
-        </p:txBody>
-      </p:sp>
-      <p:sp>
-        <p:nvSpPr>
-          <p:cNvPr id="10" name="文本框 9">
-            <a:extLst>
-              <a:ext uri="{FF2B5EF4-FFF2-40B4-BE49-F238E27FC236}">
-                <a16:creationId xmlns:a16="http://schemas.microsoft.com/office/drawing/2014/main" id="{77F5E9AA-F94E-0E55-DF35-4F2E85E4945B}"/>
-              </a:ext>
-            </a:extLst>
-          </p:cNvPr>
-          <p:cNvSpPr txBox="1"/>
-          <p:nvPr/>
-        </p:nvSpPr>
-        <p:spPr>
-          <a:xfrm>
-            <a:off x="988291" y="4433455"/>
-            <a:ext cx="7204364" cy="1544654"/>
-          </a:xfrm>
-          <a:prstGeom prst="rect">
-            <a:avLst/>
-          </a:prstGeom>
-          <a:noFill/>
-        </p:spPr>
-        <p:txBody>
-          <a:bodyPr wrap="square">
-            <a:spAutoFit/>
-          </a:bodyPr>
-          <a:lstStyle/>
-          <a:p>
-            <a:pPr indent="304800" algn="l">
-              <a:lnSpc>
-                <a:spcPts val="2300"/>
-              </a:lnSpc>
-            </a:pPr>
-            <a:r>
-              <a:rPr lang="zh-CN" altLang="zh-CN" sz="1800" kern="100" dirty="0">
-                <a:effectLst/>
-                <a:latin typeface="Times New Roman" panose="02020603050405020304" pitchFamily="18" charset="0"/>
-                <a:ea typeface="宋体" panose="02010600030101010101" pitchFamily="2" charset="-122"/>
-                <a:cs typeface="Times New Roman" panose="02020603050405020304" pitchFamily="18" charset="0"/>
-              </a:rPr>
-              <a:t>左侧用户管理下拉展开，将加载显示系统全部用户的账户信息。用户管理功能下面，默认加载显示所有用户的信息列表，包括用户账号名称、用户姓名、性别、手机、身份证、照片、地址内容等信息，在操作栏下可查看用户的详细信息，可对应修改该用户的信息，可删除某条用户的记录信息。用户管理如</a:t>
-            </a:r>
-            <a:r>
-              <a:rPr lang="zh-CN" altLang="en-US" sz="1800" kern="100" dirty="0">
-                <a:effectLst/>
-                <a:latin typeface="Times New Roman" panose="02020603050405020304" pitchFamily="18" charset="0"/>
-                <a:ea typeface="宋体" panose="02010600030101010101" pitchFamily="2" charset="-122"/>
-                <a:cs typeface="Times New Roman" panose="02020603050405020304" pitchFamily="18" charset="0"/>
-              </a:rPr>
-              <a:t>上图所示</a:t>
-            </a:r>
-            <a:endParaRPr lang="zh-CN" altLang="zh-CN" sz="1800" kern="100" dirty="0">
-              <a:effectLst/>
-              <a:latin typeface="Times New Roman" panose="02020603050405020304" pitchFamily="18" charset="0"/>
-              <a:ea typeface="宋体" panose="02010600030101010101" pitchFamily="2" charset="-122"/>
-              <a:cs typeface="Times New Roman" panose="02020603050405020304" pitchFamily="18" charset="0"/>
+            <a:pPr algn="ctr"/>
+            <a:r>
+              <a:rPr lang="en-US" altLang="zh-CN" sz="1600" dirty="0">
+                <a:solidFill>
+                  <a:schemeClr val="tx1">
+                    <a:lumMod val="85000"/>
+                    <a:lumOff val="15000"/>
+                  </a:schemeClr>
+                </a:solidFill>
+                <a:cs typeface="+mn-ea"/>
+                <a:sym typeface="+mn-lt"/>
+              </a:rPr>
+              <a:t>Life was like a box of chocolates, you never know what you’re go to get.</a:t>
+            </a:r>
+            <a:endParaRPr lang="zh-CN" altLang="en-US" sz="1600" dirty="0">
+              <a:solidFill>
+                <a:schemeClr val="tx1">
+                  <a:lumMod val="85000"/>
+                  <a:lumOff val="15000"/>
+                </a:schemeClr>
+              </a:solidFill>
+              <a:cs typeface="+mn-ea"/>
+              <a:sym typeface="+mn-lt"/>
             </a:endParaRPr>
           </a:p>
         </p:txBody>
       </p:sp>
-      <p:pic>
-        <p:nvPicPr>
-          <p:cNvPr id="3" name="图片 2">
-            <a:extLst>
-              <a:ext uri="{FF2B5EF4-FFF2-40B4-BE49-F238E27FC236}">
-                <a16:creationId xmlns:a16="http://schemas.microsoft.com/office/drawing/2014/main" id="{B247BD39-BBA0-020D-D151-351522CCAD94}"/>
-              </a:ext>
-            </a:extLst>
-          </p:cNvPr>
-          <p:cNvPicPr>
-            <a:picLocks noChangeAspect="1"/>
-          </p:cNvPicPr>
-          <p:nvPr/>
-        </p:nvPicPr>
-        <p:blipFill>
-          <a:blip r:embed="rId3"/>
-          <a:stretch>
-            <a:fillRect/>
-          </a:stretch>
-        </p:blipFill>
-        <p:spPr>
-          <a:xfrm>
-            <a:off x="904648" y="1368142"/>
-            <a:ext cx="4961890" cy="2397760"/>
-          </a:xfrm>
-          <a:prstGeom prst="rect">
-            <a:avLst/>
-          </a:prstGeom>
-          <a:noFill/>
-          <a:ln>
-            <a:noFill/>
-          </a:ln>
-        </p:spPr>
-      </p:pic>
-      <p:pic>
-        <p:nvPicPr>
-          <p:cNvPr id="5" name="图片 4">
-            <a:extLst>
-              <a:ext uri="{FF2B5EF4-FFF2-40B4-BE49-F238E27FC236}">
-                <a16:creationId xmlns:a16="http://schemas.microsoft.com/office/drawing/2014/main" id="{79E4692F-0D9D-2AB4-5657-FA6C18186D9D}"/>
-              </a:ext>
-            </a:extLst>
-          </p:cNvPr>
-          <p:cNvPicPr>
-            <a:picLocks noChangeAspect="1"/>
-          </p:cNvPicPr>
-          <p:nvPr/>
-        </p:nvPicPr>
-        <p:blipFill>
-          <a:blip r:embed="rId4"/>
-          <a:stretch>
-            <a:fillRect/>
-          </a:stretch>
-        </p:blipFill>
-        <p:spPr>
-          <a:xfrm>
-            <a:off x="8928331" y="457203"/>
-            <a:ext cx="1798320" cy="4572000"/>
-          </a:xfrm>
-          <a:prstGeom prst="rect">
-            <a:avLst/>
-          </a:prstGeom>
-        </p:spPr>
-      </p:pic>
     </p:spTree>
     <p:extLst>
       <p:ext uri="{BB962C8B-B14F-4D97-AF65-F5344CB8AC3E}">
-        <p14:creationId xmlns:p14="http://schemas.microsoft.com/office/powerpoint/2010/main" val="3887662443"/>
+        <p14:creationId xmlns:p14="http://schemas.microsoft.com/office/powerpoint/2010/main" val="115093269"/>
       </p:ext>
     </p:extLst>
   </p:cSld>
   <p:clrMapOvr>
     <a:masterClrMapping/>
   </p:clrMapOvr>
-  <mc:AlternateContent xmlns:mc="http://schemas.openxmlformats.org/markup-compatibility/2006">
-    <mc:Choice xmlns:p14="http://schemas.microsoft.com/office/powerpoint/2010/main" Requires="p14">
+  <mc:AlternateContent xmlns:mc="http://schemas.openxmlformats.org/markup-compatibility/2006" xmlns:p14="http://schemas.microsoft.com/office/powerpoint/2010/main">
+    <mc:Choice Requires="p14">
       <p:transition p14:dur="10"/>
     </mc:Choice>
-    <mc:Fallback>
+    <mc:Fallback xmlns="">
       <p:transition/>
     </mc:Fallback>
   </mc:AlternateContent>
@@ -9202,232 +9239,14 @@
       </p:grpSpPr>
       <p:sp>
         <p:nvSpPr>
-          <p:cNvPr id="4" name="矩形 3"/>
-          <p:cNvSpPr/>
-          <p:nvPr/>
-        </p:nvSpPr>
-        <p:spPr>
-          <a:xfrm>
-            <a:off x="245805" y="294968"/>
-            <a:ext cx="1961536" cy="1696064"/>
-          </a:xfrm>
-          <a:prstGeom prst="rect">
-            <a:avLst/>
-          </a:prstGeom>
-          <a:solidFill>
-            <a:srgbClr val="1C4885"/>
-          </a:solidFill>
-          <a:ln>
-            <a:noFill/>
-          </a:ln>
-        </p:spPr>
-        <p:style>
-          <a:lnRef idx="2">
-            <a:schemeClr val="accent1">
-              <a:shade val="50000"/>
-            </a:schemeClr>
-          </a:lnRef>
-          <a:fillRef idx="1">
-            <a:schemeClr val="accent1"/>
-          </a:fillRef>
-          <a:effectRef idx="0">
-            <a:schemeClr val="accent1"/>
-          </a:effectRef>
-          <a:fontRef idx="minor">
-            <a:schemeClr val="lt1"/>
-          </a:fontRef>
-        </p:style>
-        <p:txBody>
-          <a:bodyPr rtlCol="0" anchor="ctr"/>
-          <a:lstStyle/>
-          <a:p>
-            <a:pPr algn="ctr"/>
-            <a:endParaRPr lang="zh-CN" altLang="en-US">
-              <a:cs typeface="+mn-ea"/>
-              <a:sym typeface="+mn-lt"/>
-            </a:endParaRPr>
-          </a:p>
-        </p:txBody>
-      </p:sp>
-      <p:sp>
-        <p:nvSpPr>
-          <p:cNvPr id="5" name="矩形 4"/>
-          <p:cNvSpPr/>
-          <p:nvPr/>
-        </p:nvSpPr>
-        <p:spPr>
-          <a:xfrm>
-            <a:off x="9984658" y="4866967"/>
-            <a:ext cx="1961536" cy="1696064"/>
-          </a:xfrm>
-          <a:prstGeom prst="rect">
-            <a:avLst/>
-          </a:prstGeom>
-          <a:solidFill>
-            <a:srgbClr val="1C4885"/>
-          </a:solidFill>
-          <a:ln>
-            <a:noFill/>
-          </a:ln>
-        </p:spPr>
-        <p:style>
-          <a:lnRef idx="2">
-            <a:schemeClr val="accent1">
-              <a:shade val="50000"/>
-            </a:schemeClr>
-          </a:lnRef>
-          <a:fillRef idx="1">
-            <a:schemeClr val="accent1"/>
-          </a:fillRef>
-          <a:effectRef idx="0">
-            <a:schemeClr val="accent1"/>
-          </a:effectRef>
-          <a:fontRef idx="minor">
-            <a:schemeClr val="lt1"/>
-          </a:fontRef>
-        </p:style>
-        <p:txBody>
-          <a:bodyPr rtlCol="0" anchor="ctr"/>
-          <a:lstStyle/>
-          <a:p>
-            <a:pPr algn="ctr"/>
-            <a:endParaRPr lang="zh-CN" altLang="en-US">
-              <a:cs typeface="+mn-ea"/>
-              <a:sym typeface="+mn-lt"/>
-            </a:endParaRPr>
-          </a:p>
-        </p:txBody>
-      </p:sp>
-      <p:sp>
-        <p:nvSpPr>
-          <p:cNvPr id="6" name="圆角矩形 5"/>
-          <p:cNvSpPr/>
-          <p:nvPr/>
-        </p:nvSpPr>
-        <p:spPr>
-          <a:xfrm>
-            <a:off x="403122" y="449825"/>
-            <a:ext cx="11385755" cy="5958349"/>
-          </a:xfrm>
-          <a:prstGeom prst="roundRect">
-            <a:avLst>
-              <a:gd name="adj" fmla="val 1568"/>
-            </a:avLst>
-          </a:prstGeom>
-          <a:solidFill>
-            <a:schemeClr val="bg1"/>
-          </a:solidFill>
-          <a:ln>
-            <a:noFill/>
-          </a:ln>
-          <a:effectLst>
-            <a:glow rad="228600">
-              <a:srgbClr val="02615A">
-                <a:alpha val="30000"/>
-              </a:srgbClr>
-            </a:glow>
-          </a:effectLst>
-        </p:spPr>
-        <p:style>
-          <a:lnRef idx="2">
-            <a:schemeClr val="accent1">
-              <a:shade val="50000"/>
-            </a:schemeClr>
-          </a:lnRef>
-          <a:fillRef idx="1">
-            <a:schemeClr val="accent1"/>
-          </a:fillRef>
-          <a:effectRef idx="0">
-            <a:schemeClr val="accent1"/>
-          </a:effectRef>
-          <a:fontRef idx="minor">
-            <a:schemeClr val="lt1"/>
-          </a:fontRef>
-        </p:style>
-        <p:txBody>
-          <a:bodyPr rtlCol="0" anchor="ctr"/>
-          <a:lstStyle/>
-          <a:p>
-            <a:pPr algn="ctr"/>
-            <a:endParaRPr lang="zh-CN" altLang="en-US">
-              <a:cs typeface="+mn-ea"/>
-              <a:sym typeface="+mn-lt"/>
-            </a:endParaRPr>
-          </a:p>
-        </p:txBody>
-      </p:sp>
-      <p:sp>
-        <p:nvSpPr>
-          <p:cNvPr id="7" name="椭圆 6"/>
-          <p:cNvSpPr/>
-          <p:nvPr/>
-        </p:nvSpPr>
-        <p:spPr>
-          <a:xfrm>
-            <a:off x="1887301" y="2420811"/>
-            <a:ext cx="1592179" cy="1592179"/>
-          </a:xfrm>
-          <a:prstGeom prst="ellipse">
-            <a:avLst/>
-          </a:prstGeom>
-          <a:solidFill>
-            <a:srgbClr val="1C4885"/>
-          </a:solidFill>
-          <a:ln>
-            <a:noFill/>
-          </a:ln>
-        </p:spPr>
-        <p:style>
-          <a:lnRef idx="2">
-            <a:schemeClr val="accent1">
-              <a:shade val="50000"/>
-            </a:schemeClr>
-          </a:lnRef>
-          <a:fillRef idx="1">
-            <a:schemeClr val="accent1"/>
-          </a:fillRef>
-          <a:effectRef idx="0">
-            <a:schemeClr val="accent1"/>
-          </a:effectRef>
-          <a:fontRef idx="minor">
-            <a:schemeClr val="lt1"/>
-          </a:fontRef>
-        </p:style>
-        <p:txBody>
-          <a:bodyPr rtlCol="0" anchor="ctr"/>
-          <a:lstStyle/>
-          <a:p>
-            <a:pPr algn="ctr"/>
-            <a:r>
-              <a:rPr lang="en-US" altLang="zh-CN" sz="13800" b="1" dirty="0">
-                <a:solidFill>
-                  <a:schemeClr val="bg1"/>
-                </a:solidFill>
-                <a:cs typeface="+mn-ea"/>
-                <a:sym typeface="+mn-lt"/>
-              </a:rPr>
-              <a:t>6</a:t>
-            </a:r>
-            <a:endParaRPr lang="zh-CN" altLang="en-US" sz="13800" b="1" dirty="0">
-              <a:solidFill>
-                <a:schemeClr val="bg1"/>
-              </a:solidFill>
-              <a:cs typeface="+mn-ea"/>
-              <a:sym typeface="+mn-lt"/>
-            </a:endParaRPr>
-          </a:p>
-        </p:txBody>
-      </p:sp>
-      <p:sp>
-        <p:nvSpPr>
-          <p:cNvPr id="8" name="文本框 7"/>
+          <p:cNvPr id="4" name="文本框 3"/>
           <p:cNvSpPr txBox="1"/>
           <p:nvPr/>
         </p:nvSpPr>
         <p:spPr>
           <a:xfrm>
-            <a:off x="4476985" y="2420811"/>
-            <a:ext cx="5760360" cy="769441"/>
+            <a:off x="904648" y="409927"/>
+            <a:ext cx="2873025" cy="523220"/>
           </a:xfrm>
           <a:prstGeom prst="rect">
             <a:avLst/>
@@ -9440,82 +9259,8 @@
           </a:bodyPr>
           <a:lstStyle/>
           <a:p>
-            <a:pPr algn="dist"/>
-            <a:r>
-              <a:rPr lang="zh-CN" altLang="en-US" sz="4400" dirty="0">
-                <a:solidFill>
-                  <a:srgbClr val="1C4885"/>
-                </a:solidFill>
-                <a:cs typeface="+mn-ea"/>
-                <a:sym typeface="+mn-lt"/>
-              </a:rPr>
-              <a:t>测试结果</a:t>
-            </a:r>
-          </a:p>
-        </p:txBody>
-      </p:sp>
-      <p:cxnSp>
-        <p:nvCxnSpPr>
-          <p:cNvPr id="9" name="直接连接符 8"/>
-          <p:cNvCxnSpPr/>
-          <p:nvPr/>
-        </p:nvCxnSpPr>
-        <p:spPr>
-          <a:xfrm>
-            <a:off x="4663554" y="3428999"/>
-            <a:ext cx="1112406" cy="0"/>
-          </a:xfrm>
-          <a:prstGeom prst="line">
-            <a:avLst/>
-          </a:prstGeom>
-          <a:ln w="25400">
-            <a:solidFill>
-              <a:schemeClr val="bg1">
-                <a:lumMod val="50000"/>
-              </a:schemeClr>
-            </a:solidFill>
-          </a:ln>
-        </p:spPr>
-        <p:style>
-          <a:lnRef idx="1">
-            <a:schemeClr val="accent1"/>
-          </a:lnRef>
-          <a:fillRef idx="0">
-            <a:schemeClr val="accent1"/>
-          </a:fillRef>
-          <a:effectRef idx="0">
-            <a:schemeClr val="accent1"/>
-          </a:effectRef>
-          <a:fontRef idx="minor">
-            <a:schemeClr val="tx1"/>
-          </a:fontRef>
-        </p:style>
-      </p:cxnSp>
-      <p:sp>
-        <p:nvSpPr>
-          <p:cNvPr id="10" name="文本框 9"/>
-          <p:cNvSpPr txBox="1"/>
-          <p:nvPr/>
-        </p:nvSpPr>
-        <p:spPr>
-          <a:xfrm>
-            <a:off x="4347067" y="3674436"/>
-            <a:ext cx="6301758" cy="584775"/>
-          </a:xfrm>
-          <a:prstGeom prst="rect">
-            <a:avLst/>
-          </a:prstGeom>
-          <a:noFill/>
-        </p:spPr>
-        <p:txBody>
-          <a:bodyPr wrap="square" rtlCol="0">
-            <a:spAutoFit/>
-          </a:bodyPr>
-          <a:lstStyle/>
-          <a:p>
-            <a:pPr algn="ctr"/>
-            <a:r>
-              <a:rPr lang="en-US" altLang="zh-CN" sz="1600" dirty="0">
+            <a:r>
+              <a:rPr lang="zh-CN" altLang="en-US" sz="2800" dirty="0">
                 <a:solidFill>
                   <a:schemeClr val="tx1">
                     <a:lumMod val="85000"/>
@@ -9525,9 +9270,35 @@
                 <a:cs typeface="+mn-ea"/>
                 <a:sym typeface="+mn-lt"/>
               </a:rPr>
-              <a:t>Life was like a box of chocolates, you never know what you’re go to get.</a:t>
-            </a:r>
-            <a:endParaRPr lang="zh-CN" altLang="en-US" sz="1600" dirty="0">
+              <a:t>测试</a:t>
+            </a:r>
+            <a:r>
+              <a:rPr lang="zh-CN" altLang="en-US" sz="2800">
+                <a:solidFill>
+                  <a:schemeClr val="tx1">
+                    <a:lumMod val="85000"/>
+                    <a:lumOff val="15000"/>
+                  </a:schemeClr>
+                </a:solidFill>
+                <a:cs typeface="+mn-ea"/>
+                <a:sym typeface="+mn-lt"/>
+              </a:rPr>
+              <a:t>展</a:t>
+            </a:r>
+            <a:r>
+              <a:rPr lang="zh-CN" altLang="en-US" sz="2800" smtClean="0">
+                <a:solidFill>
+                  <a:schemeClr val="tx1">
+                    <a:lumMod val="85000"/>
+                    <a:lumOff val="15000"/>
+                  </a:schemeClr>
+                </a:solidFill>
+                <a:cs typeface="+mn-ea"/>
+                <a:sym typeface="+mn-lt"/>
+              </a:rPr>
+              <a:t>示</a:t>
+            </a:r>
+            <a:endParaRPr lang="zh-CN" altLang="en-US" sz="2800" dirty="0">
               <a:solidFill>
                 <a:schemeClr val="tx1">
                   <a:lumMod val="85000"/>
@@ -9540,10 +9311,95 @@
           </a:p>
         </p:txBody>
       </p:sp>
+      <p:cxnSp>
+        <p:nvCxnSpPr>
+          <p:cNvPr id="6" name="直接连接符 5"/>
+          <p:cNvCxnSpPr/>
+          <p:nvPr/>
+        </p:nvCxnSpPr>
+        <p:spPr>
+          <a:xfrm>
+            <a:off x="796413" y="457203"/>
+            <a:ext cx="0" cy="632244"/>
+          </a:xfrm>
+          <a:prstGeom prst="line">
+            <a:avLst/>
+          </a:prstGeom>
+          <a:ln w="76200">
+            <a:solidFill>
+              <a:srgbClr val="1C4885"/>
+            </a:solidFill>
+          </a:ln>
+        </p:spPr>
+        <p:style>
+          <a:lnRef idx="1">
+            <a:schemeClr val="accent1"/>
+          </a:lnRef>
+          <a:fillRef idx="0">
+            <a:schemeClr val="accent1"/>
+          </a:fillRef>
+          <a:effectRef idx="0">
+            <a:schemeClr val="accent1"/>
+          </a:effectRef>
+          <a:fontRef idx="minor">
+            <a:schemeClr val="tx1"/>
+          </a:fontRef>
+        </p:style>
+      </p:cxnSp>
+      <p:sp>
+        <p:nvSpPr>
+          <p:cNvPr id="24" name="TextBox 23"/>
+          <p:cNvSpPr txBox="1"/>
+          <p:nvPr/>
+        </p:nvSpPr>
+        <p:spPr>
+          <a:xfrm>
+            <a:off x="805218" y="1733266"/>
+            <a:ext cx="10126639" cy="369332"/>
+          </a:xfrm>
+          <a:prstGeom prst="rect">
+            <a:avLst/>
+          </a:prstGeom>
+          <a:noFill/>
+        </p:spPr>
+        <p:txBody>
+          <a:bodyPr wrap="square" rtlCol="0">
+            <a:spAutoFit/>
+          </a:bodyPr>
+          <a:lstStyle/>
+          <a:p>
+            <a:endParaRPr lang="zh-CN" altLang="en-US"/>
+          </a:p>
+        </p:txBody>
+      </p:sp>
+      <p:pic>
+        <p:nvPicPr>
+          <p:cNvPr id="2" name="图片 1"/>
+          <p:cNvPicPr>
+            <a:picLocks noChangeAspect="1"/>
+          </p:cNvPicPr>
+          <p:nvPr/>
+        </p:nvPicPr>
+        <p:blipFill>
+          <a:blip r:embed="rId3"/>
+          <a:stretch>
+            <a:fillRect/>
+          </a:stretch>
+        </p:blipFill>
+        <p:spPr>
+          <a:xfrm>
+            <a:off x="2341160" y="1733266"/>
+            <a:ext cx="8021528" cy="4213452"/>
+          </a:xfrm>
+          <a:prstGeom prst="rect">
+            <a:avLst/>
+          </a:prstGeom>
+        </p:spPr>
+      </p:pic>
     </p:spTree>
     <p:extLst>
       <p:ext uri="{BB962C8B-B14F-4D97-AF65-F5344CB8AC3E}">
-        <p14:creationId xmlns:p14="http://schemas.microsoft.com/office/powerpoint/2010/main" val="115093269"/>
+        <p14:creationId xmlns:p14="http://schemas.microsoft.com/office/powerpoint/2010/main" val="56434151"/>
       </p:ext>
     </p:extLst>
   </p:cSld>
@@ -9587,7 +9443,7 @@
         <p:spPr>
           <a:xfrm>
             <a:off x="904648" y="409927"/>
-            <a:ext cx="2873025" cy="954107"/>
+            <a:ext cx="4424734" cy="523220"/>
           </a:xfrm>
           <a:prstGeom prst="rect">
             <a:avLst/>
@@ -9611,10 +9467,10 @@
                 <a:cs typeface="+mn-ea"/>
                 <a:sym typeface="+mn-lt"/>
               </a:rPr>
-              <a:t>测试展示</a:t>
-            </a:r>
-            <a:r>
-              <a:rPr lang="en-US" altLang="zh-CN" sz="2800" dirty="0">
+              <a:t>测试</a:t>
+            </a:r>
+            <a:r>
+              <a:rPr lang="zh-CN" altLang="en-US" sz="2800">
                 <a:solidFill>
                   <a:schemeClr val="tx1">
                     <a:lumMod val="85000"/>
@@ -9624,10 +9480,10 @@
                 <a:cs typeface="+mn-ea"/>
                 <a:sym typeface="+mn-lt"/>
               </a:rPr>
-              <a:t>-</a:t>
-            </a:r>
-            <a:r>
-              <a:rPr lang="zh-CN" altLang="en-US" sz="2800" dirty="0">
+              <a:t>展</a:t>
+            </a:r>
+            <a:r>
+              <a:rPr lang="zh-CN" altLang="en-US" sz="2800" smtClean="0">
                 <a:solidFill>
                   <a:schemeClr val="tx1">
                     <a:lumMod val="85000"/>
@@ -9637,8 +9493,18 @@
                 <a:cs typeface="+mn-ea"/>
                 <a:sym typeface="+mn-lt"/>
               </a:rPr>
-              <a:t>登录功能</a:t>
-            </a:r>
+              <a:t>示</a:t>
+            </a:r>
+            <a:endParaRPr lang="zh-CN" altLang="en-US" sz="2800" dirty="0">
+              <a:solidFill>
+                <a:schemeClr val="tx1">
+                  <a:lumMod val="85000"/>
+                  <a:lumOff val="15000"/>
+                </a:schemeClr>
+              </a:solidFill>
+              <a:cs typeface="+mn-ea"/>
+              <a:sym typeface="+mn-lt"/>
+            </a:endParaRPr>
           </a:p>
         </p:txBody>
       </p:sp>
@@ -9705,13 +9571,7 @@
       </p:sp>
       <p:pic>
         <p:nvPicPr>
-          <p:cNvPr id="9" name="图片 8">
-            <a:extLst>
-              <a:ext uri="{FF2B5EF4-FFF2-40B4-BE49-F238E27FC236}">
-                <a16:creationId xmlns:a16="http://schemas.microsoft.com/office/drawing/2014/main" id="{BDFF7200-7EE3-21F7-0AB6-D07C5743A507}"/>
-              </a:ext>
-            </a:extLst>
-          </p:cNvPr>
+          <p:cNvPr id="2" name="图片 1"/>
           <p:cNvPicPr>
             <a:picLocks noChangeAspect="1"/>
           </p:cNvPicPr>
@@ -9725,8 +9585,8 @@
         </p:blipFill>
         <p:spPr>
           <a:xfrm>
-            <a:off x="2750529" y="1182037"/>
-            <a:ext cx="7270925" cy="5465616"/>
+            <a:off x="1573393" y="1593397"/>
+            <a:ext cx="11450829" cy="4219574"/>
           </a:xfrm>
           <a:prstGeom prst="rect">
             <a:avLst/>
@@ -9736,7 +9596,7 @@
     </p:spTree>
     <p:extLst>
       <p:ext uri="{BB962C8B-B14F-4D97-AF65-F5344CB8AC3E}">
-        <p14:creationId xmlns:p14="http://schemas.microsoft.com/office/powerpoint/2010/main" val="56434151"/>
+        <p14:creationId xmlns:p14="http://schemas.microsoft.com/office/powerpoint/2010/main" val="3072572610"/>
       </p:ext>
     </p:extLst>
   </p:cSld>
@@ -9773,14 +9633,268 @@
       </p:grpSpPr>
       <p:sp>
         <p:nvSpPr>
-          <p:cNvPr id="4" name="文本框 3"/>
+          <p:cNvPr id="4" name="矩形 3"/>
+          <p:cNvSpPr/>
+          <p:nvPr/>
+        </p:nvSpPr>
+        <p:spPr>
+          <a:xfrm>
+            <a:off x="9984658" y="4866967"/>
+            <a:ext cx="1961536" cy="1696064"/>
+          </a:xfrm>
+          <a:prstGeom prst="rect">
+            <a:avLst/>
+          </a:prstGeom>
+          <a:solidFill>
+            <a:srgbClr val="1C4885"/>
+          </a:solidFill>
+          <a:ln>
+            <a:noFill/>
+          </a:ln>
+        </p:spPr>
+        <p:style>
+          <a:lnRef idx="2">
+            <a:schemeClr val="accent1">
+              <a:shade val="50000"/>
+            </a:schemeClr>
+          </a:lnRef>
+          <a:fillRef idx="1">
+            <a:schemeClr val="accent1"/>
+          </a:fillRef>
+          <a:effectRef idx="0">
+            <a:schemeClr val="accent1"/>
+          </a:effectRef>
+          <a:fontRef idx="minor">
+            <a:schemeClr val="lt1"/>
+          </a:fontRef>
+        </p:style>
+        <p:txBody>
+          <a:bodyPr rtlCol="0" anchor="ctr"/>
+          <a:lstStyle/>
+          <a:p>
+            <a:pPr algn="ctr"/>
+            <a:endParaRPr lang="zh-CN" altLang="en-US">
+              <a:cs typeface="+mn-ea"/>
+              <a:sym typeface="+mn-lt"/>
+            </a:endParaRPr>
+          </a:p>
+        </p:txBody>
+      </p:sp>
+      <p:sp>
+        <p:nvSpPr>
+          <p:cNvPr id="5" name="矩形 4"/>
+          <p:cNvSpPr/>
+          <p:nvPr/>
+        </p:nvSpPr>
+        <p:spPr>
+          <a:xfrm>
+            <a:off x="245805" y="294968"/>
+            <a:ext cx="1961536" cy="1696064"/>
+          </a:xfrm>
+          <a:prstGeom prst="rect">
+            <a:avLst/>
+          </a:prstGeom>
+          <a:solidFill>
+            <a:srgbClr val="1C4885"/>
+          </a:solidFill>
+          <a:ln>
+            <a:noFill/>
+          </a:ln>
+        </p:spPr>
+        <p:style>
+          <a:lnRef idx="2">
+            <a:schemeClr val="accent1">
+              <a:shade val="50000"/>
+            </a:schemeClr>
+          </a:lnRef>
+          <a:fillRef idx="1">
+            <a:schemeClr val="accent1"/>
+          </a:fillRef>
+          <a:effectRef idx="0">
+            <a:schemeClr val="accent1"/>
+          </a:effectRef>
+          <a:fontRef idx="minor">
+            <a:schemeClr val="lt1"/>
+          </a:fontRef>
+        </p:style>
+        <p:txBody>
+          <a:bodyPr rtlCol="0" anchor="ctr"/>
+          <a:lstStyle/>
+          <a:p>
+            <a:pPr algn="ctr"/>
+            <a:endParaRPr lang="zh-CN" altLang="en-US">
+              <a:cs typeface="+mn-ea"/>
+              <a:sym typeface="+mn-lt"/>
+            </a:endParaRPr>
+          </a:p>
+        </p:txBody>
+      </p:sp>
+      <p:sp>
+        <p:nvSpPr>
+          <p:cNvPr id="6" name="矩形 5"/>
+          <p:cNvSpPr/>
+          <p:nvPr/>
+        </p:nvSpPr>
+        <p:spPr>
+          <a:xfrm>
+            <a:off x="245805" y="4866967"/>
+            <a:ext cx="1961536" cy="1696064"/>
+          </a:xfrm>
+          <a:prstGeom prst="rect">
+            <a:avLst/>
+          </a:prstGeom>
+          <a:solidFill>
+            <a:srgbClr val="1C4885"/>
+          </a:solidFill>
+          <a:ln>
+            <a:noFill/>
+          </a:ln>
+        </p:spPr>
+        <p:style>
+          <a:lnRef idx="2">
+            <a:schemeClr val="accent1">
+              <a:shade val="50000"/>
+            </a:schemeClr>
+          </a:lnRef>
+          <a:fillRef idx="1">
+            <a:schemeClr val="accent1"/>
+          </a:fillRef>
+          <a:effectRef idx="0">
+            <a:schemeClr val="accent1"/>
+          </a:effectRef>
+          <a:fontRef idx="minor">
+            <a:schemeClr val="lt1"/>
+          </a:fontRef>
+        </p:style>
+        <p:txBody>
+          <a:bodyPr rtlCol="0" anchor="ctr"/>
+          <a:lstStyle/>
+          <a:p>
+            <a:pPr algn="ctr"/>
+            <a:endParaRPr lang="zh-CN" altLang="en-US">
+              <a:cs typeface="+mn-ea"/>
+              <a:sym typeface="+mn-lt"/>
+            </a:endParaRPr>
+          </a:p>
+        </p:txBody>
+      </p:sp>
+      <p:sp>
+        <p:nvSpPr>
+          <p:cNvPr id="7" name="矩形 6"/>
+          <p:cNvSpPr/>
+          <p:nvPr/>
+        </p:nvSpPr>
+        <p:spPr>
+          <a:xfrm>
+            <a:off x="9984658" y="294968"/>
+            <a:ext cx="1961536" cy="1696064"/>
+          </a:xfrm>
+          <a:prstGeom prst="rect">
+            <a:avLst/>
+          </a:prstGeom>
+          <a:solidFill>
+            <a:srgbClr val="1C4885"/>
+          </a:solidFill>
+          <a:ln>
+            <a:noFill/>
+          </a:ln>
+        </p:spPr>
+        <p:style>
+          <a:lnRef idx="2">
+            <a:schemeClr val="accent1">
+              <a:shade val="50000"/>
+            </a:schemeClr>
+          </a:lnRef>
+          <a:fillRef idx="1">
+            <a:schemeClr val="accent1"/>
+          </a:fillRef>
+          <a:effectRef idx="0">
+            <a:schemeClr val="accent1"/>
+          </a:effectRef>
+          <a:fontRef idx="minor">
+            <a:schemeClr val="lt1"/>
+          </a:fontRef>
+        </p:style>
+        <p:txBody>
+          <a:bodyPr rtlCol="0" anchor="ctr"/>
+          <a:lstStyle/>
+          <a:p>
+            <a:pPr algn="ctr"/>
+            <a:endParaRPr lang="zh-CN" altLang="en-US">
+              <a:cs typeface="+mn-ea"/>
+              <a:sym typeface="+mn-lt"/>
+            </a:endParaRPr>
+          </a:p>
+        </p:txBody>
+      </p:sp>
+      <p:sp>
+        <p:nvSpPr>
+          <p:cNvPr id="8" name="圆角矩形 7"/>
+          <p:cNvSpPr/>
+          <p:nvPr/>
+        </p:nvSpPr>
+        <p:spPr>
+          <a:xfrm>
+            <a:off x="403122" y="405580"/>
+            <a:ext cx="11385755" cy="5958349"/>
+          </a:xfrm>
+          <a:prstGeom prst="roundRect">
+            <a:avLst>
+              <a:gd name="adj" fmla="val 1568"/>
+            </a:avLst>
+          </a:prstGeom>
+          <a:solidFill>
+            <a:schemeClr val="bg1"/>
+          </a:solidFill>
+          <a:ln>
+            <a:noFill/>
+          </a:ln>
+          <a:effectLst>
+            <a:glow rad="228600">
+              <a:schemeClr val="tx1">
+                <a:alpha val="30000"/>
+              </a:schemeClr>
+            </a:glow>
+          </a:effectLst>
+        </p:spPr>
+        <p:style>
+          <a:lnRef idx="2">
+            <a:schemeClr val="accent1">
+              <a:shade val="50000"/>
+            </a:schemeClr>
+          </a:lnRef>
+          <a:fillRef idx="1">
+            <a:schemeClr val="accent1"/>
+          </a:fillRef>
+          <a:effectRef idx="0">
+            <a:schemeClr val="accent1"/>
+          </a:effectRef>
+          <a:fontRef idx="minor">
+            <a:schemeClr val="lt1"/>
+          </a:fontRef>
+        </p:style>
+        <p:txBody>
+          <a:bodyPr rtlCol="0" anchor="ctr"/>
+          <a:lstStyle/>
+          <a:p>
+            <a:pPr algn="ctr"/>
+            <a:endParaRPr lang="zh-CN" altLang="en-US">
+              <a:cs typeface="+mn-ea"/>
+              <a:sym typeface="+mn-lt"/>
+            </a:endParaRPr>
+          </a:p>
+        </p:txBody>
+      </p:sp>
+      <p:sp>
+        <p:nvSpPr>
+          <p:cNvPr id="9" name="文本框 8"/>
           <p:cNvSpPr txBox="1"/>
           <p:nvPr/>
         </p:nvSpPr>
         <p:spPr>
           <a:xfrm>
-            <a:off x="904648" y="409927"/>
-            <a:ext cx="4424734" cy="523220"/>
+            <a:off x="2718927" y="2080651"/>
+            <a:ext cx="6754146" cy="830997"/>
           </a:xfrm>
           <a:prstGeom prst="rect">
             <a:avLst/>
@@ -9793,65 +9907,46 @@
           </a:bodyPr>
           <a:lstStyle/>
           <a:p>
-            <a:r>
-              <a:rPr lang="zh-CN" altLang="en-US" sz="2800" dirty="0">
-                <a:solidFill>
-                  <a:schemeClr val="tx1">
-                    <a:lumMod val="85000"/>
-                    <a:lumOff val="15000"/>
-                  </a:schemeClr>
+            <a:pPr algn="dist"/>
+            <a:r>
+              <a:rPr lang="zh-CN" altLang="en-US" sz="4800">
+                <a:solidFill>
+                  <a:srgbClr val="1C4885"/>
                 </a:solidFill>
                 <a:cs typeface="+mn-ea"/>
                 <a:sym typeface="+mn-lt"/>
               </a:rPr>
-              <a:t>测试展示</a:t>
-            </a:r>
-            <a:r>
-              <a:rPr lang="en-US" altLang="zh-CN" sz="2800" dirty="0">
-                <a:solidFill>
-                  <a:schemeClr val="tx1">
-                    <a:lumMod val="85000"/>
-                    <a:lumOff val="15000"/>
-                  </a:schemeClr>
-                </a:solidFill>
-                <a:cs typeface="+mn-ea"/>
-                <a:sym typeface="+mn-lt"/>
-              </a:rPr>
-              <a:t>-</a:t>
-            </a:r>
-            <a:r>
-              <a:rPr lang="zh-CN" altLang="en-US" sz="2800" dirty="0">
-                <a:solidFill>
-                  <a:schemeClr val="tx1">
-                    <a:lumMod val="85000"/>
-                    <a:lumOff val="15000"/>
-                  </a:schemeClr>
-                </a:solidFill>
-                <a:cs typeface="+mn-ea"/>
-                <a:sym typeface="+mn-lt"/>
-              </a:rPr>
-              <a:t>预约专家功能</a:t>
-            </a:r>
+              <a:t>感谢观看</a:t>
+            </a:r>
+            <a:endParaRPr lang="zh-CN" altLang="en-US" sz="4800" dirty="0">
+              <a:solidFill>
+                <a:srgbClr val="1C4885"/>
+              </a:solidFill>
+              <a:cs typeface="+mn-ea"/>
+              <a:sym typeface="+mn-lt"/>
+            </a:endParaRPr>
           </a:p>
         </p:txBody>
       </p:sp>
       <p:cxnSp>
         <p:nvCxnSpPr>
-          <p:cNvPr id="6" name="直接连接符 5"/>
+          <p:cNvPr id="11" name="直接连接符 10"/>
           <p:cNvCxnSpPr/>
           <p:nvPr/>
         </p:nvCxnSpPr>
         <p:spPr>
           <a:xfrm>
-            <a:off x="796413" y="457203"/>
-            <a:ext cx="0" cy="632244"/>
+            <a:off x="5401597" y="3738717"/>
+            <a:ext cx="1388806" cy="0"/>
           </a:xfrm>
           <a:prstGeom prst="line">
             <a:avLst/>
           </a:prstGeom>
-          <a:ln w="76200">
+          <a:ln w="25400">
             <a:solidFill>
-              <a:srgbClr val="1C4885"/>
+              <a:schemeClr val="bg1">
+                <a:lumMod val="50000"/>
+              </a:schemeClr>
             </a:solidFill>
           </a:ln>
         </p:spPr>
@@ -9872,14 +9967,14 @@
       </p:cxnSp>
       <p:sp>
         <p:nvSpPr>
-          <p:cNvPr id="24" name="TextBox 23"/>
+          <p:cNvPr id="13" name="文本框 12"/>
           <p:cNvSpPr txBox="1"/>
           <p:nvPr/>
         </p:nvSpPr>
         <p:spPr>
           <a:xfrm>
-            <a:off x="805218" y="1733266"/>
-            <a:ext cx="10126639" cy="369332"/>
+            <a:off x="2718928" y="2827444"/>
+            <a:ext cx="6754145" cy="369332"/>
           </a:xfrm>
           <a:prstGeom prst="rect">
             <a:avLst/>
@@ -9892,44 +9987,31 @@
           </a:bodyPr>
           <a:lstStyle/>
           <a:p>
-            <a:endParaRPr lang="zh-CN" altLang="en-US"/>
-          </a:p>
-        </p:txBody>
-      </p:sp>
-      <p:pic>
-        <p:nvPicPr>
-          <p:cNvPr id="3" name="图片 2">
-            <a:extLst>
-              <a:ext uri="{FF2B5EF4-FFF2-40B4-BE49-F238E27FC236}">
-                <a16:creationId xmlns:a16="http://schemas.microsoft.com/office/drawing/2014/main" id="{A990BB9A-FD89-204E-F37C-BE0CF80DA0A0}"/>
-              </a:ext>
-            </a:extLst>
-          </p:cNvPr>
-          <p:cNvPicPr>
-            <a:picLocks noChangeAspect="1"/>
-          </p:cNvPicPr>
-          <p:nvPr/>
-        </p:nvPicPr>
-        <p:blipFill>
-          <a:blip r:embed="rId3"/>
-          <a:stretch>
-            <a:fillRect/>
-          </a:stretch>
-        </p:blipFill>
-        <p:spPr>
-          <a:xfrm>
-            <a:off x="1498652" y="1518772"/>
-            <a:ext cx="8789681" cy="4429446"/>
-          </a:xfrm>
-          <a:prstGeom prst="rect">
-            <a:avLst/>
-          </a:prstGeom>
-        </p:spPr>
-      </p:pic>
+            <a:pPr algn="dist"/>
+            <a:r>
+              <a:rPr lang="en-US" altLang="zh-CN" dirty="0">
+                <a:solidFill>
+                  <a:srgbClr val="1C4885"/>
+                </a:solidFill>
+                <a:cs typeface="+mn-ea"/>
+                <a:sym typeface="+mn-lt"/>
+              </a:rPr>
+              <a:t>BLUE THESIS PROPOSAL TEMPLATE</a:t>
+            </a:r>
+            <a:endParaRPr lang="zh-CN" altLang="en-US" dirty="0">
+              <a:solidFill>
+                <a:srgbClr val="1C4885"/>
+              </a:solidFill>
+              <a:cs typeface="+mn-ea"/>
+              <a:sym typeface="+mn-lt"/>
+            </a:endParaRPr>
+          </a:p>
+        </p:txBody>
+      </p:sp>
     </p:spTree>
     <p:extLst>
       <p:ext uri="{BB962C8B-B14F-4D97-AF65-F5344CB8AC3E}">
-        <p14:creationId xmlns:p14="http://schemas.microsoft.com/office/powerpoint/2010/main" val="3072572610"/>
+        <p14:creationId xmlns:p14="http://schemas.microsoft.com/office/powerpoint/2010/main" val="57088053"/>
       </p:ext>
     </p:extLst>
   </p:cSld>
@@ -10803,421 +10885,6 @@
     <p:extLst>
       <p:ext uri="{BB962C8B-B14F-4D97-AF65-F5344CB8AC3E}">
         <p14:creationId xmlns:p14="http://schemas.microsoft.com/office/powerpoint/2010/main" val="2602993393"/>
-      </p:ext>
-    </p:extLst>
-  </p:cSld>
-  <p:clrMapOvr>
-    <a:masterClrMapping/>
-  </p:clrMapOvr>
-  <mc:AlternateContent xmlns:mc="http://schemas.openxmlformats.org/markup-compatibility/2006" xmlns:p14="http://schemas.microsoft.com/office/powerpoint/2010/main">
-    <mc:Choice Requires="p14">
-      <p:transition p14:dur="10"/>
-    </mc:Choice>
-    <mc:Fallback xmlns="">
-      <p:transition/>
-    </mc:Fallback>
-  </mc:AlternateContent>
-</p:sld>
-</file>
-
-<file path=ppt/slides/slide20.xml><?xml version="1.0" encoding="utf-8"?>
-<p:sld xmlns:a="http://schemas.openxmlformats.org/drawingml/2006/main" xmlns:r="http://schemas.openxmlformats.org/officeDocument/2006/relationships" xmlns:p="http://schemas.openxmlformats.org/presentationml/2006/main">
-  <p:cSld>
-    <p:spTree>
-      <p:nvGrpSpPr>
-        <p:cNvPr id="1" name=""/>
-        <p:cNvGrpSpPr/>
-        <p:nvPr/>
-      </p:nvGrpSpPr>
-      <p:grpSpPr>
-        <a:xfrm>
-          <a:off x="0" y="0"/>
-          <a:ext cx="0" cy="0"/>
-          <a:chOff x="0" y="0"/>
-          <a:chExt cx="0" cy="0"/>
-        </a:xfrm>
-      </p:grpSpPr>
-      <p:sp>
-        <p:nvSpPr>
-          <p:cNvPr id="4" name="矩形 3"/>
-          <p:cNvSpPr/>
-          <p:nvPr/>
-        </p:nvSpPr>
-        <p:spPr>
-          <a:xfrm>
-            <a:off x="9984658" y="4866967"/>
-            <a:ext cx="1961536" cy="1696064"/>
-          </a:xfrm>
-          <a:prstGeom prst="rect">
-            <a:avLst/>
-          </a:prstGeom>
-          <a:solidFill>
-            <a:srgbClr val="1C4885"/>
-          </a:solidFill>
-          <a:ln>
-            <a:noFill/>
-          </a:ln>
-        </p:spPr>
-        <p:style>
-          <a:lnRef idx="2">
-            <a:schemeClr val="accent1">
-              <a:shade val="50000"/>
-            </a:schemeClr>
-          </a:lnRef>
-          <a:fillRef idx="1">
-            <a:schemeClr val="accent1"/>
-          </a:fillRef>
-          <a:effectRef idx="0">
-            <a:schemeClr val="accent1"/>
-          </a:effectRef>
-          <a:fontRef idx="minor">
-            <a:schemeClr val="lt1"/>
-          </a:fontRef>
-        </p:style>
-        <p:txBody>
-          <a:bodyPr rtlCol="0" anchor="ctr"/>
-          <a:lstStyle/>
-          <a:p>
-            <a:pPr algn="ctr"/>
-            <a:endParaRPr lang="zh-CN" altLang="en-US">
-              <a:cs typeface="+mn-ea"/>
-              <a:sym typeface="+mn-lt"/>
-            </a:endParaRPr>
-          </a:p>
-        </p:txBody>
-      </p:sp>
-      <p:sp>
-        <p:nvSpPr>
-          <p:cNvPr id="5" name="矩形 4"/>
-          <p:cNvSpPr/>
-          <p:nvPr/>
-        </p:nvSpPr>
-        <p:spPr>
-          <a:xfrm>
-            <a:off x="245805" y="294968"/>
-            <a:ext cx="1961536" cy="1696064"/>
-          </a:xfrm>
-          <a:prstGeom prst="rect">
-            <a:avLst/>
-          </a:prstGeom>
-          <a:solidFill>
-            <a:srgbClr val="1C4885"/>
-          </a:solidFill>
-          <a:ln>
-            <a:noFill/>
-          </a:ln>
-        </p:spPr>
-        <p:style>
-          <a:lnRef idx="2">
-            <a:schemeClr val="accent1">
-              <a:shade val="50000"/>
-            </a:schemeClr>
-          </a:lnRef>
-          <a:fillRef idx="1">
-            <a:schemeClr val="accent1"/>
-          </a:fillRef>
-          <a:effectRef idx="0">
-            <a:schemeClr val="accent1"/>
-          </a:effectRef>
-          <a:fontRef idx="minor">
-            <a:schemeClr val="lt1"/>
-          </a:fontRef>
-        </p:style>
-        <p:txBody>
-          <a:bodyPr rtlCol="0" anchor="ctr"/>
-          <a:lstStyle/>
-          <a:p>
-            <a:pPr algn="ctr"/>
-            <a:endParaRPr lang="zh-CN" altLang="en-US">
-              <a:cs typeface="+mn-ea"/>
-              <a:sym typeface="+mn-lt"/>
-            </a:endParaRPr>
-          </a:p>
-        </p:txBody>
-      </p:sp>
-      <p:sp>
-        <p:nvSpPr>
-          <p:cNvPr id="6" name="矩形 5"/>
-          <p:cNvSpPr/>
-          <p:nvPr/>
-        </p:nvSpPr>
-        <p:spPr>
-          <a:xfrm>
-            <a:off x="245805" y="4866967"/>
-            <a:ext cx="1961536" cy="1696064"/>
-          </a:xfrm>
-          <a:prstGeom prst="rect">
-            <a:avLst/>
-          </a:prstGeom>
-          <a:solidFill>
-            <a:srgbClr val="1C4885"/>
-          </a:solidFill>
-          <a:ln>
-            <a:noFill/>
-          </a:ln>
-        </p:spPr>
-        <p:style>
-          <a:lnRef idx="2">
-            <a:schemeClr val="accent1">
-              <a:shade val="50000"/>
-            </a:schemeClr>
-          </a:lnRef>
-          <a:fillRef idx="1">
-            <a:schemeClr val="accent1"/>
-          </a:fillRef>
-          <a:effectRef idx="0">
-            <a:schemeClr val="accent1"/>
-          </a:effectRef>
-          <a:fontRef idx="minor">
-            <a:schemeClr val="lt1"/>
-          </a:fontRef>
-        </p:style>
-        <p:txBody>
-          <a:bodyPr rtlCol="0" anchor="ctr"/>
-          <a:lstStyle/>
-          <a:p>
-            <a:pPr algn="ctr"/>
-            <a:endParaRPr lang="zh-CN" altLang="en-US">
-              <a:cs typeface="+mn-ea"/>
-              <a:sym typeface="+mn-lt"/>
-            </a:endParaRPr>
-          </a:p>
-        </p:txBody>
-      </p:sp>
-      <p:sp>
-        <p:nvSpPr>
-          <p:cNvPr id="7" name="矩形 6"/>
-          <p:cNvSpPr/>
-          <p:nvPr/>
-        </p:nvSpPr>
-        <p:spPr>
-          <a:xfrm>
-            <a:off x="9984658" y="294968"/>
-            <a:ext cx="1961536" cy="1696064"/>
-          </a:xfrm>
-          <a:prstGeom prst="rect">
-            <a:avLst/>
-          </a:prstGeom>
-          <a:solidFill>
-            <a:srgbClr val="1C4885"/>
-          </a:solidFill>
-          <a:ln>
-            <a:noFill/>
-          </a:ln>
-        </p:spPr>
-        <p:style>
-          <a:lnRef idx="2">
-            <a:schemeClr val="accent1">
-              <a:shade val="50000"/>
-            </a:schemeClr>
-          </a:lnRef>
-          <a:fillRef idx="1">
-            <a:schemeClr val="accent1"/>
-          </a:fillRef>
-          <a:effectRef idx="0">
-            <a:schemeClr val="accent1"/>
-          </a:effectRef>
-          <a:fontRef idx="minor">
-            <a:schemeClr val="lt1"/>
-          </a:fontRef>
-        </p:style>
-        <p:txBody>
-          <a:bodyPr rtlCol="0" anchor="ctr"/>
-          <a:lstStyle/>
-          <a:p>
-            <a:pPr algn="ctr"/>
-            <a:endParaRPr lang="zh-CN" altLang="en-US">
-              <a:cs typeface="+mn-ea"/>
-              <a:sym typeface="+mn-lt"/>
-            </a:endParaRPr>
-          </a:p>
-        </p:txBody>
-      </p:sp>
-      <p:sp>
-        <p:nvSpPr>
-          <p:cNvPr id="8" name="圆角矩形 7"/>
-          <p:cNvSpPr/>
-          <p:nvPr/>
-        </p:nvSpPr>
-        <p:spPr>
-          <a:xfrm>
-            <a:off x="403122" y="405580"/>
-            <a:ext cx="11385755" cy="5958349"/>
-          </a:xfrm>
-          <a:prstGeom prst="roundRect">
-            <a:avLst>
-              <a:gd name="adj" fmla="val 1568"/>
-            </a:avLst>
-          </a:prstGeom>
-          <a:solidFill>
-            <a:schemeClr val="bg1"/>
-          </a:solidFill>
-          <a:ln>
-            <a:noFill/>
-          </a:ln>
-          <a:effectLst>
-            <a:glow rad="228600">
-              <a:schemeClr val="tx1">
-                <a:alpha val="30000"/>
-              </a:schemeClr>
-            </a:glow>
-          </a:effectLst>
-        </p:spPr>
-        <p:style>
-          <a:lnRef idx="2">
-            <a:schemeClr val="accent1">
-              <a:shade val="50000"/>
-            </a:schemeClr>
-          </a:lnRef>
-          <a:fillRef idx="1">
-            <a:schemeClr val="accent1"/>
-          </a:fillRef>
-          <a:effectRef idx="0">
-            <a:schemeClr val="accent1"/>
-          </a:effectRef>
-          <a:fontRef idx="minor">
-            <a:schemeClr val="lt1"/>
-          </a:fontRef>
-        </p:style>
-        <p:txBody>
-          <a:bodyPr rtlCol="0" anchor="ctr"/>
-          <a:lstStyle/>
-          <a:p>
-            <a:pPr algn="ctr"/>
-            <a:endParaRPr lang="zh-CN" altLang="en-US">
-              <a:cs typeface="+mn-ea"/>
-              <a:sym typeface="+mn-lt"/>
-            </a:endParaRPr>
-          </a:p>
-        </p:txBody>
-      </p:sp>
-      <p:sp>
-        <p:nvSpPr>
-          <p:cNvPr id="9" name="文本框 8"/>
-          <p:cNvSpPr txBox="1"/>
-          <p:nvPr/>
-        </p:nvSpPr>
-        <p:spPr>
-          <a:xfrm>
-            <a:off x="2718927" y="2080651"/>
-            <a:ext cx="6754146" cy="830997"/>
-          </a:xfrm>
-          <a:prstGeom prst="rect">
-            <a:avLst/>
-          </a:prstGeom>
-          <a:noFill/>
-        </p:spPr>
-        <p:txBody>
-          <a:bodyPr wrap="square" rtlCol="0">
-            <a:spAutoFit/>
-          </a:bodyPr>
-          <a:lstStyle/>
-          <a:p>
-            <a:pPr algn="dist"/>
-            <a:r>
-              <a:rPr lang="zh-CN" altLang="en-US" sz="4800">
-                <a:solidFill>
-                  <a:srgbClr val="1C4885"/>
-                </a:solidFill>
-                <a:cs typeface="+mn-ea"/>
-                <a:sym typeface="+mn-lt"/>
-              </a:rPr>
-              <a:t>感谢观看</a:t>
-            </a:r>
-            <a:endParaRPr lang="zh-CN" altLang="en-US" sz="4800" dirty="0">
-              <a:solidFill>
-                <a:srgbClr val="1C4885"/>
-              </a:solidFill>
-              <a:cs typeface="+mn-ea"/>
-              <a:sym typeface="+mn-lt"/>
-            </a:endParaRPr>
-          </a:p>
-        </p:txBody>
-      </p:sp>
-      <p:cxnSp>
-        <p:nvCxnSpPr>
-          <p:cNvPr id="11" name="直接连接符 10"/>
-          <p:cNvCxnSpPr/>
-          <p:nvPr/>
-        </p:nvCxnSpPr>
-        <p:spPr>
-          <a:xfrm>
-            <a:off x="5401597" y="3738717"/>
-            <a:ext cx="1388806" cy="0"/>
-          </a:xfrm>
-          <a:prstGeom prst="line">
-            <a:avLst/>
-          </a:prstGeom>
-          <a:ln w="25400">
-            <a:solidFill>
-              <a:schemeClr val="bg1">
-                <a:lumMod val="50000"/>
-              </a:schemeClr>
-            </a:solidFill>
-          </a:ln>
-        </p:spPr>
-        <p:style>
-          <a:lnRef idx="1">
-            <a:schemeClr val="accent1"/>
-          </a:lnRef>
-          <a:fillRef idx="0">
-            <a:schemeClr val="accent1"/>
-          </a:fillRef>
-          <a:effectRef idx="0">
-            <a:schemeClr val="accent1"/>
-          </a:effectRef>
-          <a:fontRef idx="minor">
-            <a:schemeClr val="tx1"/>
-          </a:fontRef>
-        </p:style>
-      </p:cxnSp>
-      <p:sp>
-        <p:nvSpPr>
-          <p:cNvPr id="13" name="文本框 12"/>
-          <p:cNvSpPr txBox="1"/>
-          <p:nvPr/>
-        </p:nvSpPr>
-        <p:spPr>
-          <a:xfrm>
-            <a:off x="2718928" y="2827444"/>
-            <a:ext cx="6754145" cy="369332"/>
-          </a:xfrm>
-          <a:prstGeom prst="rect">
-            <a:avLst/>
-          </a:prstGeom>
-          <a:noFill/>
-        </p:spPr>
-        <p:txBody>
-          <a:bodyPr wrap="square" rtlCol="0">
-            <a:spAutoFit/>
-          </a:bodyPr>
-          <a:lstStyle/>
-          <a:p>
-            <a:pPr algn="dist"/>
-            <a:r>
-              <a:rPr lang="en-US" altLang="zh-CN" dirty="0">
-                <a:solidFill>
-                  <a:srgbClr val="1C4885"/>
-                </a:solidFill>
-                <a:cs typeface="+mn-ea"/>
-                <a:sym typeface="+mn-lt"/>
-              </a:rPr>
-              <a:t>BLUE THESIS PROPOSAL TEMPLATE</a:t>
-            </a:r>
-            <a:endParaRPr lang="zh-CN" altLang="en-US" dirty="0">
-              <a:solidFill>
-                <a:srgbClr val="1C4885"/>
-              </a:solidFill>
-              <a:cs typeface="+mn-ea"/>
-              <a:sym typeface="+mn-lt"/>
-            </a:endParaRPr>
-          </a:p>
-        </p:txBody>
-      </p:sp>
-    </p:spTree>
-    <p:extLst>
-      <p:ext uri="{BB962C8B-B14F-4D97-AF65-F5344CB8AC3E}">
-        <p14:creationId xmlns:p14="http://schemas.microsoft.com/office/powerpoint/2010/main" val="57088053"/>
       </p:ext>
     </p:extLst>
   </p:cSld>
@@ -11764,7 +11431,7 @@
         <p:spPr>
           <a:xfrm>
             <a:off x="6426244" y="1728538"/>
-            <a:ext cx="4491964" cy="4801314"/>
+            <a:ext cx="4491964" cy="3970318"/>
           </a:xfrm>
           <a:prstGeom prst="rect">
             <a:avLst/>
@@ -11778,97 +11445,30 @@
           <a:lstStyle/>
           <a:p>
             <a:r>
-              <a:rPr lang="zh-CN" altLang="en-US" sz="2400" dirty="0">
-                <a:solidFill>
-                  <a:schemeClr val="tx1">
-                    <a:lumMod val="85000"/>
-                    <a:lumOff val="15000"/>
-                  </a:schemeClr>
-                </a:solidFill>
-                <a:cs typeface="+mn-ea"/>
-                <a:sym typeface="+mn-lt"/>
-              </a:rPr>
-              <a:t>近年来，中东呼吸综合征（</a:t>
-            </a:r>
-            <a:r>
-              <a:rPr lang="en-US" altLang="zh-CN" sz="2400" dirty="0">
-                <a:solidFill>
-                  <a:schemeClr val="tx1">
-                    <a:lumMod val="85000"/>
-                    <a:lumOff val="15000"/>
-                  </a:schemeClr>
-                </a:solidFill>
-                <a:cs typeface="+mn-ea"/>
-                <a:sym typeface="+mn-lt"/>
-              </a:rPr>
-              <a:t>MERS</a:t>
-            </a:r>
-            <a:r>
-              <a:rPr lang="zh-CN" altLang="en-US" sz="2400" dirty="0">
-                <a:solidFill>
-                  <a:schemeClr val="tx1">
-                    <a:lumMod val="85000"/>
-                    <a:lumOff val="15000"/>
-                  </a:schemeClr>
-                </a:solidFill>
-                <a:cs typeface="+mn-ea"/>
-                <a:sym typeface="+mn-lt"/>
-              </a:rPr>
-              <a:t>）、严重急性呼吸综合征（</a:t>
-            </a:r>
-            <a:r>
-              <a:rPr lang="en-US" altLang="zh-CN" sz="2400" dirty="0">
-                <a:solidFill>
-                  <a:schemeClr val="tx1">
-                    <a:lumMod val="85000"/>
-                    <a:lumOff val="15000"/>
-                  </a:schemeClr>
-                </a:solidFill>
-                <a:cs typeface="+mn-ea"/>
-                <a:sym typeface="+mn-lt"/>
-              </a:rPr>
-              <a:t>SARS</a:t>
-            </a:r>
-            <a:r>
-              <a:rPr lang="zh-CN" altLang="en-US" sz="2400" dirty="0">
-                <a:solidFill>
-                  <a:schemeClr val="tx1">
-                    <a:lumMod val="85000"/>
-                    <a:lumOff val="15000"/>
-                  </a:schemeClr>
-                </a:solidFill>
-                <a:cs typeface="+mn-ea"/>
-                <a:sym typeface="+mn-lt"/>
-              </a:rPr>
-              <a:t>）等冠状病毒在全球范围内暴发，严重威胁着人们的生命健康。这些病毒是一种只感染脊椎动物的消化系统和神经系统疾病。全球新型冠状病毒肺炎具有高度传染性，可通过呼吸道飞沫直接传播、气溶胶传播和接触传播。</a:t>
-            </a:r>
-          </a:p>
-          <a:p>
-            <a:r>
-              <a:rPr lang="zh-CN" altLang="en-US" sz="2400" dirty="0">
-                <a:solidFill>
-                  <a:schemeClr val="tx1">
-                    <a:lumMod val="85000"/>
-                    <a:lumOff val="15000"/>
-                  </a:schemeClr>
-                </a:solidFill>
-                <a:cs typeface="+mn-ea"/>
-                <a:sym typeface="+mn-lt"/>
-              </a:rPr>
-              <a:t>为做好疫情防控，居家隔离成为普通人群的最佳防控措施。</a:t>
-            </a:r>
-          </a:p>
-          <a:p>
-            <a:endParaRPr lang="zh-CN" altLang="en-US" dirty="0">
-              <a:solidFill>
-                <a:schemeClr val="tx1">
-                  <a:lumMod val="85000"/>
-                  <a:lumOff val="15000"/>
-                </a:schemeClr>
-              </a:solidFill>
-              <a:cs typeface="+mn-ea"/>
-              <a:sym typeface="+mn-lt"/>
-            </a:endParaRPr>
+              <a:rPr lang="zh-CN" altLang="zh-CN"/>
+              <a:t>随着全球信息化的发展，各行各业都相继进入了互联网</a:t>
+            </a:r>
+            <a:r>
+              <a:rPr lang="en-US" altLang="zh-CN"/>
+              <a:t>+</a:t>
+            </a:r>
+            <a:r>
+              <a:rPr lang="zh-CN" altLang="zh-CN"/>
+              <a:t>的新时代，传统的经营模式与管理水平已经不能满足企业经营的需要，智慧停车场、智能员工管理系统、智慧城市……无不展示这信息化改革的优越性，无论是网络购物或是在线点单，都意味着信息化带给人民群众五一伦比的新奇购物体验，这都推动了传统行业向智慧型、高新型管理方式的改变。新世纪信息化的推进改变了人民群众的生活方式，企业员工管理系统也因此获得了技术上改革的前提条件。利用现金的信息化手段，来进行管理方式的变革，对于我国的企业来说，既是机遇，也是挑</a:t>
+            </a:r>
+            <a:r>
+              <a:rPr lang="zh-CN" altLang="zh-CN"/>
+              <a:t>战</a:t>
+            </a:r>
+            <a:r>
+              <a:rPr lang="en-US" altLang="zh-CN" baseline="30000" smtClean="0"/>
+              <a:t>[</a:t>
+            </a:r>
+            <a:r>
+              <a:rPr lang="zh-CN" altLang="zh-CN" smtClean="0"/>
+              <a:t>。</a:t>
+            </a:r>
+            <a:endParaRPr lang="zh-CN" altLang="zh-CN"/>
           </a:p>
         </p:txBody>
       </p:sp>
@@ -11948,7 +11548,7 @@
         </p:nvSpPr>
         <p:spPr>
           <a:xfrm>
-            <a:off x="603652" y="409927"/>
+            <a:off x="796413" y="489751"/>
             <a:ext cx="2839450" cy="523220"/>
           </a:xfrm>
           <a:prstGeom prst="rect">
@@ -12074,7 +11674,7 @@
         <p:spPr>
           <a:xfrm>
             <a:off x="939844" y="1264514"/>
-            <a:ext cx="10169434" cy="2031325"/>
+            <a:ext cx="10169434" cy="1938992"/>
           </a:xfrm>
           <a:prstGeom prst="rect">
             <a:avLst/>
@@ -12088,43 +11688,17 @@
           <a:lstStyle/>
           <a:p>
             <a:r>
-              <a:rPr lang="zh-CN" altLang="en-US" dirty="0"/>
-              <a:t>目前国内的疫情防控研究主要集中在对特定人群的跟踪调查，以规范疾病筛查社区。针对现有</a:t>
-            </a:r>
-            <a:r>
-              <a:rPr lang="en-US" altLang="zh-CN" dirty="0"/>
-              <a:t>HIS</a:t>
-            </a:r>
-            <a:r>
-              <a:rPr lang="zh-CN" altLang="en-US" dirty="0"/>
-              <a:t>软件系统，采用消息队列技术、综合平台接入社区入口方式、网络应用层消息广播开发原理，设计了接入</a:t>
-            </a:r>
-            <a:r>
-              <a:rPr lang="en-US" altLang="zh-CN" dirty="0"/>
-              <a:t>HIS</a:t>
-            </a:r>
-            <a:r>
-              <a:rPr lang="zh-CN" altLang="en-US" dirty="0"/>
-              <a:t>系统的社区信息管控平台。开发疾病报告管理系统，并将其应用到实际医疗实践中，确保疾病报告的及时性和准确性，提高医院公共卫生管理的社区化水平。设计开发疫情报告管理系统，解决传统人工社区漏报、虚报、迟报问题问题。具有区域预警和防灾能力的区域</a:t>
-            </a:r>
-            <a:r>
-              <a:rPr lang="en-US" altLang="zh-CN" dirty="0"/>
-              <a:t>SARS</a:t>
-            </a:r>
-            <a:r>
-              <a:rPr lang="zh-CN" altLang="en-US" dirty="0"/>
-              <a:t>疫情应急管理系统的结构、模型与开发研究。以居民为防疫主体、规范科学管理的社区缺乏对社区关系的系统研究。做好疫情防控工作。</a:t>
-            </a:r>
-            <a:endParaRPr lang="zh-CN" altLang="en-US" dirty="0">
-              <a:solidFill>
-                <a:schemeClr val="tx1">
-                  <a:lumMod val="85000"/>
-                  <a:lumOff val="15000"/>
-                </a:schemeClr>
-              </a:solidFill>
-              <a:cs typeface="+mn-ea"/>
-              <a:sym typeface="+mn-lt"/>
-            </a:endParaRPr>
+              <a:rPr lang="zh-CN" altLang="zh-CN" sz="2400"/>
+              <a:t>企业员工管理系统，顾名思义对企业名下所属员工统一管理的信息化系统。国内外各式各样的公司，各种各样的项目管理系统都不尽相同。目前国内比较流行的企业员工管理系统 有钉钉、企业微信、扶摇等公共的系统，各个大型企业也会自行开发相关的内部</a:t>
+            </a:r>
+            <a:r>
+              <a:rPr lang="en-US" altLang="zh-CN" sz="2400"/>
+              <a:t>OA</a:t>
+            </a:r>
+            <a:r>
+              <a:rPr lang="zh-CN" altLang="zh-CN" sz="2400"/>
+              <a:t>来进行员工的管理，主要的功能有打卡、考勤、入职离职的管理等。</a:t>
+            </a:r>
           </a:p>
         </p:txBody>
       </p:sp>
@@ -12157,147 +11731,18 @@
           <a:lstStyle/>
           <a:p>
             <a:r>
-              <a:rPr lang="zh-CN" altLang="en-US" dirty="0"/>
-              <a:t>国外将计算机应用到儿童健康服务及其管理始于</a:t>
-            </a:r>
-            <a:r>
-              <a:rPr lang="en-US" altLang="zh-CN" dirty="0"/>
-              <a:t>60</a:t>
-            </a:r>
-            <a:r>
-              <a:rPr lang="zh-CN" altLang="en-US" dirty="0"/>
-              <a:t>年代的英国，主要利用计算机系统进行疾病防疫管理，到</a:t>
-            </a:r>
-            <a:r>
-              <a:rPr lang="en-US" altLang="zh-CN" dirty="0"/>
-              <a:t>70</a:t>
-            </a:r>
-            <a:r>
-              <a:rPr lang="zh-CN" altLang="en-US" dirty="0"/>
-              <a:t>年代中期，英国健康社会保障部提出了儿童疾病防疫计算机系统应用计划，英国卫生部随即在威尔士地区建立起国家儿童疾病防疫计算机系统，主要功能包括建立预防接种记录、接种预约、接种通知、生成接种率报表等。美国于</a:t>
-            </a:r>
-            <a:r>
-              <a:rPr lang="en-US" altLang="zh-CN" dirty="0"/>
-              <a:t>2000</a:t>
-            </a:r>
-            <a:r>
-              <a:rPr lang="zh-CN" altLang="en-US" dirty="0"/>
-              <a:t>年致力于</a:t>
-            </a:r>
-            <a:r>
-              <a:rPr lang="en-US" altLang="zh-CN" dirty="0"/>
-              <a:t>IIS</a:t>
-            </a:r>
-            <a:r>
-              <a:rPr lang="zh-CN" altLang="en-US" dirty="0"/>
-              <a:t>的开发，主要功能包括预约接种提醒、问题疫苗追踪、接种率评价和新疫苗应用监测等。</a:t>
-            </a:r>
-            <a:r>
-              <a:rPr lang="en-US" altLang="zh-CN" dirty="0"/>
-              <a:t>IIS</a:t>
-            </a:r>
-            <a:r>
-              <a:rPr lang="zh-CN" altLang="en-US" dirty="0"/>
-              <a:t>实施地区在</a:t>
-            </a:r>
-            <a:r>
-              <a:rPr lang="en-US" altLang="zh-CN" dirty="0"/>
-              <a:t>2000</a:t>
-            </a:r>
-            <a:r>
-              <a:rPr lang="zh-CN" altLang="en-US" dirty="0"/>
-              <a:t>年为</a:t>
-            </a:r>
-            <a:r>
-              <a:rPr lang="en-US" altLang="zh-CN" dirty="0"/>
-              <a:t>61%</a:t>
-            </a:r>
-            <a:r>
-              <a:rPr lang="zh-CN" altLang="en-US" dirty="0"/>
-              <a:t>，至</a:t>
-            </a:r>
-            <a:r>
-              <a:rPr lang="en-US" altLang="zh-CN" dirty="0"/>
-              <a:t>2021</a:t>
-            </a:r>
-            <a:r>
-              <a:rPr lang="zh-CN" altLang="en-US" dirty="0"/>
-              <a:t>年已经全部覆盖，</a:t>
-            </a:r>
-            <a:r>
-              <a:rPr lang="en-US" altLang="zh-CN" dirty="0"/>
-              <a:t>4</a:t>
-            </a:r>
-            <a:r>
-              <a:rPr lang="zh-CN" altLang="en-US" dirty="0"/>
-              <a:t>月龄至</a:t>
-            </a:r>
-            <a:r>
-              <a:rPr lang="en-US" altLang="zh-CN" dirty="0"/>
-              <a:t>5</a:t>
-            </a:r>
-            <a:r>
-              <a:rPr lang="zh-CN" altLang="en-US" dirty="0"/>
-              <a:t>岁儿童纳入</a:t>
-            </a:r>
-            <a:r>
-              <a:rPr lang="en-US" altLang="zh-CN" dirty="0"/>
-              <a:t>IIS</a:t>
-            </a:r>
-            <a:r>
-              <a:rPr lang="zh-CN" altLang="en-US" dirty="0"/>
-              <a:t>管理率由</a:t>
-            </a:r>
-            <a:r>
-              <a:rPr lang="en-US" altLang="zh-CN" dirty="0"/>
-              <a:t>2006</a:t>
-            </a:r>
-            <a:r>
-              <a:rPr lang="zh-CN" altLang="en-US" dirty="0"/>
-              <a:t>年的</a:t>
-            </a:r>
-            <a:r>
-              <a:rPr lang="en-US" altLang="zh-CN" dirty="0"/>
-              <a:t>63%</a:t>
-            </a:r>
-            <a:r>
-              <a:rPr lang="zh-CN" altLang="en-US" dirty="0"/>
-              <a:t>增加到</a:t>
-            </a:r>
-            <a:r>
-              <a:rPr lang="en-US" altLang="zh-CN" dirty="0"/>
-              <a:t>2021</a:t>
-            </a:r>
-            <a:r>
-              <a:rPr lang="zh-CN" altLang="en-US" dirty="0"/>
-              <a:t>年的</a:t>
-            </a:r>
-            <a:r>
-              <a:rPr lang="en-US" altLang="zh-CN" dirty="0"/>
-              <a:t>94%</a:t>
-            </a:r>
-            <a:r>
-              <a:rPr lang="zh-CN" altLang="en-US" dirty="0"/>
-              <a:t>。作为国家防疫规划项目重要内容之一，澳大利亚于</a:t>
-            </a:r>
-            <a:r>
-              <a:rPr lang="en-US" altLang="zh-CN" dirty="0"/>
-              <a:t>1996</a:t>
-            </a:r>
-            <a:r>
-              <a:rPr lang="zh-CN" altLang="en-US" dirty="0"/>
-              <a:t>年开始在全国实施预防疫信息登记系统，主要功能包括向预防接种人员和儿童家长提供预防接种情况查询、接种预约、补种通知、接种率报告等。</a:t>
-            </a:r>
-            <a:endParaRPr lang="zh-CN" altLang="en-US" dirty="0">
-              <a:solidFill>
-                <a:schemeClr val="tx1">
-                  <a:lumMod val="85000"/>
-                  <a:lumOff val="15000"/>
-                </a:schemeClr>
-              </a:solidFill>
-              <a:cs typeface="+mn-ea"/>
-              <a:sym typeface="+mn-lt"/>
-            </a:endParaRPr>
+              <a:rPr lang="zh-CN" altLang="zh-CN" sz="2400"/>
+              <a:t>欧美等发达国家的企业相关管理方式较为先进，“百年企业”众多，甚至可以追溯到第一次工业革命前后。较为深远的企业发展历史诞生了较为先进的企业管理方式，国外的企业率先提出了顾客至上的理念，相关的经营水平较高，在企业管理方面，欧美等发达国家重视企业员工的管理水平，率先提出了优待员工，股权激励、良好的工作与福利等，激发员工主观能动性，发展程度较高，很多先进的理念是值得深入研究和学</a:t>
+            </a:r>
+            <a:r>
+              <a:rPr lang="zh-CN" altLang="zh-CN" sz="2400"/>
+              <a:t>习</a:t>
+            </a:r>
+            <a:r>
+              <a:rPr lang="zh-CN" altLang="zh-CN" sz="2400" smtClean="0"/>
+              <a:t>的。</a:t>
+            </a:r>
+            <a:endParaRPr lang="zh-CN" altLang="zh-CN" sz="2400"/>
           </a:p>
         </p:txBody>
       </p:sp>
@@ -14551,7 +13996,7 @@
           <a:lstStyle/>
           <a:p>
             <a:r>
-              <a:rPr lang="en-US" altLang="zh-CN" sz="2400" dirty="0">
+              <a:rPr lang="en-US" altLang="zh-CN" sz="2400">
                 <a:solidFill>
                   <a:schemeClr val="tx1">
                     <a:lumMod val="75000"/>
@@ -14564,7 +14009,7 @@
               <a:t>2</a:t>
             </a:r>
             <a:r>
-              <a:rPr lang="zh-CN" altLang="en-US" sz="2400" dirty="0">
+              <a:rPr lang="zh-CN" altLang="en-US" sz="2400">
                 <a:solidFill>
                   <a:schemeClr val="tx1">
                     <a:lumMod val="75000"/>
@@ -14574,8 +14019,31 @@
                 <a:cs typeface="+mn-ea"/>
                 <a:sym typeface="+mn-lt"/>
               </a:rPr>
-              <a:t> 医疗专家</a:t>
-            </a:r>
+              <a:t> </a:t>
+            </a:r>
+            <a:r>
+              <a:rPr lang="zh-CN" altLang="en-US" sz="2400">
+                <a:solidFill>
+                  <a:schemeClr val="tx1">
+                    <a:lumMod val="75000"/>
+                    <a:lumOff val="25000"/>
+                  </a:schemeClr>
+                </a:solidFill>
+                <a:cs typeface="+mn-ea"/>
+                <a:sym typeface="+mn-lt"/>
+              </a:rPr>
+              <a:t>用户</a:t>
+            </a:r>
+            <a:endParaRPr lang="zh-CN" altLang="en-US" sz="2400" dirty="0">
+              <a:solidFill>
+                <a:schemeClr val="tx1">
+                  <a:lumMod val="75000"/>
+                  <a:lumOff val="25000"/>
+                </a:schemeClr>
+              </a:solidFill>
+              <a:cs typeface="+mn-ea"/>
+              <a:sym typeface="+mn-lt"/>
+            </a:endParaRPr>
           </a:p>
         </p:txBody>
       </p:sp>
@@ -14626,7 +14094,7 @@
         <p:spPr>
           <a:xfrm>
             <a:off x="6750410" y="3314298"/>
-            <a:ext cx="4247107" cy="1169551"/>
+            <a:ext cx="4247107" cy="923330"/>
           </a:xfrm>
           <a:prstGeom prst="rect">
             <a:avLst/>
@@ -14640,12 +14108,8 @@
           <a:lstStyle/>
           <a:p>
             <a:r>
-              <a:rPr lang="zh-CN" altLang="zh-CN" sz="1800" kern="100" dirty="0">
-                <a:effectLst/>
-                <a:ea typeface="宋体" panose="02010600030101010101" pitchFamily="2" charset="-122"/>
-                <a:cs typeface="Times New Roman" panose="02020603050405020304" pitchFamily="18" charset="0"/>
-              </a:rPr>
-              <a:t>医疗专家功能包括注册登录、专家咨询管理、咨询回复管理、预约信息管理、健康档案管理等功能</a:t>
+              <a:rPr lang="zh-CN" altLang="zh-CN"/>
+              <a:t>用户登录后可以进行个人信息管理、考勤提交、值班查询、请假查询、部门查询等</a:t>
             </a:r>
             <a:endParaRPr lang="zh-CN" altLang="en-US" sz="1600" dirty="0">
               <a:solidFill>
@@ -14658,18 +14122,6 @@
               <a:sym typeface="+mn-lt"/>
             </a:endParaRPr>
           </a:p>
-          <a:p>
-            <a:endParaRPr lang="zh-CN" altLang="en-US" sz="1600" dirty="0">
-              <a:solidFill>
-                <a:schemeClr val="tx1">
-                  <a:lumMod val="75000"/>
-                  <a:lumOff val="25000"/>
-                </a:schemeClr>
-              </a:solidFill>
-              <a:cs typeface="+mn-ea"/>
-              <a:sym typeface="+mn-lt"/>
-            </a:endParaRPr>
-          </a:p>
         </p:txBody>
       </p:sp>
       <p:sp>
@@ -14681,7 +14133,7 @@
         <p:spPr>
           <a:xfrm>
             <a:off x="1157103" y="3316572"/>
-            <a:ext cx="4247107" cy="1169551"/>
+            <a:ext cx="4247107" cy="923330"/>
           </a:xfrm>
           <a:prstGeom prst="rect">
             <a:avLst/>
@@ -14695,117 +14147,17 @@
           <a:lstStyle/>
           <a:p>
             <a:r>
-              <a:rPr lang="zh-CN" altLang="zh-CN" sz="1800" kern="100" dirty="0">
+              <a:rPr lang="zh-CN" altLang="zh-CN">
                 <a:solidFill>
                   <a:schemeClr val="bg1"/>
                 </a:solidFill>
-                <a:effectLst/>
-                <a:ea typeface="宋体" panose="02010600030101010101" pitchFamily="2" charset="-122"/>
-                <a:cs typeface="Times New Roman" panose="02020603050405020304" pitchFamily="18" charset="0"/>
-              </a:rPr>
-              <a:t>能包括登录、用户管理、医疗专家管理、专家咨询管理、咨询回复管理、留言管理等功能</a:t>
+              </a:rPr>
+              <a:t>管理员登录后可以进行个人信息管理、员工管理、考勤管理、值班管理、请假管理、部门管理等</a:t>
             </a:r>
             <a:endParaRPr lang="zh-CN" altLang="en-US" sz="1600" dirty="0">
               <a:solidFill>
                 <a:schemeClr val="bg1"/>
               </a:solidFill>
-              <a:cs typeface="+mn-ea"/>
-              <a:sym typeface="+mn-lt"/>
-            </a:endParaRPr>
-          </a:p>
-          <a:p>
-            <a:endParaRPr lang="zh-CN" altLang="en-US" sz="1600" dirty="0">
-              <a:solidFill>
-                <a:schemeClr val="tx1">
-                  <a:lumMod val="75000"/>
-                  <a:lumOff val="25000"/>
-                </a:schemeClr>
-              </a:solidFill>
-              <a:cs typeface="+mn-ea"/>
-              <a:sym typeface="+mn-lt"/>
-            </a:endParaRPr>
-          </a:p>
-        </p:txBody>
-      </p:sp>
-      <p:sp>
-        <p:nvSpPr>
-          <p:cNvPr id="2" name="矩形 1">
-            <a:extLst>
-              <a:ext uri="{FF2B5EF4-FFF2-40B4-BE49-F238E27FC236}">
-                <a16:creationId xmlns:a16="http://schemas.microsoft.com/office/drawing/2014/main" id="{4AABFB39-04EA-EBC7-097C-6FD61313655E}"/>
-              </a:ext>
-            </a:extLst>
-          </p:cNvPr>
-          <p:cNvSpPr/>
-          <p:nvPr/>
-        </p:nvSpPr>
-        <p:spPr>
-          <a:xfrm>
-            <a:off x="3954505" y="5550731"/>
-            <a:ext cx="4681495" cy="895076"/>
-          </a:xfrm>
-          <a:prstGeom prst="rect">
-            <a:avLst/>
-          </a:prstGeom>
-          <a:solidFill>
-            <a:schemeClr val="accent6">
-              <a:lumMod val="60000"/>
-              <a:lumOff val="40000"/>
-            </a:schemeClr>
-          </a:solidFill>
-        </p:spPr>
-        <p:style>
-          <a:lnRef idx="2">
-            <a:schemeClr val="accent1">
-              <a:shade val="50000"/>
-            </a:schemeClr>
-          </a:lnRef>
-          <a:fillRef idx="1">
-            <a:schemeClr val="accent1"/>
-          </a:fillRef>
-          <a:effectRef idx="0">
-            <a:schemeClr val="accent1"/>
-          </a:effectRef>
-          <a:fontRef idx="minor">
-            <a:schemeClr val="lt1"/>
-          </a:fontRef>
-        </p:style>
-        <p:txBody>
-          <a:bodyPr rtlCol="0" anchor="ctr"/>
-          <a:lstStyle/>
-          <a:p>
-            <a:pPr algn="ctr"/>
-            <a:r>
-              <a:rPr lang="en-US" altLang="zh-CN" dirty="0">
-                <a:cs typeface="+mn-ea"/>
-                <a:sym typeface="+mn-lt"/>
-              </a:rPr>
-              <a:t>3.</a:t>
-            </a:r>
-            <a:r>
-              <a:rPr lang="zh-CN" altLang="en-US" dirty="0">
-                <a:cs typeface="+mn-ea"/>
-                <a:sym typeface="+mn-lt"/>
-              </a:rPr>
-              <a:t>用户</a:t>
-            </a:r>
-            <a:endParaRPr lang="en-US" altLang="zh-CN" dirty="0">
-              <a:cs typeface="+mn-ea"/>
-              <a:sym typeface="+mn-lt"/>
-            </a:endParaRPr>
-          </a:p>
-          <a:p>
-            <a:pPr algn="ctr"/>
-            <a:r>
-              <a:rPr lang="zh-CN" altLang="zh-CN" sz="1800" kern="100" dirty="0">
-                <a:effectLst/>
-                <a:latin typeface="Times New Roman" panose="02020603050405020304" pitchFamily="18" charset="0"/>
-                <a:ea typeface="宋体" panose="02010600030101010101" pitchFamily="2" charset="-122"/>
-                <a:cs typeface="宋体" panose="02010600030101010101" pitchFamily="2" charset="-122"/>
-              </a:rPr>
-              <a:t>用户登录后可以进行查看论坛、查看医疗专家、查看健康档案、咨询等</a:t>
-            </a:r>
-            <a:endParaRPr lang="zh-CN" altLang="en-US" dirty="0">
               <a:cs typeface="+mn-ea"/>
               <a:sym typeface="+mn-lt"/>
             </a:endParaRPr>
